--- a/trunk/document/Presentation1.pptx
+++ b/trunk/document/Presentation1.pptx
@@ -5,7 +5,7 @@
     <p:sldMasterId id="2147483648" r:id="rId1"/>
   </p:sldMasterIdLst>
   <p:notesMasterIdLst>
-    <p:notesMasterId r:id="rId20"/>
+    <p:notesMasterId r:id="rId16"/>
   </p:notesMasterIdLst>
   <p:sldIdLst>
     <p:sldId id="274" r:id="rId2"/>
@@ -17,15 +17,11 @@
     <p:sldId id="287" r:id="rId8"/>
     <p:sldId id="288" r:id="rId9"/>
     <p:sldId id="289" r:id="rId10"/>
-    <p:sldId id="290" r:id="rId11"/>
-    <p:sldId id="291" r:id="rId12"/>
-    <p:sldId id="293" r:id="rId13"/>
-    <p:sldId id="294" r:id="rId14"/>
-    <p:sldId id="295" r:id="rId15"/>
-    <p:sldId id="296" r:id="rId16"/>
-    <p:sldId id="297" r:id="rId17"/>
-    <p:sldId id="298" r:id="rId18"/>
-    <p:sldId id="283" r:id="rId19"/>
+    <p:sldId id="291" r:id="rId11"/>
+    <p:sldId id="293" r:id="rId12"/>
+    <p:sldId id="294" r:id="rId13"/>
+    <p:sldId id="298" r:id="rId14"/>
+    <p:sldId id="283" r:id="rId15"/>
   </p:sldIdLst>
   <p:sldSz cx="12192000" cy="6858000"/>
   <p:notesSz cx="6858000" cy="9144000"/>
@@ -138,13 +134,9 @@
             <p14:sldId id="287"/>
             <p14:sldId id="288"/>
             <p14:sldId id="289"/>
-            <p14:sldId id="290"/>
             <p14:sldId id="291"/>
             <p14:sldId id="293"/>
             <p14:sldId id="294"/>
-            <p14:sldId id="295"/>
-            <p14:sldId id="296"/>
-            <p14:sldId id="297"/>
             <p14:sldId id="298"/>
             <p14:sldId id="283"/>
           </p14:sldIdLst>
@@ -909,7 +901,7 @@
 <dgm:dataModel xmlns:dgm="http://schemas.openxmlformats.org/drawingml/2006/diagram" xmlns:a="http://schemas.openxmlformats.org/drawingml/2006/main">
   <dgm:ptLst>
     <dgm:pt modelId="{E74B9403-12CD-4E57-AFFE-8C98CD387F3D}" type="doc">
-      <dgm:prSet loTypeId="urn:microsoft.com/office/officeart/2005/8/layout/process4" loCatId="process" qsTypeId="urn:microsoft.com/office/officeart/2005/8/quickstyle/3d1" qsCatId="3D" csTypeId="urn:microsoft.com/office/officeart/2005/8/colors/accent1_2" csCatId="accent1" phldr="1"/>
+      <dgm:prSet loTypeId="urn:microsoft.com/office/officeart/2005/8/layout/list1" loCatId="list" qsTypeId="urn:microsoft.com/office/officeart/2005/8/quickstyle/3d1" qsCatId="3D" csTypeId="urn:microsoft.com/office/officeart/2005/8/colors/accent1_2" csCatId="accent1" phldr="1"/>
       <dgm:spPr/>
       <dgm:t>
         <a:bodyPr/>
@@ -1001,12 +993,8 @@
         <a:lstStyle/>
         <a:p>
           <a:r>
-            <a:rPr lang="en-US" smtClean="0"/>
-            <a:t>Giới </a:t>
-          </a:r>
-          <a:r>
-            <a:rPr lang="en-US" smtClean="0"/>
-            <a:t>thiệu</a:t>
+            <a:rPr lang="en-US" dirty="0" smtClean="0"/>
+            <a:t>Giới thiệu</a:t>
           </a:r>
           <a:endParaRPr lang="en-US" dirty="0"/>
         </a:p>
@@ -1219,8 +1207,8 @@
         </a:p>
       </dgm:t>
     </dgm:pt>
-    <dgm:pt modelId="{6D8B5735-0F12-4ABE-AB6D-C29C9ABF24D6}" type="pres">
-      <dgm:prSet presAssocID="{E74B9403-12CD-4E57-AFFE-8C98CD387F3D}" presName="Name0" presStyleCnt="0">
+    <dgm:pt modelId="{E3B5D721-D74F-4813-BEC2-BD214EC80511}" type="pres">
+      <dgm:prSet presAssocID="{E74B9403-12CD-4E57-AFFE-8C98CD387F3D}" presName="linear" presStyleCnt="0">
         <dgm:presLayoutVars>
           <dgm:dir/>
           <dgm:animLvl val="lvl"/>
@@ -1236,12 +1224,12 @@
         </a:p>
       </dgm:t>
     </dgm:pt>
-    <dgm:pt modelId="{919DD073-7FCE-4468-9122-F3E0AEE1B891}" type="pres">
-      <dgm:prSet presAssocID="{40FDAA30-DE63-4475-94C6-CEDA89669EAF}" presName="boxAndChildren" presStyleCnt="0"/>
+    <dgm:pt modelId="{4417D9CD-76C4-4C8A-9D04-B3A2D2925737}" type="pres">
+      <dgm:prSet presAssocID="{E882372A-7568-4128-B289-D3417B79E63F}" presName="parentLin" presStyleCnt="0"/>
       <dgm:spPr/>
     </dgm:pt>
-    <dgm:pt modelId="{0F4C8507-6951-4C36-8391-11D1E8A4149C}" type="pres">
-      <dgm:prSet presAssocID="{40FDAA30-DE63-4475-94C6-CEDA89669EAF}" presName="parentTextBox" presStyleLbl="node1" presStyleIdx="0" presStyleCnt="3"/>
+    <dgm:pt modelId="{1333DCB8-CA77-4621-9B16-E859590E4902}" type="pres">
+      <dgm:prSet presAssocID="{E882372A-7568-4128-B289-D3417B79E63F}" presName="parentLeftMargin" presStyleLbl="node1" presStyleIdx="0" presStyleCnt="3"/>
       <dgm:spPr/>
       <dgm:t>
         <a:bodyPr/>
@@ -1251,16 +1239,13 @@
         </a:p>
       </dgm:t>
     </dgm:pt>
-    <dgm:pt modelId="{16C81C91-6A2E-431E-97C8-3E3FD3EA0045}" type="pres">
-      <dgm:prSet presAssocID="{FCD64AE0-E667-4456-9DE9-8A1C60958D65}" presName="sp" presStyleCnt="0"/>
-      <dgm:spPr/>
-    </dgm:pt>
-    <dgm:pt modelId="{A19F7973-E8D7-4252-AD19-18FAD8EB4235}" type="pres">
-      <dgm:prSet presAssocID="{F63B1263-786E-4BE6-B063-AC2F9119F0B1}" presName="arrowAndChildren" presStyleCnt="0"/>
-      <dgm:spPr/>
-    </dgm:pt>
-    <dgm:pt modelId="{F8C4D397-C5C3-4087-B284-C40191544411}" type="pres">
-      <dgm:prSet presAssocID="{F63B1263-786E-4BE6-B063-AC2F9119F0B1}" presName="parentTextArrow" presStyleLbl="node1" presStyleIdx="0" presStyleCnt="3"/>
+    <dgm:pt modelId="{E49DB89E-EA5E-4397-8780-21AFFB0AFEF0}" type="pres">
+      <dgm:prSet presAssocID="{E882372A-7568-4128-B289-D3417B79E63F}" presName="parentText" presStyleLbl="node1" presStyleIdx="0" presStyleCnt="3">
+        <dgm:presLayoutVars>
+          <dgm:chMax val="0"/>
+          <dgm:bulletEnabled val="1"/>
+        </dgm:presLayoutVars>
+      </dgm:prSet>
       <dgm:spPr/>
       <dgm:t>
         <a:bodyPr/>
@@ -1270,8 +1255,28 @@
         </a:p>
       </dgm:t>
     </dgm:pt>
-    <dgm:pt modelId="{668F9F8A-B24E-42FD-A438-024184D158BA}" type="pres">
-      <dgm:prSet presAssocID="{F63B1263-786E-4BE6-B063-AC2F9119F0B1}" presName="arrow" presStyleLbl="node1" presStyleIdx="1" presStyleCnt="3"/>
+    <dgm:pt modelId="{1DF63968-CBD4-479A-A743-0BE113597827}" type="pres">
+      <dgm:prSet presAssocID="{E882372A-7568-4128-B289-D3417B79E63F}" presName="negativeSpace" presStyleCnt="0"/>
+      <dgm:spPr/>
+    </dgm:pt>
+    <dgm:pt modelId="{DE8CF948-CA02-48B8-AB26-9A0C9DD68C2B}" type="pres">
+      <dgm:prSet presAssocID="{E882372A-7568-4128-B289-D3417B79E63F}" presName="childText" presStyleLbl="conFgAcc1" presStyleIdx="0" presStyleCnt="3">
+        <dgm:presLayoutVars>
+          <dgm:bulletEnabled val="1"/>
+        </dgm:presLayoutVars>
+      </dgm:prSet>
+      <dgm:spPr/>
+    </dgm:pt>
+    <dgm:pt modelId="{F9DF52E2-3CDF-4F33-BECA-3DACB0866FEC}" type="pres">
+      <dgm:prSet presAssocID="{61C5E697-6799-4D97-BC13-5F013577EDCD}" presName="spaceBetweenRectangles" presStyleCnt="0"/>
+      <dgm:spPr/>
+    </dgm:pt>
+    <dgm:pt modelId="{8F700B10-A762-4584-B10C-0F38D1B466FF}" type="pres">
+      <dgm:prSet presAssocID="{F63B1263-786E-4BE6-B063-AC2F9119F0B1}" presName="parentLin" presStyleCnt="0"/>
+      <dgm:spPr/>
+    </dgm:pt>
+    <dgm:pt modelId="{DC89CACA-BDCC-4ED3-A2CC-E43B71FAD076}" type="pres">
+      <dgm:prSet presAssocID="{F63B1263-786E-4BE6-B063-AC2F9119F0B1}" presName="parentLeftMargin" presStyleLbl="node1" presStyleIdx="0" presStyleCnt="3"/>
       <dgm:spPr/>
       <dgm:t>
         <a:bodyPr/>
@@ -1281,12 +1286,28 @@
         </a:p>
       </dgm:t>
     </dgm:pt>
-    <dgm:pt modelId="{7A7225F7-8CCF-4D8F-B362-F89E455C7F5A}" type="pres">
-      <dgm:prSet presAssocID="{F63B1263-786E-4BE6-B063-AC2F9119F0B1}" presName="descendantArrow" presStyleCnt="0"/>
+    <dgm:pt modelId="{383265A2-5B88-4403-B947-151D74162552}" type="pres">
+      <dgm:prSet presAssocID="{F63B1263-786E-4BE6-B063-AC2F9119F0B1}" presName="parentText" presStyleLbl="node1" presStyleIdx="1" presStyleCnt="3">
+        <dgm:presLayoutVars>
+          <dgm:chMax val="0"/>
+          <dgm:bulletEnabled val="1"/>
+        </dgm:presLayoutVars>
+      </dgm:prSet>
+      <dgm:spPr/>
+      <dgm:t>
+        <a:bodyPr/>
+        <a:lstStyle/>
+        <a:p>
+          <a:endParaRPr lang="en-US"/>
+        </a:p>
+      </dgm:t>
+    </dgm:pt>
+    <dgm:pt modelId="{39361CB6-F4A7-4783-9D12-8C22BF19ECB3}" type="pres">
+      <dgm:prSet presAssocID="{F63B1263-786E-4BE6-B063-AC2F9119F0B1}" presName="negativeSpace" presStyleCnt="0"/>
       <dgm:spPr/>
     </dgm:pt>
-    <dgm:pt modelId="{436A1173-0DD0-49BB-BF24-62EA3A79C9E8}" type="pres">
-      <dgm:prSet presAssocID="{DCB6A79E-E49B-4453-8C1C-B768EECD42CC}" presName="childTextArrow" presStyleLbl="fgAccFollowNode1" presStyleIdx="0" presStyleCnt="5">
+    <dgm:pt modelId="{FA3905B3-AF25-4050-A9C3-89F5369AA38C}" type="pres">
+      <dgm:prSet presAssocID="{F63B1263-786E-4BE6-B063-AC2F9119F0B1}" presName="childText" presStyleLbl="conFgAcc1" presStyleIdx="1" presStyleCnt="3">
         <dgm:presLayoutVars>
           <dgm:bulletEnabled val="1"/>
         </dgm:presLayoutVars>
@@ -1300,9 +1321,29 @@
         </a:p>
       </dgm:t>
     </dgm:pt>
-    <dgm:pt modelId="{08003DEA-24D9-4F4F-8E9F-166715F97346}" type="pres">
-      <dgm:prSet presAssocID="{D75D8B78-7F1D-4D4E-ABC6-AF36662D6D3E}" presName="childTextArrow" presStyleLbl="fgAccFollowNode1" presStyleIdx="1" presStyleCnt="5">
+    <dgm:pt modelId="{257FD6A7-9C9F-475D-A1FD-CD60D0AFE1DA}" type="pres">
+      <dgm:prSet presAssocID="{FCD64AE0-E667-4456-9DE9-8A1C60958D65}" presName="spaceBetweenRectangles" presStyleCnt="0"/>
+      <dgm:spPr/>
+    </dgm:pt>
+    <dgm:pt modelId="{2F98C93E-43F4-457D-A2BB-6403ECE787C4}" type="pres">
+      <dgm:prSet presAssocID="{40FDAA30-DE63-4475-94C6-CEDA89669EAF}" presName="parentLin" presStyleCnt="0"/>
+      <dgm:spPr/>
+    </dgm:pt>
+    <dgm:pt modelId="{4ED03B60-AF4E-4FCE-8686-DA6C72BF5537}" type="pres">
+      <dgm:prSet presAssocID="{40FDAA30-DE63-4475-94C6-CEDA89669EAF}" presName="parentLeftMargin" presStyleLbl="node1" presStyleIdx="1" presStyleCnt="3"/>
+      <dgm:spPr/>
+      <dgm:t>
+        <a:bodyPr/>
+        <a:lstStyle/>
+        <a:p>
+          <a:endParaRPr lang="en-US"/>
+        </a:p>
+      </dgm:t>
+    </dgm:pt>
+    <dgm:pt modelId="{0605AAB9-5EFE-4414-AC90-F37BF10E9CD4}" type="pres">
+      <dgm:prSet presAssocID="{40FDAA30-DE63-4475-94C6-CEDA89669EAF}" presName="parentText" presStyleLbl="node1" presStyleIdx="2" presStyleCnt="3">
         <dgm:presLayoutVars>
+          <dgm:chMax val="0"/>
           <dgm:bulletEnabled val="1"/>
         </dgm:presLayoutVars>
       </dgm:prSet>
@@ -1315,105 +1356,57 @@
         </a:p>
       </dgm:t>
     </dgm:pt>
-    <dgm:pt modelId="{3FFF5593-5F00-4E7E-BDC9-B13B358ABD5A}" type="pres">
-      <dgm:prSet presAssocID="{402D3743-FA01-426F-8842-059A6BB98CB8}" presName="childTextArrow" presStyleLbl="fgAccFollowNode1" presStyleIdx="2" presStyleCnt="5">
+    <dgm:pt modelId="{828DE6FF-D9E8-4109-B3DD-5BF34E4932F7}" type="pres">
+      <dgm:prSet presAssocID="{40FDAA30-DE63-4475-94C6-CEDA89669EAF}" presName="negativeSpace" presStyleCnt="0"/>
+      <dgm:spPr/>
+    </dgm:pt>
+    <dgm:pt modelId="{9877E3DB-9BD5-439A-8847-8FDBF5CEFF9D}" type="pres">
+      <dgm:prSet presAssocID="{40FDAA30-DE63-4475-94C6-CEDA89669EAF}" presName="childText" presStyleLbl="conFgAcc1" presStyleIdx="2" presStyleCnt="3">
         <dgm:presLayoutVars>
           <dgm:bulletEnabled val="1"/>
         </dgm:presLayoutVars>
       </dgm:prSet>
       <dgm:spPr/>
-      <dgm:t>
-        <a:bodyPr/>
-        <a:lstStyle/>
-        <a:p>
-          <a:endParaRPr lang="en-US"/>
-        </a:p>
-      </dgm:t>
-    </dgm:pt>
-    <dgm:pt modelId="{E9C4EAF2-4834-4C2E-AD14-DE9038FDA920}" type="pres">
-      <dgm:prSet presAssocID="{F4E82562-96F4-43CB-9499-7DB7A0D62CED}" presName="childTextArrow" presStyleLbl="fgAccFollowNode1" presStyleIdx="3" presStyleCnt="5">
-        <dgm:presLayoutVars>
-          <dgm:bulletEnabled val="1"/>
-        </dgm:presLayoutVars>
-      </dgm:prSet>
-      <dgm:spPr/>
-      <dgm:t>
-        <a:bodyPr/>
-        <a:lstStyle/>
-        <a:p>
-          <a:endParaRPr lang="en-US"/>
-        </a:p>
-      </dgm:t>
-    </dgm:pt>
-    <dgm:pt modelId="{D03B6D1E-A31A-4F57-AC79-E5145CF796EC}" type="pres">
-      <dgm:prSet presAssocID="{36D0340A-ECDB-4F37-A0DE-AFC5004B0EE7}" presName="childTextArrow" presStyleLbl="fgAccFollowNode1" presStyleIdx="4" presStyleCnt="5">
-        <dgm:presLayoutVars>
-          <dgm:bulletEnabled val="1"/>
-        </dgm:presLayoutVars>
-      </dgm:prSet>
-      <dgm:spPr/>
-      <dgm:t>
-        <a:bodyPr/>
-        <a:lstStyle/>
-        <a:p>
-          <a:endParaRPr lang="en-US"/>
-        </a:p>
-      </dgm:t>
-    </dgm:pt>
-    <dgm:pt modelId="{D0C9BECD-A6F5-4B16-9379-4D6CB3C0DDB7}" type="pres">
-      <dgm:prSet presAssocID="{61C5E697-6799-4D97-BC13-5F013577EDCD}" presName="sp" presStyleCnt="0"/>
-      <dgm:spPr/>
-    </dgm:pt>
-    <dgm:pt modelId="{06D58EBA-9A74-4C6C-9E9E-6970EFB86E6F}" type="pres">
-      <dgm:prSet presAssocID="{E882372A-7568-4128-B289-D3417B79E63F}" presName="arrowAndChildren" presStyleCnt="0"/>
-      <dgm:spPr/>
-    </dgm:pt>
-    <dgm:pt modelId="{789ABEFC-3818-4B19-A607-F30273B9A7B0}" type="pres">
-      <dgm:prSet presAssocID="{E882372A-7568-4128-B289-D3417B79E63F}" presName="parentTextArrow" presStyleLbl="node1" presStyleIdx="2" presStyleCnt="3" custLinFactNeighborX="1000" custLinFactNeighborY="995"/>
-      <dgm:spPr/>
-      <dgm:t>
-        <a:bodyPr/>
-        <a:lstStyle/>
-        <a:p>
-          <a:endParaRPr lang="en-US"/>
-        </a:p>
-      </dgm:t>
     </dgm:pt>
   </dgm:ptLst>
   <dgm:cxnLst>
+    <dgm:cxn modelId="{1F16C5AE-E322-43D2-91CC-B2AE2B7D175E}" type="presOf" srcId="{E882372A-7568-4128-B289-D3417B79E63F}" destId="{E49DB89E-EA5E-4397-8780-21AFFB0AFEF0}" srcOrd="1" destOrd="0" presId="urn:microsoft.com/office/officeart/2005/8/layout/list1"/>
+    <dgm:cxn modelId="{E8E506E0-B8E0-41B4-8652-C8CF21D6C873}" type="presOf" srcId="{F63B1263-786E-4BE6-B063-AC2F9119F0B1}" destId="{DC89CACA-BDCC-4ED3-A2CC-E43B71FAD076}" srcOrd="0" destOrd="0" presId="urn:microsoft.com/office/officeart/2005/8/layout/list1"/>
+    <dgm:cxn modelId="{490A8A7E-1C96-4B99-8E67-5CC323834EE1}" type="presOf" srcId="{40FDAA30-DE63-4475-94C6-CEDA89669EAF}" destId="{0605AAB9-5EFE-4414-AC90-F37BF10E9CD4}" srcOrd="1" destOrd="0" presId="urn:microsoft.com/office/officeart/2005/8/layout/list1"/>
+    <dgm:cxn modelId="{49718EF7-FE3F-4FF5-A92F-9AF21A74989C}" type="presOf" srcId="{40FDAA30-DE63-4475-94C6-CEDA89669EAF}" destId="{4ED03B60-AF4E-4FCE-8686-DA6C72BF5537}" srcOrd="0" destOrd="0" presId="urn:microsoft.com/office/officeart/2005/8/layout/list1"/>
+    <dgm:cxn modelId="{491F23D4-2525-489F-852E-E745129CFA9E}" srcId="{F63B1263-786E-4BE6-B063-AC2F9119F0B1}" destId="{D75D8B78-7F1D-4D4E-ABC6-AF36662D6D3E}" srcOrd="1" destOrd="0" parTransId="{0CA0F9D7-56EE-4ED8-919C-2A899AE4E9F9}" sibTransId="{7DC69DB7-994E-4018-8B67-18F811DFFBBC}"/>
+    <dgm:cxn modelId="{0573E1F4-0316-4AA2-9DBA-B92F8320CAFD}" type="presOf" srcId="{DCB6A79E-E49B-4453-8C1C-B768EECD42CC}" destId="{FA3905B3-AF25-4050-A9C3-89F5369AA38C}" srcOrd="0" destOrd="0" presId="urn:microsoft.com/office/officeart/2005/8/layout/list1"/>
+    <dgm:cxn modelId="{35EECC10-1AD4-413A-9BF7-9EFFDE5676BB}" type="presOf" srcId="{F4E82562-96F4-43CB-9499-7DB7A0D62CED}" destId="{FA3905B3-AF25-4050-A9C3-89F5369AA38C}" srcOrd="0" destOrd="3" presId="urn:microsoft.com/office/officeart/2005/8/layout/list1"/>
+    <dgm:cxn modelId="{E4F3B986-3FFB-4A7F-8866-F6442564D239}" srcId="{E74B9403-12CD-4E57-AFFE-8C98CD387F3D}" destId="{F63B1263-786E-4BE6-B063-AC2F9119F0B1}" srcOrd="1" destOrd="0" parTransId="{57394D16-CB32-4713-99B9-9D328143AF4B}" sibTransId="{FCD64AE0-E667-4456-9DE9-8A1C60958D65}"/>
+    <dgm:cxn modelId="{96940A3C-6CEE-45F8-B9CA-5CCA68C556B0}" type="presOf" srcId="{E74B9403-12CD-4E57-AFFE-8C98CD387F3D}" destId="{E3B5D721-D74F-4813-BEC2-BD214EC80511}" srcOrd="0" destOrd="0" presId="urn:microsoft.com/office/officeart/2005/8/layout/list1"/>
+    <dgm:cxn modelId="{ACF47156-7CB0-4E5D-A06F-33A2D1676105}" srcId="{F63B1263-786E-4BE6-B063-AC2F9119F0B1}" destId="{402D3743-FA01-426F-8842-059A6BB98CB8}" srcOrd="2" destOrd="0" parTransId="{30508F56-E57D-46C9-BA2C-D292B5454000}" sibTransId="{073BBA5D-76D6-460D-B34F-33FD571696D2}"/>
     <dgm:cxn modelId="{0977ACF7-9289-4206-AAAE-5D26679A50B0}" srcId="{F63B1263-786E-4BE6-B063-AC2F9119F0B1}" destId="{F4E82562-96F4-43CB-9499-7DB7A0D62CED}" srcOrd="3" destOrd="0" parTransId="{390B052A-EA26-4CB3-9417-CE7BF18D91FC}" sibTransId="{E5AC53AC-16A9-428F-B7E7-063BA69228D9}"/>
-    <dgm:cxn modelId="{CB360E67-D5B1-4C8F-9008-DB9A4E0A0A9B}" type="presOf" srcId="{D75D8B78-7F1D-4D4E-ABC6-AF36662D6D3E}" destId="{08003DEA-24D9-4F4F-8E9F-166715F97346}" srcOrd="0" destOrd="0" presId="urn:microsoft.com/office/officeart/2005/8/layout/process4"/>
-    <dgm:cxn modelId="{ABCC9C5D-1BAD-420C-89EB-006C770F6757}" type="presOf" srcId="{F63B1263-786E-4BE6-B063-AC2F9119F0B1}" destId="{668F9F8A-B24E-42FD-A438-024184D158BA}" srcOrd="1" destOrd="0" presId="urn:microsoft.com/office/officeart/2005/8/layout/process4"/>
-    <dgm:cxn modelId="{491F23D4-2525-489F-852E-E745129CFA9E}" srcId="{F63B1263-786E-4BE6-B063-AC2F9119F0B1}" destId="{D75D8B78-7F1D-4D4E-ABC6-AF36662D6D3E}" srcOrd="1" destOrd="0" parTransId="{0CA0F9D7-56EE-4ED8-919C-2A899AE4E9F9}" sibTransId="{7DC69DB7-994E-4018-8B67-18F811DFFBBC}"/>
+    <dgm:cxn modelId="{45B8C880-903E-48B8-8141-6A46046BE2C7}" type="presOf" srcId="{D75D8B78-7F1D-4D4E-ABC6-AF36662D6D3E}" destId="{FA3905B3-AF25-4050-A9C3-89F5369AA38C}" srcOrd="0" destOrd="1" presId="urn:microsoft.com/office/officeart/2005/8/layout/list1"/>
+    <dgm:cxn modelId="{28AF12B3-983E-436E-A409-E406876AF42C}" srcId="{E74B9403-12CD-4E57-AFFE-8C98CD387F3D}" destId="{E882372A-7568-4128-B289-D3417B79E63F}" srcOrd="0" destOrd="0" parTransId="{F1F9BDEB-55D7-4A6D-BC32-0D5D456B9E5A}" sibTransId="{61C5E697-6799-4D97-BC13-5F013577EDCD}"/>
+    <dgm:cxn modelId="{4D412BC8-DB6E-4447-BD6A-F84BC73F597C}" type="presOf" srcId="{36D0340A-ECDB-4F37-A0DE-AFC5004B0EE7}" destId="{FA3905B3-AF25-4050-A9C3-89F5369AA38C}" srcOrd="0" destOrd="4" presId="urn:microsoft.com/office/officeart/2005/8/layout/list1"/>
+    <dgm:cxn modelId="{B58504C8-798D-4013-97C2-BEE200F29BAC}" type="presOf" srcId="{F63B1263-786E-4BE6-B063-AC2F9119F0B1}" destId="{383265A2-5B88-4403-B947-151D74162552}" srcOrd="1" destOrd="0" presId="urn:microsoft.com/office/officeart/2005/8/layout/list1"/>
+    <dgm:cxn modelId="{74267FCA-29ED-47F1-96F3-1F0A5B589923}" type="presOf" srcId="{E882372A-7568-4128-B289-D3417B79E63F}" destId="{1333DCB8-CA77-4621-9B16-E859590E4902}" srcOrd="0" destOrd="0" presId="urn:microsoft.com/office/officeart/2005/8/layout/list1"/>
+    <dgm:cxn modelId="{3B742E62-5A4E-47AA-B734-B274E1B0C9AF}" srcId="{E74B9403-12CD-4E57-AFFE-8C98CD387F3D}" destId="{40FDAA30-DE63-4475-94C6-CEDA89669EAF}" srcOrd="2" destOrd="0" parTransId="{E2AF25A0-F99A-4577-8040-56A83D28F742}" sibTransId="{E2C5B03F-DCD6-4AE8-AC82-2A65602F8392}"/>
+    <dgm:cxn modelId="{0561E966-C3F7-42DD-9376-84CA8FE6798E}" srcId="{F63B1263-786E-4BE6-B063-AC2F9119F0B1}" destId="{36D0340A-ECDB-4F37-A0DE-AFC5004B0EE7}" srcOrd="4" destOrd="0" parTransId="{34B8D895-0957-4AFF-B900-3D04531695E2}" sibTransId="{154A545D-8132-49BA-899E-FA623AA4585D}"/>
+    <dgm:cxn modelId="{A984CA6A-50B6-4F93-94FF-0909B628CB16}" type="presOf" srcId="{402D3743-FA01-426F-8842-059A6BB98CB8}" destId="{FA3905B3-AF25-4050-A9C3-89F5369AA38C}" srcOrd="0" destOrd="2" presId="urn:microsoft.com/office/officeart/2005/8/layout/list1"/>
     <dgm:cxn modelId="{588DA7E0-D8F0-433C-9181-414CAE8772FA}" srcId="{F63B1263-786E-4BE6-B063-AC2F9119F0B1}" destId="{DCB6A79E-E49B-4453-8C1C-B768EECD42CC}" srcOrd="0" destOrd="0" parTransId="{4321013C-C213-46A8-8AD0-38BF57183837}" sibTransId="{859FF828-FBBD-47CE-85F3-620BF31FA7A6}"/>
-    <dgm:cxn modelId="{4560C75C-C105-4494-B684-AFAE93E72963}" type="presOf" srcId="{402D3743-FA01-426F-8842-059A6BB98CB8}" destId="{3FFF5593-5F00-4E7E-BDC9-B13B358ABD5A}" srcOrd="0" destOrd="0" presId="urn:microsoft.com/office/officeart/2005/8/layout/process4"/>
-    <dgm:cxn modelId="{3B742E62-5A4E-47AA-B734-B274E1B0C9AF}" srcId="{E74B9403-12CD-4E57-AFFE-8C98CD387F3D}" destId="{40FDAA30-DE63-4475-94C6-CEDA89669EAF}" srcOrd="2" destOrd="0" parTransId="{E2AF25A0-F99A-4577-8040-56A83D28F742}" sibTransId="{E2C5B03F-DCD6-4AE8-AC82-2A65602F8392}"/>
-    <dgm:cxn modelId="{583C0C31-CD4B-4F0C-8085-29B2F7C771EC}" type="presOf" srcId="{40FDAA30-DE63-4475-94C6-CEDA89669EAF}" destId="{0F4C8507-6951-4C36-8391-11D1E8A4149C}" srcOrd="0" destOrd="0" presId="urn:microsoft.com/office/officeart/2005/8/layout/process4"/>
-    <dgm:cxn modelId="{E4F3B986-3FFB-4A7F-8866-F6442564D239}" srcId="{E74B9403-12CD-4E57-AFFE-8C98CD387F3D}" destId="{F63B1263-786E-4BE6-B063-AC2F9119F0B1}" srcOrd="1" destOrd="0" parTransId="{57394D16-CB32-4713-99B9-9D328143AF4B}" sibTransId="{FCD64AE0-E667-4456-9DE9-8A1C60958D65}"/>
-    <dgm:cxn modelId="{ACF47156-7CB0-4E5D-A06F-33A2D1676105}" srcId="{F63B1263-786E-4BE6-B063-AC2F9119F0B1}" destId="{402D3743-FA01-426F-8842-059A6BB98CB8}" srcOrd="2" destOrd="0" parTransId="{30508F56-E57D-46C9-BA2C-D292B5454000}" sibTransId="{073BBA5D-76D6-460D-B34F-33FD571696D2}"/>
-    <dgm:cxn modelId="{28AF12B3-983E-436E-A409-E406876AF42C}" srcId="{E74B9403-12CD-4E57-AFFE-8C98CD387F3D}" destId="{E882372A-7568-4128-B289-D3417B79E63F}" srcOrd="0" destOrd="0" parTransId="{F1F9BDEB-55D7-4A6D-BC32-0D5D456B9E5A}" sibTransId="{61C5E697-6799-4D97-BC13-5F013577EDCD}"/>
-    <dgm:cxn modelId="{B15382CA-7826-4597-89D5-3B9A72B7F7D3}" type="presOf" srcId="{E882372A-7568-4128-B289-D3417B79E63F}" destId="{789ABEFC-3818-4B19-A607-F30273B9A7B0}" srcOrd="0" destOrd="0" presId="urn:microsoft.com/office/officeart/2005/8/layout/process4"/>
-    <dgm:cxn modelId="{0561E966-C3F7-42DD-9376-84CA8FE6798E}" srcId="{F63B1263-786E-4BE6-B063-AC2F9119F0B1}" destId="{36D0340A-ECDB-4F37-A0DE-AFC5004B0EE7}" srcOrd="4" destOrd="0" parTransId="{34B8D895-0957-4AFF-B900-3D04531695E2}" sibTransId="{154A545D-8132-49BA-899E-FA623AA4585D}"/>
-    <dgm:cxn modelId="{D4F342F2-3EC3-4AA6-B79C-7FBA68DF4E29}" type="presOf" srcId="{E74B9403-12CD-4E57-AFFE-8C98CD387F3D}" destId="{6D8B5735-0F12-4ABE-AB6D-C29C9ABF24D6}" srcOrd="0" destOrd="0" presId="urn:microsoft.com/office/officeart/2005/8/layout/process4"/>
-    <dgm:cxn modelId="{C2082FB9-71BF-4563-8611-FB1B132AED6F}" type="presOf" srcId="{F4E82562-96F4-43CB-9499-7DB7A0D62CED}" destId="{E9C4EAF2-4834-4C2E-AD14-DE9038FDA920}" srcOrd="0" destOrd="0" presId="urn:microsoft.com/office/officeart/2005/8/layout/process4"/>
-    <dgm:cxn modelId="{D366FB10-1A55-44E0-B495-A143EBD60F95}" type="presOf" srcId="{DCB6A79E-E49B-4453-8C1C-B768EECD42CC}" destId="{436A1173-0DD0-49BB-BF24-62EA3A79C9E8}" srcOrd="0" destOrd="0" presId="urn:microsoft.com/office/officeart/2005/8/layout/process4"/>
-    <dgm:cxn modelId="{C7001032-6494-4C0A-937E-6D4AD3385BFD}" type="presOf" srcId="{36D0340A-ECDB-4F37-A0DE-AFC5004B0EE7}" destId="{D03B6D1E-A31A-4F57-AC79-E5145CF796EC}" srcOrd="0" destOrd="0" presId="urn:microsoft.com/office/officeart/2005/8/layout/process4"/>
-    <dgm:cxn modelId="{D7304DBE-B535-438E-888A-C5AEBF797485}" type="presOf" srcId="{F63B1263-786E-4BE6-B063-AC2F9119F0B1}" destId="{F8C4D397-C5C3-4087-B284-C40191544411}" srcOrd="0" destOrd="0" presId="urn:microsoft.com/office/officeart/2005/8/layout/process4"/>
-    <dgm:cxn modelId="{93DA9F36-3FBB-4923-95D6-31690332B3EA}" type="presParOf" srcId="{6D8B5735-0F12-4ABE-AB6D-C29C9ABF24D6}" destId="{919DD073-7FCE-4468-9122-F3E0AEE1B891}" srcOrd="0" destOrd="0" presId="urn:microsoft.com/office/officeart/2005/8/layout/process4"/>
-    <dgm:cxn modelId="{508BF005-77E6-4077-A5E7-70DE04BA2468}" type="presParOf" srcId="{919DD073-7FCE-4468-9122-F3E0AEE1B891}" destId="{0F4C8507-6951-4C36-8391-11D1E8A4149C}" srcOrd="0" destOrd="0" presId="urn:microsoft.com/office/officeart/2005/8/layout/process4"/>
-    <dgm:cxn modelId="{C996BD65-222F-4FC8-881F-E95292EB9E0F}" type="presParOf" srcId="{6D8B5735-0F12-4ABE-AB6D-C29C9ABF24D6}" destId="{16C81C91-6A2E-431E-97C8-3E3FD3EA0045}" srcOrd="1" destOrd="0" presId="urn:microsoft.com/office/officeart/2005/8/layout/process4"/>
-    <dgm:cxn modelId="{923A30C5-1DFB-490E-8846-61AF23D279C8}" type="presParOf" srcId="{6D8B5735-0F12-4ABE-AB6D-C29C9ABF24D6}" destId="{A19F7973-E8D7-4252-AD19-18FAD8EB4235}" srcOrd="2" destOrd="0" presId="urn:microsoft.com/office/officeart/2005/8/layout/process4"/>
-    <dgm:cxn modelId="{BAC2981E-67BE-426E-BAFF-57E224FF8E36}" type="presParOf" srcId="{A19F7973-E8D7-4252-AD19-18FAD8EB4235}" destId="{F8C4D397-C5C3-4087-B284-C40191544411}" srcOrd="0" destOrd="0" presId="urn:microsoft.com/office/officeart/2005/8/layout/process4"/>
-    <dgm:cxn modelId="{1CB4EFDF-CC42-4CA5-9689-02A033826B6A}" type="presParOf" srcId="{A19F7973-E8D7-4252-AD19-18FAD8EB4235}" destId="{668F9F8A-B24E-42FD-A438-024184D158BA}" srcOrd="1" destOrd="0" presId="urn:microsoft.com/office/officeart/2005/8/layout/process4"/>
-    <dgm:cxn modelId="{4C37471D-85FC-4243-8BF4-8ED5612D7BA6}" type="presParOf" srcId="{A19F7973-E8D7-4252-AD19-18FAD8EB4235}" destId="{7A7225F7-8CCF-4D8F-B362-F89E455C7F5A}" srcOrd="2" destOrd="0" presId="urn:microsoft.com/office/officeart/2005/8/layout/process4"/>
-    <dgm:cxn modelId="{746F036A-F0B5-4A46-9932-7EE19A7E107E}" type="presParOf" srcId="{7A7225F7-8CCF-4D8F-B362-F89E455C7F5A}" destId="{436A1173-0DD0-49BB-BF24-62EA3A79C9E8}" srcOrd="0" destOrd="0" presId="urn:microsoft.com/office/officeart/2005/8/layout/process4"/>
-    <dgm:cxn modelId="{1E6083C0-4BEF-4776-88A6-4688ACC7AA34}" type="presParOf" srcId="{7A7225F7-8CCF-4D8F-B362-F89E455C7F5A}" destId="{08003DEA-24D9-4F4F-8E9F-166715F97346}" srcOrd="1" destOrd="0" presId="urn:microsoft.com/office/officeart/2005/8/layout/process4"/>
-    <dgm:cxn modelId="{6A25CC68-AE5A-4B78-A7BE-728D95B62F65}" type="presParOf" srcId="{7A7225F7-8CCF-4D8F-B362-F89E455C7F5A}" destId="{3FFF5593-5F00-4E7E-BDC9-B13B358ABD5A}" srcOrd="2" destOrd="0" presId="urn:microsoft.com/office/officeart/2005/8/layout/process4"/>
-    <dgm:cxn modelId="{09A870E8-1B86-49BC-9EDE-710DEA1CF36C}" type="presParOf" srcId="{7A7225F7-8CCF-4D8F-B362-F89E455C7F5A}" destId="{E9C4EAF2-4834-4C2E-AD14-DE9038FDA920}" srcOrd="3" destOrd="0" presId="urn:microsoft.com/office/officeart/2005/8/layout/process4"/>
-    <dgm:cxn modelId="{BB4B0A82-208F-49CD-BAE0-FAC35754C018}" type="presParOf" srcId="{7A7225F7-8CCF-4D8F-B362-F89E455C7F5A}" destId="{D03B6D1E-A31A-4F57-AC79-E5145CF796EC}" srcOrd="4" destOrd="0" presId="urn:microsoft.com/office/officeart/2005/8/layout/process4"/>
-    <dgm:cxn modelId="{44A9827F-48C9-4876-8802-0103C43F04A6}" type="presParOf" srcId="{6D8B5735-0F12-4ABE-AB6D-C29C9ABF24D6}" destId="{D0C9BECD-A6F5-4B16-9379-4D6CB3C0DDB7}" srcOrd="3" destOrd="0" presId="urn:microsoft.com/office/officeart/2005/8/layout/process4"/>
-    <dgm:cxn modelId="{E695D081-F2EF-4C46-B499-E92EFC41217F}" type="presParOf" srcId="{6D8B5735-0F12-4ABE-AB6D-C29C9ABF24D6}" destId="{06D58EBA-9A74-4C6C-9E9E-6970EFB86E6F}" srcOrd="4" destOrd="0" presId="urn:microsoft.com/office/officeart/2005/8/layout/process4"/>
-    <dgm:cxn modelId="{C3497961-45FA-4C38-B70D-7AF9F1489F9A}" type="presParOf" srcId="{06D58EBA-9A74-4C6C-9E9E-6970EFB86E6F}" destId="{789ABEFC-3818-4B19-A607-F30273B9A7B0}" srcOrd="0" destOrd="0" presId="urn:microsoft.com/office/officeart/2005/8/layout/process4"/>
+    <dgm:cxn modelId="{6B1D8EA5-4B31-4569-8F5D-894E70FF761C}" type="presParOf" srcId="{E3B5D721-D74F-4813-BEC2-BD214EC80511}" destId="{4417D9CD-76C4-4C8A-9D04-B3A2D2925737}" srcOrd="0" destOrd="0" presId="urn:microsoft.com/office/officeart/2005/8/layout/list1"/>
+    <dgm:cxn modelId="{88FA65CB-A3F0-40DD-BA33-5CFB3A1A3C53}" type="presParOf" srcId="{4417D9CD-76C4-4C8A-9D04-B3A2D2925737}" destId="{1333DCB8-CA77-4621-9B16-E859590E4902}" srcOrd="0" destOrd="0" presId="urn:microsoft.com/office/officeart/2005/8/layout/list1"/>
+    <dgm:cxn modelId="{659E69C8-7D83-444F-B0D3-292400673843}" type="presParOf" srcId="{4417D9CD-76C4-4C8A-9D04-B3A2D2925737}" destId="{E49DB89E-EA5E-4397-8780-21AFFB0AFEF0}" srcOrd="1" destOrd="0" presId="urn:microsoft.com/office/officeart/2005/8/layout/list1"/>
+    <dgm:cxn modelId="{CE894298-7169-411D-9BDF-356C1782766C}" type="presParOf" srcId="{E3B5D721-D74F-4813-BEC2-BD214EC80511}" destId="{1DF63968-CBD4-479A-A743-0BE113597827}" srcOrd="1" destOrd="0" presId="urn:microsoft.com/office/officeart/2005/8/layout/list1"/>
+    <dgm:cxn modelId="{725F3CE4-57D1-4044-A319-49FD694A47D7}" type="presParOf" srcId="{E3B5D721-D74F-4813-BEC2-BD214EC80511}" destId="{DE8CF948-CA02-48B8-AB26-9A0C9DD68C2B}" srcOrd="2" destOrd="0" presId="urn:microsoft.com/office/officeart/2005/8/layout/list1"/>
+    <dgm:cxn modelId="{C2C124F4-BE4D-422B-9BCB-72690809F174}" type="presParOf" srcId="{E3B5D721-D74F-4813-BEC2-BD214EC80511}" destId="{F9DF52E2-3CDF-4F33-BECA-3DACB0866FEC}" srcOrd="3" destOrd="0" presId="urn:microsoft.com/office/officeart/2005/8/layout/list1"/>
+    <dgm:cxn modelId="{5F16FAFD-AC4E-428A-AEC5-7CFE93CA9D77}" type="presParOf" srcId="{E3B5D721-D74F-4813-BEC2-BD214EC80511}" destId="{8F700B10-A762-4584-B10C-0F38D1B466FF}" srcOrd="4" destOrd="0" presId="urn:microsoft.com/office/officeart/2005/8/layout/list1"/>
+    <dgm:cxn modelId="{B2E3697B-EF8A-48A4-9D5A-27873A61338E}" type="presParOf" srcId="{8F700B10-A762-4584-B10C-0F38D1B466FF}" destId="{DC89CACA-BDCC-4ED3-A2CC-E43B71FAD076}" srcOrd="0" destOrd="0" presId="urn:microsoft.com/office/officeart/2005/8/layout/list1"/>
+    <dgm:cxn modelId="{29065DF1-665A-4DF5-A647-C9EE57344445}" type="presParOf" srcId="{8F700B10-A762-4584-B10C-0F38D1B466FF}" destId="{383265A2-5B88-4403-B947-151D74162552}" srcOrd="1" destOrd="0" presId="urn:microsoft.com/office/officeart/2005/8/layout/list1"/>
+    <dgm:cxn modelId="{0849B9AC-5D79-4297-8A3B-5A8F8721D1AB}" type="presParOf" srcId="{E3B5D721-D74F-4813-BEC2-BD214EC80511}" destId="{39361CB6-F4A7-4783-9D12-8C22BF19ECB3}" srcOrd="5" destOrd="0" presId="urn:microsoft.com/office/officeart/2005/8/layout/list1"/>
+    <dgm:cxn modelId="{9058101C-1F9A-4081-8C6A-1D38CFBC7F16}" type="presParOf" srcId="{E3B5D721-D74F-4813-BEC2-BD214EC80511}" destId="{FA3905B3-AF25-4050-A9C3-89F5369AA38C}" srcOrd="6" destOrd="0" presId="urn:microsoft.com/office/officeart/2005/8/layout/list1"/>
+    <dgm:cxn modelId="{B8783C5A-2185-43E9-8BC2-A09860D69093}" type="presParOf" srcId="{E3B5D721-D74F-4813-BEC2-BD214EC80511}" destId="{257FD6A7-9C9F-475D-A1FD-CD60D0AFE1DA}" srcOrd="7" destOrd="0" presId="urn:microsoft.com/office/officeart/2005/8/layout/list1"/>
+    <dgm:cxn modelId="{B1EF1567-DBD1-4FA8-B8C3-C74F93137D38}" type="presParOf" srcId="{E3B5D721-D74F-4813-BEC2-BD214EC80511}" destId="{2F98C93E-43F4-457D-A2BB-6403ECE787C4}" srcOrd="8" destOrd="0" presId="urn:microsoft.com/office/officeart/2005/8/layout/list1"/>
+    <dgm:cxn modelId="{F2F2A395-46BA-4831-A75E-E72A578887FB}" type="presParOf" srcId="{2F98C93E-43F4-457D-A2BB-6403ECE787C4}" destId="{4ED03B60-AF4E-4FCE-8686-DA6C72BF5537}" srcOrd="0" destOrd="0" presId="urn:microsoft.com/office/officeart/2005/8/layout/list1"/>
+    <dgm:cxn modelId="{3A7C0D75-A84C-4CA9-8318-DF63C55FE4DA}" type="presParOf" srcId="{2F98C93E-43F4-457D-A2BB-6403ECE787C4}" destId="{0605AAB9-5EFE-4414-AC90-F37BF10E9CD4}" srcOrd="1" destOrd="0" presId="urn:microsoft.com/office/officeart/2005/8/layout/list1"/>
+    <dgm:cxn modelId="{221756B0-3A1B-4C6C-ADE0-38534A42CE3B}" type="presParOf" srcId="{E3B5D721-D74F-4813-BEC2-BD214EC80511}" destId="{828DE6FF-D9E8-4109-B3DD-5BF34E4932F7}" srcOrd="9" destOrd="0" presId="urn:microsoft.com/office/officeart/2005/8/layout/list1"/>
+    <dgm:cxn modelId="{1D031E79-6C99-438A-8A82-6B6AE2AECC14}" type="presParOf" srcId="{E3B5D721-D74F-4813-BEC2-BD214EC80511}" destId="{9877E3DB-9BD5-439A-8847-8FDBF5CEFF9D}" srcOrd="10" destOrd="0" presId="urn:microsoft.com/office/officeart/2005/8/layout/list1"/>
   </dgm:cxnLst>
   <dgm:bg/>
   <dgm:whole/>
@@ -1433,17 +1426,73 @@
       <dsp:cNvGrpSpPr/>
     </dsp:nvGrpSpPr>
     <dsp:grpSpPr/>
-    <dsp:sp modelId="{0F4C8507-6951-4C36-8391-11D1E8A4149C}">
+    <dsp:sp modelId="{DE8CF948-CA02-48B8-AB26-9A0C9DD68C2B}">
       <dsp:nvSpPr>
         <dsp:cNvPr id="0" name=""/>
         <dsp:cNvSpPr/>
       </dsp:nvSpPr>
       <dsp:spPr>
         <a:xfrm>
-          <a:off x="0" y="4175791"/>
-          <a:ext cx="12192000" cy="1370587"/>
+          <a:off x="0" y="453029"/>
+          <a:ext cx="12192000" cy="756000"/>
         </a:xfrm>
         <a:prstGeom prst="rect">
+          <a:avLst/>
+        </a:prstGeom>
+        <a:solidFill>
+          <a:schemeClr val="lt1">
+            <a:alpha val="90000"/>
+            <a:hueOff val="0"/>
+            <a:satOff val="0"/>
+            <a:lumOff val="0"/>
+            <a:alphaOff val="0"/>
+          </a:schemeClr>
+        </a:solidFill>
+        <a:ln w="6350" cap="flat" cmpd="sng" algn="ctr">
+          <a:solidFill>
+            <a:schemeClr val="accent1">
+              <a:hueOff val="0"/>
+              <a:satOff val="0"/>
+              <a:lumOff val="0"/>
+              <a:alphaOff val="0"/>
+            </a:schemeClr>
+          </a:solidFill>
+          <a:prstDash val="solid"/>
+          <a:miter lim="800000"/>
+        </a:ln>
+        <a:effectLst/>
+        <a:scene3d>
+          <a:camera prst="orthographicFront"/>
+          <a:lightRig rig="flat" dir="t"/>
+        </a:scene3d>
+        <a:sp3d z="190500" extrusionH="12700" prstMaterial="plastic">
+          <a:bevelT w="50800" h="50800"/>
+        </a:sp3d>
+      </dsp:spPr>
+      <dsp:style>
+        <a:lnRef idx="1">
+          <a:scrgbClr r="0" g="0" b="0"/>
+        </a:lnRef>
+        <a:fillRef idx="1">
+          <a:scrgbClr r="0" g="0" b="0"/>
+        </a:fillRef>
+        <a:effectRef idx="2">
+          <a:scrgbClr r="0" g="0" b="0"/>
+        </a:effectRef>
+        <a:fontRef idx="minor"/>
+      </dsp:style>
+    </dsp:sp>
+    <dsp:sp modelId="{E49DB89E-EA5E-4397-8780-21AFFB0AFEF0}">
+      <dsp:nvSpPr>
+        <dsp:cNvPr id="0" name=""/>
+        <dsp:cNvSpPr/>
+      </dsp:nvSpPr>
+      <dsp:spPr>
+        <a:xfrm>
+          <a:off x="609600" y="10229"/>
+          <a:ext cx="8534400" cy="885600"/>
+        </a:xfrm>
+        <a:prstGeom prst="roundRect">
           <a:avLst/>
         </a:prstGeom>
         <a:gradFill rotWithShape="0">
@@ -1512,12 +1561,12 @@
         </a:fontRef>
       </dsp:style>
       <dsp:txBody>
-        <a:bodyPr spcFirstLastPara="0" vert="horz" wrap="square" lIns="341376" tIns="341376" rIns="341376" bIns="341376" numCol="1" spcCol="1270" anchor="ctr" anchorCtr="0">
+        <a:bodyPr spcFirstLastPara="0" vert="horz" wrap="square" lIns="322580" tIns="0" rIns="322580" bIns="0" numCol="1" spcCol="1270" anchor="ctr" anchorCtr="0">
           <a:noAutofit/>
         </a:bodyPr>
         <a:lstStyle/>
         <a:p>
-          <a:pPr lvl="0" algn="ctr" defTabSz="2133600">
+          <a:pPr lvl="0" algn="l" defTabSz="1333500">
             <a:lnSpc>
               <a:spcPct val="90000"/>
             </a:lnSpc>
@@ -1529,28 +1578,189 @@
             </a:spcAft>
           </a:pPr>
           <a:r>
-            <a:rPr lang="en-US" sz="4800" kern="1200" smtClean="0"/>
-            <a:t>Tổng kết</a:t>
+            <a:rPr lang="en-US" sz="3000" kern="1200" dirty="0" smtClean="0"/>
+            <a:t>Giới thiệu</a:t>
           </a:r>
-          <a:endParaRPr lang="en-US" sz="4800" kern="1200" dirty="0"/>
+          <a:endParaRPr lang="en-US" sz="3000" kern="1200" dirty="0"/>
         </a:p>
       </dsp:txBody>
       <dsp:txXfrm>
-        <a:off x="0" y="4175791"/>
-        <a:ext cx="12192000" cy="1370587"/>
+        <a:off x="652831" y="53460"/>
+        <a:ext cx="8447938" cy="799138"/>
       </dsp:txXfrm>
     </dsp:sp>
-    <dsp:sp modelId="{668F9F8A-B24E-42FD-A438-024184D158BA}">
+    <dsp:sp modelId="{FA3905B3-AF25-4050-A9C3-89F5369AA38C}">
       <dsp:nvSpPr>
         <dsp:cNvPr id="0" name=""/>
         <dsp:cNvSpPr/>
       </dsp:nvSpPr>
       <dsp:spPr>
-        <a:xfrm rot="10800000">
-          <a:off x="0" y="2088386"/>
-          <a:ext cx="12192000" cy="2107964"/>
+        <a:xfrm>
+          <a:off x="0" y="1813830"/>
+          <a:ext cx="12192000" cy="2362500"/>
         </a:xfrm>
-        <a:prstGeom prst="upArrowCallout">
+        <a:prstGeom prst="rect">
+          <a:avLst/>
+        </a:prstGeom>
+        <a:solidFill>
+          <a:schemeClr val="lt1">
+            <a:alpha val="90000"/>
+            <a:hueOff val="0"/>
+            <a:satOff val="0"/>
+            <a:lumOff val="0"/>
+            <a:alphaOff val="0"/>
+          </a:schemeClr>
+        </a:solidFill>
+        <a:ln w="6350" cap="flat" cmpd="sng" algn="ctr">
+          <a:solidFill>
+            <a:schemeClr val="accent1">
+              <a:hueOff val="0"/>
+              <a:satOff val="0"/>
+              <a:lumOff val="0"/>
+              <a:alphaOff val="0"/>
+            </a:schemeClr>
+          </a:solidFill>
+          <a:prstDash val="solid"/>
+          <a:miter lim="800000"/>
+        </a:ln>
+        <a:effectLst/>
+        <a:scene3d>
+          <a:camera prst="orthographicFront"/>
+          <a:lightRig rig="flat" dir="t"/>
+        </a:scene3d>
+        <a:sp3d z="190500" extrusionH="12700" prstMaterial="plastic">
+          <a:bevelT w="50800" h="50800"/>
+        </a:sp3d>
+      </dsp:spPr>
+      <dsp:style>
+        <a:lnRef idx="1">
+          <a:scrgbClr r="0" g="0" b="0"/>
+        </a:lnRef>
+        <a:fillRef idx="1">
+          <a:scrgbClr r="0" g="0" b="0"/>
+        </a:fillRef>
+        <a:effectRef idx="2">
+          <a:scrgbClr r="0" g="0" b="0"/>
+        </a:effectRef>
+        <a:fontRef idx="minor"/>
+      </dsp:style>
+      <dsp:txBody>
+        <a:bodyPr spcFirstLastPara="0" vert="horz" wrap="square" lIns="946235" tIns="624840" rIns="946235" bIns="142240" numCol="1" spcCol="1270" anchor="t" anchorCtr="0">
+          <a:noAutofit/>
+        </a:bodyPr>
+        <a:lstStyle/>
+        <a:p>
+          <a:pPr marL="228600" lvl="1" indent="-228600" algn="l" defTabSz="889000">
+            <a:lnSpc>
+              <a:spcPct val="90000"/>
+            </a:lnSpc>
+            <a:spcBef>
+              <a:spcPct val="0"/>
+            </a:spcBef>
+            <a:spcAft>
+              <a:spcPct val="15000"/>
+            </a:spcAft>
+            <a:buChar char="••"/>
+          </a:pPr>
+          <a:r>
+            <a:rPr lang="en-US" sz="2000" i="0" kern="1200" smtClean="0"/>
+            <a:t>Quy trình nghiệp vụ</a:t>
+          </a:r>
+          <a:endParaRPr lang="en-US" sz="2000" i="0" kern="1200" dirty="0"/>
+        </a:p>
+        <a:p>
+          <a:pPr marL="228600" lvl="1" indent="-228600" algn="l" defTabSz="889000">
+            <a:lnSpc>
+              <a:spcPct val="90000"/>
+            </a:lnSpc>
+            <a:spcBef>
+              <a:spcPct val="0"/>
+            </a:spcBef>
+            <a:spcAft>
+              <a:spcPct val="15000"/>
+            </a:spcAft>
+            <a:buChar char="••"/>
+          </a:pPr>
+          <a:r>
+            <a:rPr lang="en-US" sz="2000" kern="1200" smtClean="0"/>
+            <a:t>Nội dung chức năng</a:t>
+          </a:r>
+          <a:endParaRPr lang="en-US" sz="2000" kern="1200" dirty="0"/>
+        </a:p>
+        <a:p>
+          <a:pPr marL="228600" lvl="1" indent="-228600" algn="l" defTabSz="889000">
+            <a:lnSpc>
+              <a:spcPct val="90000"/>
+            </a:lnSpc>
+            <a:spcBef>
+              <a:spcPct val="0"/>
+            </a:spcBef>
+            <a:spcAft>
+              <a:spcPct val="15000"/>
+            </a:spcAft>
+            <a:buChar char="••"/>
+          </a:pPr>
+          <a:r>
+            <a:rPr lang="en-US" sz="2000" kern="1200" smtClean="0"/>
+            <a:t>Activitive Diagram</a:t>
+          </a:r>
+          <a:endParaRPr lang="en-US" sz="2000" kern="1200" dirty="0"/>
+        </a:p>
+        <a:p>
+          <a:pPr marL="228600" lvl="1" indent="-228600" algn="l" defTabSz="889000">
+            <a:lnSpc>
+              <a:spcPct val="90000"/>
+            </a:lnSpc>
+            <a:spcBef>
+              <a:spcPct val="0"/>
+            </a:spcBef>
+            <a:spcAft>
+              <a:spcPct val="15000"/>
+            </a:spcAft>
+            <a:buChar char="••"/>
+          </a:pPr>
+          <a:r>
+            <a:rPr lang="en-US" sz="2000" kern="1200" smtClean="0"/>
+            <a:t>Xác định Use Case</a:t>
+          </a:r>
+          <a:endParaRPr lang="en-US" sz="2000" kern="1200" dirty="0"/>
+        </a:p>
+        <a:p>
+          <a:pPr marL="228600" lvl="1" indent="-228600" algn="l" defTabSz="889000">
+            <a:lnSpc>
+              <a:spcPct val="90000"/>
+            </a:lnSpc>
+            <a:spcBef>
+              <a:spcPct val="0"/>
+            </a:spcBef>
+            <a:spcAft>
+              <a:spcPct val="15000"/>
+            </a:spcAft>
+            <a:buChar char="••"/>
+          </a:pPr>
+          <a:r>
+            <a:rPr lang="en-US" sz="2000" kern="1200" smtClean="0"/>
+            <a:t>Class Diagram</a:t>
+          </a:r>
+          <a:endParaRPr lang="en-US" sz="2000" kern="1200" dirty="0"/>
+        </a:p>
+      </dsp:txBody>
+      <dsp:txXfrm>
+        <a:off x="0" y="1813830"/>
+        <a:ext cx="12192000" cy="2362500"/>
+      </dsp:txXfrm>
+    </dsp:sp>
+    <dsp:sp modelId="{383265A2-5B88-4403-B947-151D74162552}">
+      <dsp:nvSpPr>
+        <dsp:cNvPr id="0" name=""/>
+        <dsp:cNvSpPr/>
+      </dsp:nvSpPr>
+      <dsp:spPr>
+        <a:xfrm>
+          <a:off x="609600" y="1371030"/>
+          <a:ext cx="8534400" cy="885600"/>
+        </a:xfrm>
+        <a:prstGeom prst="roundRect">
           <a:avLst/>
         </a:prstGeom>
         <a:gradFill rotWithShape="0">
@@ -1619,12 +1829,12 @@
         </a:fontRef>
       </dsp:style>
       <dsp:txBody>
-        <a:bodyPr spcFirstLastPara="0" vert="horz" wrap="square" lIns="341376" tIns="341376" rIns="341376" bIns="341376" numCol="1" spcCol="1270" anchor="ctr" anchorCtr="0">
+        <a:bodyPr spcFirstLastPara="0" vert="horz" wrap="square" lIns="322580" tIns="0" rIns="322580" bIns="0" numCol="1" spcCol="1270" anchor="ctr" anchorCtr="0">
           <a:noAutofit/>
         </a:bodyPr>
         <a:lstStyle/>
         <a:p>
-          <a:pPr lvl="0" algn="ctr" defTabSz="2133600">
+          <a:pPr lvl="0" algn="l" defTabSz="2133600">
             <a:lnSpc>
               <a:spcPct val="90000"/>
             </a:lnSpc>
@@ -1642,28 +1852,27 @@
           <a:endParaRPr lang="en-US" sz="4800" i="0" kern="1200" dirty="0"/>
         </a:p>
       </dsp:txBody>
-      <dsp:txXfrm rot="-10800000">
-        <a:off x="0" y="2088386"/>
-        <a:ext cx="12192000" cy="739895"/>
+      <dsp:txXfrm>
+        <a:off x="652831" y="1414261"/>
+        <a:ext cx="8447938" cy="799138"/>
       </dsp:txXfrm>
     </dsp:sp>
-    <dsp:sp modelId="{436A1173-0DD0-49BB-BF24-62EA3A79C9E8}">
+    <dsp:sp modelId="{9877E3DB-9BD5-439A-8847-8FDBF5CEFF9D}">
       <dsp:nvSpPr>
         <dsp:cNvPr id="0" name=""/>
         <dsp:cNvSpPr/>
       </dsp:nvSpPr>
       <dsp:spPr>
         <a:xfrm>
-          <a:off x="1488" y="2828281"/>
-          <a:ext cx="2437804" cy="630281"/>
+          <a:off x="0" y="4781130"/>
+          <a:ext cx="12192000" cy="756000"/>
         </a:xfrm>
         <a:prstGeom prst="rect">
           <a:avLst/>
         </a:prstGeom>
         <a:solidFill>
-          <a:schemeClr val="accent1">
+          <a:schemeClr val="lt1">
             <a:alpha val="90000"/>
-            <a:tint val="40000"/>
             <a:hueOff val="0"/>
             <a:satOff val="0"/>
             <a:lumOff val="0"/>
@@ -1673,8 +1882,6 @@
         <a:ln w="6350" cap="flat" cmpd="sng" algn="ctr">
           <a:solidFill>
             <a:schemeClr val="accent1">
-              <a:alpha val="90000"/>
-              <a:tint val="40000"/>
               <a:hueOff val="0"/>
               <a:satOff val="0"/>
               <a:lumOff val="0"/>
@@ -1705,394 +1912,18 @@
         </a:effectRef>
         <a:fontRef idx="minor"/>
       </dsp:style>
-      <dsp:txBody>
-        <a:bodyPr spcFirstLastPara="0" vert="horz" wrap="square" lIns="142240" tIns="25400" rIns="142240" bIns="25400" numCol="1" spcCol="1270" anchor="ctr" anchorCtr="0">
-          <a:noAutofit/>
-        </a:bodyPr>
-        <a:lstStyle/>
-        <a:p>
-          <a:pPr lvl="0" algn="ctr" defTabSz="889000">
-            <a:lnSpc>
-              <a:spcPct val="90000"/>
-            </a:lnSpc>
-            <a:spcBef>
-              <a:spcPct val="0"/>
-            </a:spcBef>
-            <a:spcAft>
-              <a:spcPct val="35000"/>
-            </a:spcAft>
-          </a:pPr>
-          <a:r>
-            <a:rPr lang="en-US" sz="2000" i="0" kern="1200" smtClean="0"/>
-            <a:t>Quy trình nghiệp vụ</a:t>
-          </a:r>
-          <a:endParaRPr lang="en-US" sz="2000" i="0" kern="1200" dirty="0"/>
-        </a:p>
-      </dsp:txBody>
-      <dsp:txXfrm>
-        <a:off x="1488" y="2828281"/>
-        <a:ext cx="2437804" cy="630281"/>
-      </dsp:txXfrm>
     </dsp:sp>
-    <dsp:sp modelId="{08003DEA-24D9-4F4F-8E9F-166715F97346}">
+    <dsp:sp modelId="{0605AAB9-5EFE-4414-AC90-F37BF10E9CD4}">
       <dsp:nvSpPr>
         <dsp:cNvPr id="0" name=""/>
         <dsp:cNvSpPr/>
       </dsp:nvSpPr>
       <dsp:spPr>
         <a:xfrm>
-          <a:off x="2439292" y="2828281"/>
-          <a:ext cx="2437804" cy="630281"/>
+          <a:off x="609600" y="4338330"/>
+          <a:ext cx="8534400" cy="885600"/>
         </a:xfrm>
-        <a:prstGeom prst="rect">
-          <a:avLst/>
-        </a:prstGeom>
-        <a:solidFill>
-          <a:schemeClr val="accent1">
-            <a:alpha val="90000"/>
-            <a:tint val="40000"/>
-            <a:hueOff val="0"/>
-            <a:satOff val="0"/>
-            <a:lumOff val="0"/>
-            <a:alphaOff val="0"/>
-          </a:schemeClr>
-        </a:solidFill>
-        <a:ln w="6350" cap="flat" cmpd="sng" algn="ctr">
-          <a:solidFill>
-            <a:schemeClr val="accent1">
-              <a:alpha val="90000"/>
-              <a:tint val="40000"/>
-              <a:hueOff val="0"/>
-              <a:satOff val="0"/>
-              <a:lumOff val="0"/>
-              <a:alphaOff val="0"/>
-            </a:schemeClr>
-          </a:solidFill>
-          <a:prstDash val="solid"/>
-          <a:miter lim="800000"/>
-        </a:ln>
-        <a:effectLst/>
-        <a:scene3d>
-          <a:camera prst="orthographicFront"/>
-          <a:lightRig rig="flat" dir="t"/>
-        </a:scene3d>
-        <a:sp3d z="190500" extrusionH="12700" prstMaterial="plastic">
-          <a:bevelT w="50800" h="50800"/>
-        </a:sp3d>
-      </dsp:spPr>
-      <dsp:style>
-        <a:lnRef idx="1">
-          <a:scrgbClr r="0" g="0" b="0"/>
-        </a:lnRef>
-        <a:fillRef idx="1">
-          <a:scrgbClr r="0" g="0" b="0"/>
-        </a:fillRef>
-        <a:effectRef idx="2">
-          <a:scrgbClr r="0" g="0" b="0"/>
-        </a:effectRef>
-        <a:fontRef idx="minor"/>
-      </dsp:style>
-      <dsp:txBody>
-        <a:bodyPr spcFirstLastPara="0" vert="horz" wrap="square" lIns="142240" tIns="25400" rIns="142240" bIns="25400" numCol="1" spcCol="1270" anchor="ctr" anchorCtr="0">
-          <a:noAutofit/>
-        </a:bodyPr>
-        <a:lstStyle/>
-        <a:p>
-          <a:pPr lvl="0" algn="ctr" defTabSz="889000">
-            <a:lnSpc>
-              <a:spcPct val="90000"/>
-            </a:lnSpc>
-            <a:spcBef>
-              <a:spcPct val="0"/>
-            </a:spcBef>
-            <a:spcAft>
-              <a:spcPct val="35000"/>
-            </a:spcAft>
-          </a:pPr>
-          <a:r>
-            <a:rPr lang="en-US" sz="2000" kern="1200" smtClean="0"/>
-            <a:t>Nội dung chức năng</a:t>
-          </a:r>
-          <a:endParaRPr lang="en-US" sz="2000" kern="1200" dirty="0"/>
-        </a:p>
-      </dsp:txBody>
-      <dsp:txXfrm>
-        <a:off x="2439292" y="2828281"/>
-        <a:ext cx="2437804" cy="630281"/>
-      </dsp:txXfrm>
-    </dsp:sp>
-    <dsp:sp modelId="{3FFF5593-5F00-4E7E-BDC9-B13B358ABD5A}">
-      <dsp:nvSpPr>
-        <dsp:cNvPr id="0" name=""/>
-        <dsp:cNvSpPr/>
-      </dsp:nvSpPr>
-      <dsp:spPr>
-        <a:xfrm>
-          <a:off x="4877097" y="2828281"/>
-          <a:ext cx="2437804" cy="630281"/>
-        </a:xfrm>
-        <a:prstGeom prst="rect">
-          <a:avLst/>
-        </a:prstGeom>
-        <a:solidFill>
-          <a:schemeClr val="accent1">
-            <a:alpha val="90000"/>
-            <a:tint val="40000"/>
-            <a:hueOff val="0"/>
-            <a:satOff val="0"/>
-            <a:lumOff val="0"/>
-            <a:alphaOff val="0"/>
-          </a:schemeClr>
-        </a:solidFill>
-        <a:ln w="6350" cap="flat" cmpd="sng" algn="ctr">
-          <a:solidFill>
-            <a:schemeClr val="accent1">
-              <a:alpha val="90000"/>
-              <a:tint val="40000"/>
-              <a:hueOff val="0"/>
-              <a:satOff val="0"/>
-              <a:lumOff val="0"/>
-              <a:alphaOff val="0"/>
-            </a:schemeClr>
-          </a:solidFill>
-          <a:prstDash val="solid"/>
-          <a:miter lim="800000"/>
-        </a:ln>
-        <a:effectLst/>
-        <a:scene3d>
-          <a:camera prst="orthographicFront"/>
-          <a:lightRig rig="flat" dir="t"/>
-        </a:scene3d>
-        <a:sp3d z="190500" extrusionH="12700" prstMaterial="plastic">
-          <a:bevelT w="50800" h="50800"/>
-        </a:sp3d>
-      </dsp:spPr>
-      <dsp:style>
-        <a:lnRef idx="1">
-          <a:scrgbClr r="0" g="0" b="0"/>
-        </a:lnRef>
-        <a:fillRef idx="1">
-          <a:scrgbClr r="0" g="0" b="0"/>
-        </a:fillRef>
-        <a:effectRef idx="2">
-          <a:scrgbClr r="0" g="0" b="0"/>
-        </a:effectRef>
-        <a:fontRef idx="minor"/>
-      </dsp:style>
-      <dsp:txBody>
-        <a:bodyPr spcFirstLastPara="0" vert="horz" wrap="square" lIns="142240" tIns="25400" rIns="142240" bIns="25400" numCol="1" spcCol="1270" anchor="ctr" anchorCtr="0">
-          <a:noAutofit/>
-        </a:bodyPr>
-        <a:lstStyle/>
-        <a:p>
-          <a:pPr lvl="0" algn="ctr" defTabSz="889000">
-            <a:lnSpc>
-              <a:spcPct val="90000"/>
-            </a:lnSpc>
-            <a:spcBef>
-              <a:spcPct val="0"/>
-            </a:spcBef>
-            <a:spcAft>
-              <a:spcPct val="35000"/>
-            </a:spcAft>
-          </a:pPr>
-          <a:r>
-            <a:rPr lang="en-US" sz="2000" kern="1200" smtClean="0"/>
-            <a:t>Activitive Diagram</a:t>
-          </a:r>
-          <a:endParaRPr lang="en-US" sz="2000" kern="1200" dirty="0"/>
-        </a:p>
-      </dsp:txBody>
-      <dsp:txXfrm>
-        <a:off x="4877097" y="2828281"/>
-        <a:ext cx="2437804" cy="630281"/>
-      </dsp:txXfrm>
-    </dsp:sp>
-    <dsp:sp modelId="{E9C4EAF2-4834-4C2E-AD14-DE9038FDA920}">
-      <dsp:nvSpPr>
-        <dsp:cNvPr id="0" name=""/>
-        <dsp:cNvSpPr/>
-      </dsp:nvSpPr>
-      <dsp:spPr>
-        <a:xfrm>
-          <a:off x="7314902" y="2828281"/>
-          <a:ext cx="2437804" cy="630281"/>
-        </a:xfrm>
-        <a:prstGeom prst="rect">
-          <a:avLst/>
-        </a:prstGeom>
-        <a:solidFill>
-          <a:schemeClr val="accent1">
-            <a:alpha val="90000"/>
-            <a:tint val="40000"/>
-            <a:hueOff val="0"/>
-            <a:satOff val="0"/>
-            <a:lumOff val="0"/>
-            <a:alphaOff val="0"/>
-          </a:schemeClr>
-        </a:solidFill>
-        <a:ln w="6350" cap="flat" cmpd="sng" algn="ctr">
-          <a:solidFill>
-            <a:schemeClr val="accent1">
-              <a:alpha val="90000"/>
-              <a:tint val="40000"/>
-              <a:hueOff val="0"/>
-              <a:satOff val="0"/>
-              <a:lumOff val="0"/>
-              <a:alphaOff val="0"/>
-            </a:schemeClr>
-          </a:solidFill>
-          <a:prstDash val="solid"/>
-          <a:miter lim="800000"/>
-        </a:ln>
-        <a:effectLst/>
-        <a:scene3d>
-          <a:camera prst="orthographicFront"/>
-          <a:lightRig rig="flat" dir="t"/>
-        </a:scene3d>
-        <a:sp3d z="190500" extrusionH="12700" prstMaterial="plastic">
-          <a:bevelT w="50800" h="50800"/>
-        </a:sp3d>
-      </dsp:spPr>
-      <dsp:style>
-        <a:lnRef idx="1">
-          <a:scrgbClr r="0" g="0" b="0"/>
-        </a:lnRef>
-        <a:fillRef idx="1">
-          <a:scrgbClr r="0" g="0" b="0"/>
-        </a:fillRef>
-        <a:effectRef idx="2">
-          <a:scrgbClr r="0" g="0" b="0"/>
-        </a:effectRef>
-        <a:fontRef idx="minor"/>
-      </dsp:style>
-      <dsp:txBody>
-        <a:bodyPr spcFirstLastPara="0" vert="horz" wrap="square" lIns="142240" tIns="25400" rIns="142240" bIns="25400" numCol="1" spcCol="1270" anchor="ctr" anchorCtr="0">
-          <a:noAutofit/>
-        </a:bodyPr>
-        <a:lstStyle/>
-        <a:p>
-          <a:pPr lvl="0" algn="ctr" defTabSz="889000">
-            <a:lnSpc>
-              <a:spcPct val="90000"/>
-            </a:lnSpc>
-            <a:spcBef>
-              <a:spcPct val="0"/>
-            </a:spcBef>
-            <a:spcAft>
-              <a:spcPct val="35000"/>
-            </a:spcAft>
-          </a:pPr>
-          <a:r>
-            <a:rPr lang="en-US" sz="2000" kern="1200" smtClean="0"/>
-            <a:t>Xác định Use Case</a:t>
-          </a:r>
-          <a:endParaRPr lang="en-US" sz="2000" kern="1200" dirty="0"/>
-        </a:p>
-      </dsp:txBody>
-      <dsp:txXfrm>
-        <a:off x="7314902" y="2828281"/>
-        <a:ext cx="2437804" cy="630281"/>
-      </dsp:txXfrm>
-    </dsp:sp>
-    <dsp:sp modelId="{D03B6D1E-A31A-4F57-AC79-E5145CF796EC}">
-      <dsp:nvSpPr>
-        <dsp:cNvPr id="0" name=""/>
-        <dsp:cNvSpPr/>
-      </dsp:nvSpPr>
-      <dsp:spPr>
-        <a:xfrm>
-          <a:off x="9752707" y="2828281"/>
-          <a:ext cx="2437804" cy="630281"/>
-        </a:xfrm>
-        <a:prstGeom prst="rect">
-          <a:avLst/>
-        </a:prstGeom>
-        <a:solidFill>
-          <a:schemeClr val="accent1">
-            <a:alpha val="90000"/>
-            <a:tint val="40000"/>
-            <a:hueOff val="0"/>
-            <a:satOff val="0"/>
-            <a:lumOff val="0"/>
-            <a:alphaOff val="0"/>
-          </a:schemeClr>
-        </a:solidFill>
-        <a:ln w="6350" cap="flat" cmpd="sng" algn="ctr">
-          <a:solidFill>
-            <a:schemeClr val="accent1">
-              <a:alpha val="90000"/>
-              <a:tint val="40000"/>
-              <a:hueOff val="0"/>
-              <a:satOff val="0"/>
-              <a:lumOff val="0"/>
-              <a:alphaOff val="0"/>
-            </a:schemeClr>
-          </a:solidFill>
-          <a:prstDash val="solid"/>
-          <a:miter lim="800000"/>
-        </a:ln>
-        <a:effectLst/>
-        <a:scene3d>
-          <a:camera prst="orthographicFront"/>
-          <a:lightRig rig="flat" dir="t"/>
-        </a:scene3d>
-        <a:sp3d z="190500" extrusionH="12700" prstMaterial="plastic">
-          <a:bevelT w="50800" h="50800"/>
-        </a:sp3d>
-      </dsp:spPr>
-      <dsp:style>
-        <a:lnRef idx="1">
-          <a:scrgbClr r="0" g="0" b="0"/>
-        </a:lnRef>
-        <a:fillRef idx="1">
-          <a:scrgbClr r="0" g="0" b="0"/>
-        </a:fillRef>
-        <a:effectRef idx="2">
-          <a:scrgbClr r="0" g="0" b="0"/>
-        </a:effectRef>
-        <a:fontRef idx="minor"/>
-      </dsp:style>
-      <dsp:txBody>
-        <a:bodyPr spcFirstLastPara="0" vert="horz" wrap="square" lIns="142240" tIns="25400" rIns="142240" bIns="25400" numCol="1" spcCol="1270" anchor="ctr" anchorCtr="0">
-          <a:noAutofit/>
-        </a:bodyPr>
-        <a:lstStyle/>
-        <a:p>
-          <a:pPr lvl="0" algn="ctr" defTabSz="889000">
-            <a:lnSpc>
-              <a:spcPct val="90000"/>
-            </a:lnSpc>
-            <a:spcBef>
-              <a:spcPct val="0"/>
-            </a:spcBef>
-            <a:spcAft>
-              <a:spcPct val="35000"/>
-            </a:spcAft>
-          </a:pPr>
-          <a:r>
-            <a:rPr lang="en-US" sz="2000" kern="1200" smtClean="0"/>
-            <a:t>Class Diagram</a:t>
-          </a:r>
-          <a:endParaRPr lang="en-US" sz="2000" kern="1200" dirty="0"/>
-        </a:p>
-      </dsp:txBody>
-      <dsp:txXfrm>
-        <a:off x="9752707" y="2828281"/>
-        <a:ext cx="2437804" cy="630281"/>
-      </dsp:txXfrm>
-    </dsp:sp>
-    <dsp:sp modelId="{789ABEFC-3818-4B19-A607-F30273B9A7B0}">
-      <dsp:nvSpPr>
-        <dsp:cNvPr id="0" name=""/>
-        <dsp:cNvSpPr/>
-      </dsp:nvSpPr>
-      <dsp:spPr>
-        <a:xfrm rot="10800000">
-          <a:off x="0" y="21954"/>
-          <a:ext cx="12192000" cy="2107964"/>
-        </a:xfrm>
-        <a:prstGeom prst="upArrowCallout">
+        <a:prstGeom prst="roundRect">
           <a:avLst/>
         </a:prstGeom>
         <a:gradFill rotWithShape="0">
@@ -2161,12 +1992,12 @@
         </a:fontRef>
       </dsp:style>
       <dsp:txBody>
-        <a:bodyPr spcFirstLastPara="0" vert="horz" wrap="square" lIns="341376" tIns="341376" rIns="341376" bIns="341376" numCol="1" spcCol="1270" anchor="ctr" anchorCtr="0">
+        <a:bodyPr spcFirstLastPara="0" vert="horz" wrap="square" lIns="322580" tIns="0" rIns="322580" bIns="0" numCol="1" spcCol="1270" anchor="ctr" anchorCtr="0">
           <a:noAutofit/>
         </a:bodyPr>
         <a:lstStyle/>
         <a:p>
-          <a:pPr lvl="0" algn="ctr" defTabSz="2133600">
+          <a:pPr lvl="0" algn="l" defTabSz="1333500">
             <a:lnSpc>
               <a:spcPct val="90000"/>
             </a:lnSpc>
@@ -2178,19 +2009,15 @@
             </a:spcAft>
           </a:pPr>
           <a:r>
-            <a:rPr lang="en-US" sz="4800" kern="1200" smtClean="0"/>
-            <a:t>Giới </a:t>
+            <a:rPr lang="en-US" sz="3000" kern="1200" smtClean="0"/>
+            <a:t>Tổng kết</a:t>
           </a:r>
-          <a:r>
-            <a:rPr lang="en-US" sz="4800" kern="1200" smtClean="0"/>
-            <a:t>thiệu</a:t>
-          </a:r>
-          <a:endParaRPr lang="en-US" sz="4800" kern="1200" dirty="0"/>
+          <a:endParaRPr lang="en-US" sz="3000" kern="1200" dirty="0"/>
         </a:p>
       </dsp:txBody>
-      <dsp:txXfrm rot="10800000">
-        <a:off x="0" y="21954"/>
-        <a:ext cx="12192000" cy="1369692"/>
+      <dsp:txXfrm>
+        <a:off x="652831" y="4381561"/>
+        <a:ext cx="8447938" cy="799138"/>
       </dsp:txXfrm>
     </dsp:sp>
   </dsp:spTree>
@@ -2198,12 +2025,11 @@
 </file>
 
 <file path=ppt/diagrams/layout1.xml><?xml version="1.0" encoding="utf-8"?>
-<dgm:layoutDef xmlns:dgm="http://schemas.openxmlformats.org/drawingml/2006/diagram" xmlns:a="http://schemas.openxmlformats.org/drawingml/2006/main" uniqueId="urn:microsoft.com/office/officeart/2005/8/layout/process4">
+<dgm:layoutDef xmlns:dgm="http://schemas.openxmlformats.org/drawingml/2006/diagram" xmlns:a="http://schemas.openxmlformats.org/drawingml/2006/main" uniqueId="urn:microsoft.com/office/officeart/2005/8/layout/list1">
   <dgm:title val=""/>
   <dgm:desc val=""/>
   <dgm:catLst>
-    <dgm:cat type="process" pri="16000"/>
-    <dgm:cat type="list" pri="20000"/>
+    <dgm:cat type="list" pri="4000"/>
   </dgm:catLst>
   <dgm:sampData>
     <dgm:dataModel>
@@ -2212,28 +2038,10 @@
         <dgm:pt modelId="1">
           <dgm:prSet phldr="1"/>
         </dgm:pt>
-        <dgm:pt modelId="11">
-          <dgm:prSet phldr="1"/>
-        </dgm:pt>
-        <dgm:pt modelId="12">
-          <dgm:prSet phldr="1"/>
-        </dgm:pt>
         <dgm:pt modelId="2">
           <dgm:prSet phldr="1"/>
         </dgm:pt>
-        <dgm:pt modelId="21">
-          <dgm:prSet phldr="1"/>
-        </dgm:pt>
-        <dgm:pt modelId="22">
-          <dgm:prSet phldr="1"/>
-        </dgm:pt>
         <dgm:pt modelId="3">
-          <dgm:prSet phldr="1"/>
-        </dgm:pt>
-        <dgm:pt modelId="31">
-          <dgm:prSet phldr="1"/>
-        </dgm:pt>
-        <dgm:pt modelId="32">
           <dgm:prSet phldr="1"/>
         </dgm:pt>
       </dgm:ptLst>
@@ -2241,12 +2049,6 @@
         <dgm:cxn modelId="4" srcId="0" destId="1" srcOrd="0" destOrd="0"/>
         <dgm:cxn modelId="5" srcId="0" destId="2" srcOrd="1" destOrd="0"/>
         <dgm:cxn modelId="6" srcId="0" destId="3" srcOrd="2" destOrd="0"/>
-        <dgm:cxn modelId="13" srcId="1" destId="11" srcOrd="0" destOrd="0"/>
-        <dgm:cxn modelId="14" srcId="1" destId="12" srcOrd="1" destOrd="0"/>
-        <dgm:cxn modelId="23" srcId="2" destId="21" srcOrd="0" destOrd="0"/>
-        <dgm:cxn modelId="24" srcId="2" destId="22" srcOrd="1" destOrd="0"/>
-        <dgm:cxn modelId="33" srcId="3" destId="31" srcOrd="0" destOrd="0"/>
-        <dgm:cxn modelId="34" srcId="3" destId="32" srcOrd="1" destOrd="0"/>
       </dgm:cxnLst>
       <dgm:bg/>
       <dgm:whole/>
@@ -2257,15 +2059,11 @@
       <dgm:ptLst>
         <dgm:pt modelId="0" type="doc"/>
         <dgm:pt modelId="1"/>
-        <dgm:pt modelId="11"/>
         <dgm:pt modelId="2"/>
-        <dgm:pt modelId="21"/>
       </dgm:ptLst>
       <dgm:cxnLst>
         <dgm:cxn modelId="4" srcId="0" destId="1" srcOrd="0" destOrd="0"/>
         <dgm:cxn modelId="5" srcId="0" destId="2" srcOrd="1" destOrd="0"/>
-        <dgm:cxn modelId="13" srcId="1" destId="11" srcOrd="0" destOrd="0"/>
-        <dgm:cxn modelId="23" srcId="2" destId="21" srcOrd="0" destOrd="0"/>
       </dgm:cxnLst>
       <dgm:bg/>
       <dgm:whole/>
@@ -2276,271 +2074,172 @@
       <dgm:ptLst>
         <dgm:pt modelId="0" type="doc"/>
         <dgm:pt modelId="1"/>
-        <dgm:pt modelId="11"/>
         <dgm:pt modelId="2"/>
-        <dgm:pt modelId="21"/>
         <dgm:pt modelId="3"/>
-        <dgm:pt modelId="31"/>
         <dgm:pt modelId="4"/>
-        <dgm:pt modelId="41"/>
       </dgm:ptLst>
       <dgm:cxnLst>
         <dgm:cxn modelId="5" srcId="0" destId="1" srcOrd="0" destOrd="0"/>
         <dgm:cxn modelId="6" srcId="0" destId="2" srcOrd="1" destOrd="0"/>
         <dgm:cxn modelId="7" srcId="0" destId="3" srcOrd="2" destOrd="0"/>
         <dgm:cxn modelId="8" srcId="0" destId="4" srcOrd="3" destOrd="0"/>
-        <dgm:cxn modelId="13" srcId="1" destId="11" srcOrd="0" destOrd="0"/>
-        <dgm:cxn modelId="23" srcId="2" destId="21" srcOrd="0" destOrd="0"/>
-        <dgm:cxn modelId="33" srcId="3" destId="31" srcOrd="0" destOrd="0"/>
-        <dgm:cxn modelId="43" srcId="4" destId="41" srcOrd="0" destOrd="0"/>
       </dgm:cxnLst>
       <dgm:bg/>
       <dgm:whole/>
     </dgm:dataModel>
   </dgm:clrData>
-  <dgm:layoutNode name="Name0">
+  <dgm:layoutNode name="linear">
     <dgm:varLst>
       <dgm:dir/>
       <dgm:animLvl val="lvl"/>
       <dgm:resizeHandles val="exact"/>
     </dgm:varLst>
-    <dgm:alg type="lin">
-      <dgm:param type="linDir" val="fromB"/>
-    </dgm:alg>
+    <dgm:choose name="Name0">
+      <dgm:if name="Name1" func="var" arg="dir" op="equ" val="norm">
+        <dgm:alg type="lin">
+          <dgm:param type="linDir" val="fromT"/>
+          <dgm:param type="vertAlign" val="mid"/>
+          <dgm:param type="horzAlign" val="l"/>
+          <dgm:param type="nodeHorzAlign" val="l"/>
+        </dgm:alg>
+      </dgm:if>
+      <dgm:else name="Name2">
+        <dgm:alg type="lin">
+          <dgm:param type="linDir" val="fromT"/>
+          <dgm:param type="vertAlign" val="mid"/>
+          <dgm:param type="horzAlign" val="r"/>
+          <dgm:param type="nodeHorzAlign" val="r"/>
+        </dgm:alg>
+      </dgm:else>
+    </dgm:choose>
     <dgm:shape xmlns:r="http://schemas.openxmlformats.org/officeDocument/2006/relationships" r:blip="">
       <dgm:adjLst/>
     </dgm:shape>
     <dgm:presOf/>
     <dgm:constrLst>
-      <dgm:constr type="h" for="ch" forName="boxAndChildren" refType="h"/>
-      <dgm:constr type="h" for="ch" forName="arrowAndChildren" refType="h" refFor="ch" refForName="boxAndChildren" op="equ" fact="1.538"/>
-      <dgm:constr type="w" for="ch" forName="arrowAndChildren" refType="w"/>
-      <dgm:constr type="w" for="ch" forName="boxAndChildren" refType="w"/>
-      <dgm:constr type="h" for="ch" forName="sp" refType="h" fact="-0.015"/>
-      <dgm:constr type="primFontSz" for="des" forName="parentTextBox" val="65"/>
-      <dgm:constr type="primFontSz" for="des" forName="parentTextArrow" refType="primFontSz" refFor="des" refForName="parentTextBox" op="equ"/>
-      <dgm:constr type="primFontSz" for="des" forName="childTextArrow" val="65"/>
-      <dgm:constr type="primFontSz" for="des" forName="childTextBox" refType="primFontSz" refFor="des" refForName="childTextArrow" op="equ"/>
+      <dgm:constr type="w" for="ch" forName="parentLin" refType="w"/>
+      <dgm:constr type="h" for="ch" forName="parentLin" val="INF"/>
+      <dgm:constr type="w" for="des" forName="parentLeftMargin" refType="w" fact="0.05"/>
+      <dgm:constr type="w" for="des" forName="parentText" refType="w" fact="0.7"/>
+      <dgm:constr type="h" for="des" forName="parentText" refType="primFontSz" refFor="des" refForName="parentText" fact="0.82"/>
+      <dgm:constr type="h" for="ch" forName="negativeSpace" refType="primFontSz" refFor="des" refForName="parentText" fact="-0.41"/>
+      <dgm:constr type="h" for="ch" forName="negativeSpace" refType="h" refFor="des" refForName="parentText" op="lte" fact="-0.82"/>
+      <dgm:constr type="h" for="ch" forName="negativeSpace" refType="h" refFor="des" refForName="parentText" op="gte" fact="-0.82"/>
+      <dgm:constr type="w" for="ch" forName="childText" refType="w"/>
+      <dgm:constr type="h" for="ch" forName="childText" refType="primFontSz" refFor="des" refForName="parentText" fact="0.7"/>
+      <dgm:constr type="primFontSz" for="des" forName="parentText" val="65"/>
+      <dgm:constr type="primFontSz" for="ch" forName="childText" refType="primFontSz" refFor="des" refForName="parentText"/>
+      <dgm:constr type="tMarg" for="ch" forName="childText" refType="primFontSz" refFor="des" refForName="parentText" fact="1.64"/>
+      <dgm:constr type="tMarg" for="ch" forName="childText" refType="h" refFor="des" refForName="parentText" op="lte" fact="3.28"/>
+      <dgm:constr type="tMarg" for="ch" forName="childText" refType="h" refFor="des" refForName="parentText" op="gte" fact="3.28"/>
+      <dgm:constr type="lMarg" for="ch" forName="childText" refType="w" fact="0.22"/>
+      <dgm:constr type="rMarg" for="ch" forName="childText" refType="lMarg" refFor="ch" refForName="childText"/>
+      <dgm:constr type="lMarg" for="des" forName="parentText" refType="w" fact="0.075"/>
+      <dgm:constr type="rMarg" for="des" forName="parentText" refType="lMarg" refFor="des" refForName="parentText"/>
+      <dgm:constr type="h" for="ch" forName="spaceBetweenRectangles" refType="primFontSz" refFor="des" refForName="parentText" fact="0.15"/>
     </dgm:constrLst>
-    <dgm:ruleLst/>
-    <dgm:forEach name="Name1" axis="ch" ptType="node" st="-1" step="-1">
-      <dgm:choose name="Name2">
-        <dgm:if name="Name3" axis="self" ptType="node" func="revPos" op="equ" val="1">
-          <dgm:layoutNode name="boxAndChildren">
-            <dgm:alg type="composite"/>
-            <dgm:shape xmlns:r="http://schemas.openxmlformats.org/officeDocument/2006/relationships" r:blip="">
-              <dgm:adjLst/>
-            </dgm:shape>
-            <dgm:presOf/>
-            <dgm:choose name="Name4">
-              <dgm:if name="Name5" axis="ch" ptType="node" func="cnt" op="gte" val="1">
-                <dgm:constrLst>
-                  <dgm:constr type="w" for="ch" forName="parentTextBox" refType="w"/>
-                  <dgm:constr type="h" for="ch" forName="parentTextBox" refType="h" fact="0.54"/>
-                  <dgm:constr type="t" for="ch" forName="parentTextBox"/>
-                  <dgm:constr type="w" for="ch" forName="entireBox" refType="w"/>
-                  <dgm:constr type="h" for="ch" forName="entireBox" refType="h"/>
-                  <dgm:constr type="w" for="ch" forName="descendantBox" refType="w"/>
-                  <dgm:constr type="b" for="ch" forName="descendantBox" refType="h" fact="0.98"/>
-                  <dgm:constr type="h" for="ch" forName="descendantBox" refType="h" fact="0.46"/>
-                </dgm:constrLst>
-              </dgm:if>
-              <dgm:else name="Name6">
-                <dgm:constrLst>
-                  <dgm:constr type="w" for="ch" forName="parentTextBox" refType="w"/>
-                  <dgm:constr type="h" for="ch" forName="parentTextBox" refType="h"/>
-                </dgm:constrLst>
-              </dgm:else>
-            </dgm:choose>
-            <dgm:ruleLst/>
-            <dgm:layoutNode name="parentTextBox">
-              <dgm:alg type="tx"/>
-              <dgm:choose name="Name7">
-                <dgm:if name="Name8" axis="ch" ptType="node" func="cnt" op="gte" val="1">
-                  <dgm:shape xmlns:r="http://schemas.openxmlformats.org/officeDocument/2006/relationships" type="rect" r:blip="" zOrderOff="1" hideGeom="1">
-                    <dgm:adjLst/>
-                  </dgm:shape>
-                </dgm:if>
-                <dgm:else name="Name9">
-                  <dgm:shape xmlns:r="http://schemas.openxmlformats.org/officeDocument/2006/relationships" type="rect" r:blip="">
-                    <dgm:adjLst/>
-                  </dgm:shape>
-                </dgm:else>
-              </dgm:choose>
-              <dgm:presOf axis="self"/>
-              <dgm:constrLst/>
-              <dgm:ruleLst>
-                <dgm:rule type="primFontSz" val="5" fact="NaN" max="NaN"/>
-              </dgm:ruleLst>
-            </dgm:layoutNode>
-            <dgm:choose name="Name10">
-              <dgm:if name="Name11" axis="ch" ptType="node" func="cnt" op="gte" val="1">
-                <dgm:layoutNode name="entireBox">
-                  <dgm:alg type="sp"/>
-                  <dgm:shape xmlns:r="http://schemas.openxmlformats.org/officeDocument/2006/relationships" type="rect" r:blip="">
-                    <dgm:adjLst/>
-                  </dgm:shape>
-                  <dgm:presOf axis="self"/>
-                  <dgm:constrLst/>
-                  <dgm:ruleLst/>
-                </dgm:layoutNode>
-                <dgm:layoutNode name="descendantBox" styleLbl="fgAccFollowNode1">
-                  <dgm:choose name="Name12">
-                    <dgm:if name="Name13" func="var" arg="dir" op="equ" val="norm">
-                      <dgm:alg type="lin"/>
-                    </dgm:if>
-                    <dgm:else name="Name14">
-                      <dgm:alg type="lin">
-                        <dgm:param type="linDir" val="fromR"/>
-                      </dgm:alg>
-                    </dgm:else>
-                  </dgm:choose>
-                  <dgm:shape xmlns:r="http://schemas.openxmlformats.org/officeDocument/2006/relationships" r:blip="">
-                    <dgm:adjLst/>
-                  </dgm:shape>
-                  <dgm:presOf/>
-                  <dgm:constrLst>
-                    <dgm:constr type="w" for="ch" forName="childTextBox" refType="w"/>
-                    <dgm:constr type="h" for="ch" forName="childTextBox" refType="h"/>
-                  </dgm:constrLst>
-                  <dgm:ruleLst/>
-                  <dgm:forEach name="Name15" axis="ch" ptType="node">
-                    <dgm:layoutNode name="childTextBox" styleLbl="fgAccFollowNode1">
-                      <dgm:varLst>
-                        <dgm:bulletEnabled val="1"/>
-                      </dgm:varLst>
-                      <dgm:alg type="tx"/>
-                      <dgm:shape xmlns:r="http://schemas.openxmlformats.org/officeDocument/2006/relationships" type="rect" r:blip="">
-                        <dgm:adjLst/>
-                      </dgm:shape>
-                      <dgm:presOf axis="desOrSelf" ptType="node"/>
-                      <dgm:constrLst>
-                        <dgm:constr type="tMarg" refType="primFontSz" fact="0.1"/>
-                        <dgm:constr type="bMarg" refType="primFontSz" fact="0.1"/>
-                      </dgm:constrLst>
-                      <dgm:ruleLst>
-                        <dgm:rule type="primFontSz" val="5" fact="NaN" max="NaN"/>
-                      </dgm:ruleLst>
-                    </dgm:layoutNode>
-                  </dgm:forEach>
-                </dgm:layoutNode>
-              </dgm:if>
-              <dgm:else name="Name16"/>
-            </dgm:choose>
-          </dgm:layoutNode>
-        </dgm:if>
-        <dgm:else name="Name17">
-          <dgm:layoutNode name="arrowAndChildren">
-            <dgm:alg type="composite"/>
-            <dgm:shape xmlns:r="http://schemas.openxmlformats.org/officeDocument/2006/relationships" r:blip="">
-              <dgm:adjLst/>
-            </dgm:shape>
-            <dgm:presOf/>
-            <dgm:choose name="Name18">
-              <dgm:if name="Name19" axis="ch" ptType="node" func="cnt" op="gte" val="1">
-                <dgm:constrLst>
-                  <dgm:constr type="w" for="ch" forName="parentTextArrow" refType="w"/>
-                  <dgm:constr type="t" for="ch" forName="parentTextArrow"/>
-                  <dgm:constr type="h" for="ch" forName="parentTextArrow" refType="h" fact="0.351"/>
-                  <dgm:constr type="w" for="ch" forName="arrow" refType="w"/>
-                  <dgm:constr type="h" for="ch" forName="arrow" refType="h"/>
-                  <dgm:constr type="w" for="ch" forName="descendantArrow" refType="w"/>
-                  <dgm:constr type="b" for="ch" forName="descendantArrow" refType="h" fact="0.65"/>
-                  <dgm:constr type="h" for="ch" forName="descendantArrow" refType="h" fact="0.299"/>
-                </dgm:constrLst>
-              </dgm:if>
-              <dgm:else name="Name20">
-                <dgm:constrLst>
-                  <dgm:constr type="w" for="ch" forName="parentTextArrow" refType="w"/>
-                  <dgm:constr type="h" for="ch" forName="parentTextArrow" refType="h"/>
-                </dgm:constrLst>
-              </dgm:else>
-            </dgm:choose>
-            <dgm:ruleLst/>
-            <dgm:layoutNode name="parentTextArrow">
-              <dgm:alg type="tx"/>
-              <dgm:choose name="Name21">
-                <dgm:if name="Name22" axis="ch" ptType="node" func="cnt" op="gte" val="1">
-                  <dgm:shape xmlns:r="http://schemas.openxmlformats.org/officeDocument/2006/relationships" type="rect" r:blip="" zOrderOff="1" hideGeom="1">
-                    <dgm:adjLst/>
-                  </dgm:shape>
-                </dgm:if>
-                <dgm:else name="Name23">
-                  <dgm:shape xmlns:r="http://schemas.openxmlformats.org/officeDocument/2006/relationships" rot="180" type="upArrowCallout" r:blip="">
-                    <dgm:adjLst/>
-                  </dgm:shape>
-                </dgm:else>
-              </dgm:choose>
-              <dgm:presOf axis="self"/>
-              <dgm:constrLst/>
-              <dgm:ruleLst>
-                <dgm:rule type="primFontSz" val="5" fact="NaN" max="NaN"/>
-              </dgm:ruleLst>
-            </dgm:layoutNode>
-            <dgm:choose name="Name24">
-              <dgm:if name="Name25" axis="ch" ptType="node" func="cnt" op="gte" val="1">
-                <dgm:layoutNode name="arrow">
-                  <dgm:alg type="sp"/>
-                  <dgm:shape xmlns:r="http://schemas.openxmlformats.org/officeDocument/2006/relationships" rot="180" type="upArrowCallout" r:blip="">
-                    <dgm:adjLst/>
-                  </dgm:shape>
-                  <dgm:presOf axis="self"/>
-                  <dgm:constrLst/>
-                  <dgm:ruleLst/>
-                </dgm:layoutNode>
-                <dgm:layoutNode name="descendantArrow">
-                  <dgm:choose name="Name26">
-                    <dgm:if name="Name27" func="var" arg="dir" op="equ" val="norm">
-                      <dgm:alg type="lin"/>
-                    </dgm:if>
-                    <dgm:else name="Name28">
-                      <dgm:alg type="lin">
-                        <dgm:param type="linDir" val="fromR"/>
-                      </dgm:alg>
-                    </dgm:else>
-                  </dgm:choose>
-                  <dgm:shape xmlns:r="http://schemas.openxmlformats.org/officeDocument/2006/relationships" r:blip="">
-                    <dgm:adjLst/>
-                  </dgm:shape>
-                  <dgm:presOf/>
-                  <dgm:constrLst>
-                    <dgm:constr type="w" for="ch" forName="childTextArrow" refType="w"/>
-                    <dgm:constr type="h" for="ch" forName="childTextArrow" refType="h"/>
-                  </dgm:constrLst>
-                  <dgm:ruleLst/>
-                  <dgm:forEach name="Name29" axis="ch" ptType="node">
-                    <dgm:layoutNode name="childTextArrow" styleLbl="fgAccFollowNode1">
-                      <dgm:varLst>
-                        <dgm:bulletEnabled val="1"/>
-                      </dgm:varLst>
-                      <dgm:alg type="tx"/>
-                      <dgm:shape xmlns:r="http://schemas.openxmlformats.org/officeDocument/2006/relationships" type="rect" r:blip="">
-                        <dgm:adjLst/>
-                      </dgm:shape>
-                      <dgm:presOf axis="desOrSelf" ptType="node"/>
-                      <dgm:constrLst>
-                        <dgm:constr type="tMarg" refType="primFontSz" fact="0.1"/>
-                        <dgm:constr type="bMarg" refType="primFontSz" fact="0.1"/>
-                      </dgm:constrLst>
-                      <dgm:ruleLst>
-                        <dgm:rule type="primFontSz" val="5" fact="NaN" max="NaN"/>
-                      </dgm:ruleLst>
-                    </dgm:layoutNode>
-                  </dgm:forEach>
-                </dgm:layoutNode>
-              </dgm:if>
-              <dgm:else name="Name30"/>
-            </dgm:choose>
-          </dgm:layoutNode>
-        </dgm:else>
-      </dgm:choose>
-      <dgm:forEach name="Name31" axis="precedSib" ptType="sibTrans" st="-1" cnt="1">
-        <dgm:layoutNode name="sp">
+    <dgm:ruleLst>
+      <dgm:rule type="primFontSz" for="des" forName="parentText" val="5" fact="NaN" max="NaN"/>
+    </dgm:ruleLst>
+    <dgm:forEach name="Name3" axis="ch" ptType="node">
+      <dgm:layoutNode name="parentLin">
+        <dgm:choose name="Name4">
+          <dgm:if name="Name5" func="var" arg="dir" op="equ" val="norm">
+            <dgm:alg type="lin">
+              <dgm:param type="linDir" val="fromL"/>
+              <dgm:param type="horzAlign" val="l"/>
+              <dgm:param type="nodeHorzAlign" val="l"/>
+            </dgm:alg>
+          </dgm:if>
+          <dgm:else name="Name6">
+            <dgm:alg type="lin">
+              <dgm:param type="linDir" val="fromR"/>
+              <dgm:param type="horzAlign" val="r"/>
+              <dgm:param type="nodeHorzAlign" val="r"/>
+            </dgm:alg>
+          </dgm:else>
+        </dgm:choose>
+        <dgm:shape xmlns:r="http://schemas.openxmlformats.org/officeDocument/2006/relationships" r:blip="">
+          <dgm:adjLst/>
+        </dgm:shape>
+        <dgm:presOf/>
+        <dgm:constrLst/>
+        <dgm:ruleLst/>
+        <dgm:layoutNode name="parentLeftMargin">
+          <dgm:alg type="sp"/>
+          <dgm:shape xmlns:r="http://schemas.openxmlformats.org/officeDocument/2006/relationships" type="rect" r:blip="" hideGeom="1">
+            <dgm:adjLst/>
+          </dgm:shape>
+          <dgm:presOf axis="self"/>
+          <dgm:constrLst>
+            <dgm:constr type="h"/>
+          </dgm:constrLst>
+          <dgm:ruleLst/>
+        </dgm:layoutNode>
+        <dgm:layoutNode name="parentText" styleLbl="node1">
+          <dgm:varLst>
+            <dgm:chMax val="0"/>
+            <dgm:bulletEnabled val="1"/>
+          </dgm:varLst>
+          <dgm:choose name="Name7">
+            <dgm:if name="Name8" func="var" arg="dir" op="equ" val="norm">
+              <dgm:alg type="tx">
+                <dgm:param type="parTxLTRAlign" val="l"/>
+                <dgm:param type="parTxRTLAlign" val="l"/>
+              </dgm:alg>
+            </dgm:if>
+            <dgm:else name="Name9">
+              <dgm:alg type="tx">
+                <dgm:param type="parTxLTRAlign" val="r"/>
+                <dgm:param type="parTxRTLAlign" val="r"/>
+              </dgm:alg>
+            </dgm:else>
+          </dgm:choose>
+          <dgm:shape xmlns:r="http://schemas.openxmlformats.org/officeDocument/2006/relationships" type="roundRect" r:blip="">
+            <dgm:adjLst/>
+          </dgm:shape>
+          <dgm:presOf axis="self" ptType="node"/>
+          <dgm:constrLst>
+            <dgm:constr type="tMarg"/>
+            <dgm:constr type="bMarg"/>
+          </dgm:constrLst>
+          <dgm:ruleLst/>
+        </dgm:layoutNode>
+      </dgm:layoutNode>
+      <dgm:layoutNode name="negativeSpace">
+        <dgm:alg type="sp"/>
+        <dgm:shape xmlns:r="http://schemas.openxmlformats.org/officeDocument/2006/relationships" r:blip="">
+          <dgm:adjLst/>
+        </dgm:shape>
+        <dgm:presOf/>
+        <dgm:constrLst/>
+        <dgm:ruleLst/>
+      </dgm:layoutNode>
+      <dgm:layoutNode name="childText" styleLbl="conFgAcc1">
+        <dgm:varLst>
+          <dgm:bulletEnabled val="1"/>
+        </dgm:varLst>
+        <dgm:alg type="tx">
+          <dgm:param type="stBulletLvl" val="1"/>
+        </dgm:alg>
+        <dgm:shape xmlns:r="http://schemas.openxmlformats.org/officeDocument/2006/relationships" type="rect" r:blip="" zOrderOff="-2">
+          <dgm:adjLst/>
+        </dgm:shape>
+        <dgm:presOf axis="des" ptType="node"/>
+        <dgm:constrLst>
+          <dgm:constr type="secFontSz" refType="primFontSz"/>
+        </dgm:constrLst>
+        <dgm:ruleLst>
+          <dgm:rule type="h" val="INF" fact="NaN" max="NaN"/>
+        </dgm:ruleLst>
+      </dgm:layoutNode>
+      <dgm:forEach name="Name10" axis="followSib" ptType="sibTrans" cnt="1">
+        <dgm:layoutNode name="spaceBetweenRectangles">
           <dgm:alg type="sp"/>
           <dgm:shape xmlns:r="http://schemas.openxmlformats.org/officeDocument/2006/relationships" r:blip="">
             <dgm:adjLst/>
           </dgm:shape>
-          <dgm:presOf axis="self"/>
+          <dgm:presOf/>
           <dgm:constrLst/>
           <dgm:ruleLst/>
         </dgm:layoutNode>
@@ -3749,7 +3448,7 @@
           <a:p>
             <a:fld id="{6C68E61F-1B3E-4D5B-9BF1-84B40D6DBB5B}" type="datetimeFigureOut">
               <a:rPr lang="en-US" smtClean="0"/>
-              <a:t>01/13/2015</a:t>
+              <a:t>1/14/2015</a:t>
             </a:fld>
             <a:endParaRPr lang="en-US"/>
           </a:p>
@@ -4107,94 +3806,6 @@
 </p:notes>
 </file>
 
-<file path=ppt/notesSlides/notesSlide10.xml><?xml version="1.0" encoding="utf-8"?>
-<p:notes xmlns:a="http://schemas.openxmlformats.org/drawingml/2006/main" xmlns:r="http://schemas.openxmlformats.org/officeDocument/2006/relationships" xmlns:p="http://schemas.openxmlformats.org/presentationml/2006/main">
-  <p:cSld>
-    <p:spTree>
-      <p:nvGrpSpPr>
-        <p:cNvPr id="1" name=""/>
-        <p:cNvGrpSpPr/>
-        <p:nvPr/>
-      </p:nvGrpSpPr>
-      <p:grpSpPr>
-        <a:xfrm>
-          <a:off x="0" y="0"/>
-          <a:ext cx="0" cy="0"/>
-          <a:chOff x="0" y="0"/>
-          <a:chExt cx="0" cy="0"/>
-        </a:xfrm>
-      </p:grpSpPr>
-      <p:sp>
-        <p:nvSpPr>
-          <p:cNvPr id="2" name="Slide Image Placeholder 1"/>
-          <p:cNvSpPr>
-            <a:spLocks noGrp="1" noRot="1" noChangeAspect="1"/>
-          </p:cNvSpPr>
-          <p:nvPr>
-            <p:ph type="sldImg"/>
-          </p:nvPr>
-        </p:nvSpPr>
-        <p:spPr/>
-      </p:sp>
-      <p:sp>
-        <p:nvSpPr>
-          <p:cNvPr id="3" name="Notes Placeholder 2"/>
-          <p:cNvSpPr>
-            <a:spLocks noGrp="1"/>
-          </p:cNvSpPr>
-          <p:nvPr>
-            <p:ph type="body" idx="1"/>
-          </p:nvPr>
-        </p:nvSpPr>
-        <p:spPr/>
-        <p:txBody>
-          <a:bodyPr/>
-          <a:lstStyle/>
-          <a:p>
-            <a:r>
-              <a:rPr lang="en-US" smtClean="0"/>
-              <a:t>Button dropdown</a:t>
-            </a:r>
-            <a:endParaRPr lang="en-US"/>
-          </a:p>
-        </p:txBody>
-      </p:sp>
-      <p:sp>
-        <p:nvSpPr>
-          <p:cNvPr id="4" name="Slide Number Placeholder 3"/>
-          <p:cNvSpPr>
-            <a:spLocks noGrp="1"/>
-          </p:cNvSpPr>
-          <p:nvPr>
-            <p:ph type="sldNum" sz="quarter" idx="10"/>
-          </p:nvPr>
-        </p:nvSpPr>
-        <p:spPr/>
-        <p:txBody>
-          <a:bodyPr/>
-          <a:lstStyle/>
-          <a:p>
-            <a:fld id="{32958C50-13C0-42F3-894D-B751731AE499}" type="slidenum">
-              <a:rPr lang="en-US" smtClean="0"/>
-              <a:t>15</a:t>
-            </a:fld>
-            <a:endParaRPr lang="en-US"/>
-          </a:p>
-        </p:txBody>
-      </p:sp>
-    </p:spTree>
-    <p:extLst>
-      <p:ext uri="{BB962C8B-B14F-4D97-AF65-F5344CB8AC3E}">
-        <p14:creationId xmlns:p14="http://schemas.microsoft.com/office/powerpoint/2010/main" val="1080043589"/>
-      </p:ext>
-    </p:extLst>
-  </p:cSld>
-  <p:clrMapOvr>
-    <a:masterClrMapping/>
-  </p:clrMapOvr>
-</p:notes>
-</file>
-
 <file path=ppt/notesSlides/notesSlide2.xml><?xml version="1.0" encoding="utf-8"?>
 <p:notes xmlns:a="http://schemas.openxmlformats.org/drawingml/2006/main" xmlns:r="http://schemas.openxmlformats.org/officeDocument/2006/relationships" xmlns:p="http://schemas.openxmlformats.org/presentationml/2006/main">
   <p:cSld>
@@ -4971,7 +4582,7 @@
           <a:bodyPr/>
           <a:lstStyle/>
           <a:p>
-            <a:endParaRPr lang="en-US"/>
+            <a:endParaRPr lang="en-US" dirty="0"/>
           </a:p>
         </p:txBody>
       </p:sp>
@@ -5002,90 +4613,6 @@
     <p:extLst>
       <p:ext uri="{BB962C8B-B14F-4D97-AF65-F5344CB8AC3E}">
         <p14:creationId xmlns:p14="http://schemas.microsoft.com/office/powerpoint/2010/main" val="3409823014"/>
-      </p:ext>
-    </p:extLst>
-  </p:cSld>
-  <p:clrMapOvr>
-    <a:masterClrMapping/>
-  </p:clrMapOvr>
-</p:notes>
-</file>
-
-<file path=ppt/notesSlides/notesSlide9.xml><?xml version="1.0" encoding="utf-8"?>
-<p:notes xmlns:a="http://schemas.openxmlformats.org/drawingml/2006/main" xmlns:r="http://schemas.openxmlformats.org/officeDocument/2006/relationships" xmlns:p="http://schemas.openxmlformats.org/presentationml/2006/main">
-  <p:cSld>
-    <p:spTree>
-      <p:nvGrpSpPr>
-        <p:cNvPr id="1" name=""/>
-        <p:cNvGrpSpPr/>
-        <p:nvPr/>
-      </p:nvGrpSpPr>
-      <p:grpSpPr>
-        <a:xfrm>
-          <a:off x="0" y="0"/>
-          <a:ext cx="0" cy="0"/>
-          <a:chOff x="0" y="0"/>
-          <a:chExt cx="0" cy="0"/>
-        </a:xfrm>
-      </p:grpSpPr>
-      <p:sp>
-        <p:nvSpPr>
-          <p:cNvPr id="2" name="Slide Image Placeholder 1"/>
-          <p:cNvSpPr>
-            <a:spLocks noGrp="1" noRot="1" noChangeAspect="1"/>
-          </p:cNvSpPr>
-          <p:nvPr>
-            <p:ph type="sldImg"/>
-          </p:nvPr>
-        </p:nvSpPr>
-        <p:spPr/>
-      </p:sp>
-      <p:sp>
-        <p:nvSpPr>
-          <p:cNvPr id="3" name="Notes Placeholder 2"/>
-          <p:cNvSpPr>
-            <a:spLocks noGrp="1"/>
-          </p:cNvSpPr>
-          <p:nvPr>
-            <p:ph type="body" idx="1"/>
-          </p:nvPr>
-        </p:nvSpPr>
-        <p:spPr/>
-        <p:txBody>
-          <a:bodyPr/>
-          <a:lstStyle/>
-          <a:p>
-            <a:endParaRPr lang="en-US"/>
-          </a:p>
-        </p:txBody>
-      </p:sp>
-      <p:sp>
-        <p:nvSpPr>
-          <p:cNvPr id="4" name="Slide Number Placeholder 3"/>
-          <p:cNvSpPr>
-            <a:spLocks noGrp="1"/>
-          </p:cNvSpPr>
-          <p:nvPr>
-            <p:ph type="sldNum" sz="quarter" idx="10"/>
-          </p:nvPr>
-        </p:nvSpPr>
-        <p:spPr/>
-        <p:txBody>
-          <a:bodyPr/>
-          <a:lstStyle/>
-          <a:p>
-            <a:fld id="{32958C50-13C0-42F3-894D-B751731AE499}" type="slidenum">
-              <a:rPr lang="en-US" smtClean="0"/>
-              <a:t>10</a:t>
-            </a:fld>
-            <a:endParaRPr lang="en-US"/>
-          </a:p>
-        </p:txBody>
-      </p:sp>
-    </p:spTree>
-    <p:extLst>
-      <p:ext uri="{BB962C8B-B14F-4D97-AF65-F5344CB8AC3E}">
-        <p14:creationId xmlns:p14="http://schemas.microsoft.com/office/powerpoint/2010/main" val="4176751172"/>
       </p:ext>
     </p:extLst>
   </p:cSld>
@@ -5226,7 +4753,7 @@
           <a:p>
             <a:fld id="{FC0C9FF4-D1DC-445E-B677-28AAE33BDF82}" type="datetimeFigureOut">
               <a:rPr lang="en-US" smtClean="0"/>
-              <a:t>01/13/2015</a:t>
+              <a:t>1/14/2015</a:t>
             </a:fld>
             <a:endParaRPr lang="en-US"/>
           </a:p>
@@ -5396,7 +4923,7 @@
           <a:p>
             <a:fld id="{FC0C9FF4-D1DC-445E-B677-28AAE33BDF82}" type="datetimeFigureOut">
               <a:rPr lang="en-US" smtClean="0"/>
-              <a:t>01/13/2015</a:t>
+              <a:t>1/14/2015</a:t>
             </a:fld>
             <a:endParaRPr lang="en-US"/>
           </a:p>
@@ -5576,7 +5103,7 @@
           <a:p>
             <a:fld id="{FC0C9FF4-D1DC-445E-B677-28AAE33BDF82}" type="datetimeFigureOut">
               <a:rPr lang="en-US" smtClean="0"/>
-              <a:t>01/13/2015</a:t>
+              <a:t>1/14/2015</a:t>
             </a:fld>
             <a:endParaRPr lang="en-US"/>
           </a:p>
@@ -5746,7 +5273,7 @@
           <a:p>
             <a:fld id="{FC0C9FF4-D1DC-445E-B677-28AAE33BDF82}" type="datetimeFigureOut">
               <a:rPr lang="en-US" smtClean="0"/>
-              <a:t>01/13/2015</a:t>
+              <a:t>1/14/2015</a:t>
             </a:fld>
             <a:endParaRPr lang="en-US"/>
           </a:p>
@@ -5992,7 +5519,7 @@
           <a:p>
             <a:fld id="{FC0C9FF4-D1DC-445E-B677-28AAE33BDF82}" type="datetimeFigureOut">
               <a:rPr lang="en-US" smtClean="0"/>
-              <a:t>01/13/2015</a:t>
+              <a:t>1/14/2015</a:t>
             </a:fld>
             <a:endParaRPr lang="en-US"/>
           </a:p>
@@ -6224,7 +5751,7 @@
           <a:p>
             <a:fld id="{FC0C9FF4-D1DC-445E-B677-28AAE33BDF82}" type="datetimeFigureOut">
               <a:rPr lang="en-US" smtClean="0"/>
-              <a:t>01/13/2015</a:t>
+              <a:t>1/14/2015</a:t>
             </a:fld>
             <a:endParaRPr lang="en-US"/>
           </a:p>
@@ -6591,7 +6118,7 @@
           <a:p>
             <a:fld id="{FC0C9FF4-D1DC-445E-B677-28AAE33BDF82}" type="datetimeFigureOut">
               <a:rPr lang="en-US" smtClean="0"/>
-              <a:t>01/13/2015</a:t>
+              <a:t>1/14/2015</a:t>
             </a:fld>
             <a:endParaRPr lang="en-US"/>
           </a:p>
@@ -6709,7 +6236,7 @@
           <a:p>
             <a:fld id="{FC0C9FF4-D1DC-445E-B677-28AAE33BDF82}" type="datetimeFigureOut">
               <a:rPr lang="en-US" smtClean="0"/>
-              <a:t>01/13/2015</a:t>
+              <a:t>1/14/2015</a:t>
             </a:fld>
             <a:endParaRPr lang="en-US"/>
           </a:p>
@@ -6804,7 +6331,7 @@
           <a:p>
             <a:fld id="{FC0C9FF4-D1DC-445E-B677-28AAE33BDF82}" type="datetimeFigureOut">
               <a:rPr lang="en-US" smtClean="0"/>
-              <a:t>01/13/2015</a:t>
+              <a:t>1/14/2015</a:t>
             </a:fld>
             <a:endParaRPr lang="en-US"/>
           </a:p>
@@ -7081,7 +6608,7 @@
           <a:p>
             <a:fld id="{FC0C9FF4-D1DC-445E-B677-28AAE33BDF82}" type="datetimeFigureOut">
               <a:rPr lang="en-US" smtClean="0"/>
-              <a:t>01/13/2015</a:t>
+              <a:t>1/14/2015</a:t>
             </a:fld>
             <a:endParaRPr lang="en-US"/>
           </a:p>
@@ -7334,7 +6861,7 @@
           <a:p>
             <a:fld id="{FC0C9FF4-D1DC-445E-B677-28AAE33BDF82}" type="datetimeFigureOut">
               <a:rPr lang="en-US" smtClean="0"/>
-              <a:t>01/13/2015</a:t>
+              <a:t>1/14/2015</a:t>
             </a:fld>
             <a:endParaRPr lang="en-US"/>
           </a:p>
@@ -7547,7 +7074,7 @@
           <a:p>
             <a:fld id="{FC0C9FF4-D1DC-445E-B677-28AAE33BDF82}" type="datetimeFigureOut">
               <a:rPr lang="en-US" smtClean="0"/>
-              <a:t>01/13/2015</a:t>
+              <a:t>1/14/2015</a:t>
             </a:fld>
             <a:endParaRPr lang="en-US"/>
           </a:p>
@@ -8149,23 +7676,7 @@
                   </a:outerShdw>
                 </a:effectLst>
               </a:rPr>
-              <a:t>Lê </a:t>
-            </a:r>
-            <a:r>
-              <a:rPr lang="en-US" sz="4000">
-                <a:ln w="0"/>
-                <a:solidFill>
-                  <a:srgbClr val="FF0000"/>
-                </a:solidFill>
-                <a:effectLst>
-                  <a:outerShdw blurRad="38100" dist="25400" dir="5400000" algn="ctr" rotWithShape="0">
-                    <a:srgbClr val="6E747A">
-                      <a:alpha val="43000"/>
-                    </a:srgbClr>
-                  </a:outerShdw>
-                </a:effectLst>
-              </a:rPr>
-              <a:t>Hoàng </a:t>
+              <a:t>Lê Hoàng </a:t>
             </a:r>
             <a:r>
               <a:rPr lang="en-US" sz="4000" smtClean="0">
@@ -8216,23 +7727,7 @@
                   </a:outerShdw>
                 </a:effectLst>
               </a:rPr>
-              <a:t>Võ Thị </a:t>
-            </a:r>
-            <a:r>
-              <a:rPr lang="en-US" sz="4000">
-                <a:ln w="0"/>
-                <a:solidFill>
-                  <a:srgbClr val="FF0000"/>
-                </a:solidFill>
-                <a:effectLst>
-                  <a:outerShdw blurRad="38100" dist="25400" dir="5400000" algn="ctr" rotWithShape="0">
-                    <a:srgbClr val="6E747A">
-                      <a:alpha val="43000"/>
-                    </a:srgbClr>
-                  </a:outerShdw>
-                </a:effectLst>
-              </a:rPr>
-              <a:t>Thùy </a:t>
+              <a:t>Võ Thị Thùy </a:t>
             </a:r>
             <a:r>
               <a:rPr lang="en-US" sz="4000" smtClean="0">
@@ -8283,23 +7778,7 @@
                   </a:outerShdw>
                 </a:effectLst>
               </a:rPr>
-              <a:t>Lại Thị </a:t>
-            </a:r>
-            <a:r>
-              <a:rPr lang="en-US" sz="4000">
-                <a:ln w="0"/>
-                <a:solidFill>
-                  <a:srgbClr val="FF0000"/>
-                </a:solidFill>
-                <a:effectLst>
-                  <a:outerShdw blurRad="38100" dist="25400" dir="5400000" algn="ctr" rotWithShape="0">
-                    <a:srgbClr val="6E747A">
-                      <a:alpha val="43000"/>
-                    </a:srgbClr>
-                  </a:outerShdw>
-                </a:effectLst>
-              </a:rPr>
-              <a:t>Phương </a:t>
+              <a:t>Lại Thị Phương </a:t>
             </a:r>
             <a:r>
               <a:rPr lang="en-US" sz="4000" smtClean="0">
@@ -8384,37 +7863,7 @@
       </p:grpSpPr>
       <p:sp>
         <p:nvSpPr>
-          <p:cNvPr id="3" name="Content Placeholder 2"/>
-          <p:cNvSpPr>
-            <a:spLocks noGrp="1"/>
-          </p:cNvSpPr>
-          <p:nvPr>
-            <p:ph idx="1"/>
-          </p:nvPr>
-        </p:nvSpPr>
-        <p:spPr>
-          <a:xfrm>
-            <a:off x="457200" y="1325880"/>
-            <a:ext cx="11140440" cy="5257800"/>
-          </a:xfrm>
-        </p:spPr>
-        <p:txBody>
-          <a:bodyPr/>
-          <a:lstStyle/>
-          <a:p>
-            <a:r>
-              <a:rPr lang="en-US" smtClean="0"/>
-              <a:t>Ádfghj</a:t>
-            </a:r>
-          </a:p>
-          <a:p>
-            <a:endParaRPr lang="en-US"/>
-          </a:p>
-        </p:txBody>
-      </p:sp>
-      <p:sp>
-        <p:nvSpPr>
-          <p:cNvPr id="4" name="Title 1"/>
+          <p:cNvPr id="5" name="Title 1"/>
           <p:cNvSpPr>
             <a:spLocks noGrp="1"/>
           </p:cNvSpPr>
@@ -8435,7 +7884,7 @@
           <a:lstStyle/>
           <a:p>
             <a:r>
-              <a:rPr lang="en-US" sz="4800" b="1" smtClean="0">
+              <a:rPr lang="en-US" sz="4800" b="1" dirty="0" smtClean="0">
                 <a:ln w="0"/>
                 <a:solidFill>
                   <a:schemeClr val="accent1"/>
@@ -8444,7 +7893,7 @@
                   <a:reflection blurRad="6350" stA="53000" endA="300" endPos="35500" dir="5400000" sy="-90000" algn="bl" rotWithShape="0"/>
                 </a:effectLst>
               </a:rPr>
-              <a:t> sdfghjk</a:t>
+              <a:t>Activitive Diagram của đặt vé</a:t>
             </a:r>
             <a:endParaRPr lang="en-US" sz="4800" b="1" dirty="0">
               <a:ln w="0"/>
@@ -8458,10 +7907,42 @@
           </a:p>
         </p:txBody>
       </p:sp>
+      <p:pic>
+        <p:nvPicPr>
+          <p:cNvPr id="4" name="Content Placeholder 3"/>
+          <p:cNvPicPr>
+            <a:picLocks noGrp="1"/>
+          </p:cNvPicPr>
+          <p:nvPr>
+            <p:ph idx="1"/>
+          </p:nvPr>
+        </p:nvPicPr>
+        <p:blipFill>
+          <a:blip r:embed="rId2">
+            <a:extLst>
+              <a:ext uri="{28A0092B-C50C-407E-A947-70E740481C1C}">
+                <a14:useLocalDpi xmlns:a14="http://schemas.microsoft.com/office/drawing/2010/main" val="0"/>
+              </a:ext>
+            </a:extLst>
+          </a:blip>
+          <a:stretch>
+            <a:fillRect/>
+          </a:stretch>
+        </p:blipFill>
+        <p:spPr>
+          <a:xfrm>
+            <a:off x="2666999" y="102077"/>
+            <a:ext cx="6074045" cy="6755923"/>
+          </a:xfrm>
+          <a:prstGeom prst="rect">
+            <a:avLst/>
+          </a:prstGeom>
+        </p:spPr>
+      </p:pic>
     </p:spTree>
     <p:extLst>
       <p:ext uri="{BB962C8B-B14F-4D97-AF65-F5344CB8AC3E}">
-        <p14:creationId xmlns:p14="http://schemas.microsoft.com/office/powerpoint/2010/main" val="3399359178"/>
+        <p14:creationId xmlns:p14="http://schemas.microsoft.com/office/powerpoint/2010/main" val="918334111"/>
       </p:ext>
     </p:extLst>
   </p:cSld>
@@ -8471,7 +7952,129 @@
   <p:timing>
     <p:tnLst>
       <p:par>
-        <p:cTn id="1" dur="indefinite" restart="never" nodeType="tmRoot"/>
+        <p:cTn id="1" dur="indefinite" restart="never" nodeType="tmRoot">
+          <p:childTnLst>
+            <p:seq concurrent="1" nextAc="seek">
+              <p:cTn id="2" dur="indefinite" nodeType="mainSeq">
+                <p:childTnLst>
+                  <p:par>
+                    <p:cTn id="3" fill="hold">
+                      <p:stCondLst>
+                        <p:cond delay="indefinite"/>
+                      </p:stCondLst>
+                      <p:childTnLst>
+                        <p:par>
+                          <p:cTn id="4" fill="hold">
+                            <p:stCondLst>
+                              <p:cond delay="0"/>
+                            </p:stCondLst>
+                            <p:childTnLst>
+                              <p:par>
+                                <p:cTn id="5" presetID="42" presetClass="entr" presetSubtype="0" fill="hold" nodeType="clickEffect">
+                                  <p:stCondLst>
+                                    <p:cond delay="0"/>
+                                  </p:stCondLst>
+                                  <p:childTnLst>
+                                    <p:set>
+                                      <p:cBhvr>
+                                        <p:cTn id="6" dur="1" fill="hold">
+                                          <p:stCondLst>
+                                            <p:cond delay="0"/>
+                                          </p:stCondLst>
+                                        </p:cTn>
+                                        <p:tgtEl>
+                                          <p:spTgt spid="4"/>
+                                        </p:tgtEl>
+                                        <p:attrNameLst>
+                                          <p:attrName>style.visibility</p:attrName>
+                                        </p:attrNameLst>
+                                      </p:cBhvr>
+                                      <p:to>
+                                        <p:strVal val="visible"/>
+                                      </p:to>
+                                    </p:set>
+                                    <p:animEffect transition="in" filter="fade">
+                                      <p:cBhvr>
+                                        <p:cTn id="7" dur="1000"/>
+                                        <p:tgtEl>
+                                          <p:spTgt spid="4"/>
+                                        </p:tgtEl>
+                                      </p:cBhvr>
+                                    </p:animEffect>
+                                    <p:anim calcmode="lin" valueType="num">
+                                      <p:cBhvr>
+                                        <p:cTn id="8" dur="1000" fill="hold"/>
+                                        <p:tgtEl>
+                                          <p:spTgt spid="4"/>
+                                        </p:tgtEl>
+                                        <p:attrNameLst>
+                                          <p:attrName>ppt_x</p:attrName>
+                                        </p:attrNameLst>
+                                      </p:cBhvr>
+                                      <p:tavLst>
+                                        <p:tav tm="0">
+                                          <p:val>
+                                            <p:strVal val="#ppt_x"/>
+                                          </p:val>
+                                        </p:tav>
+                                        <p:tav tm="100000">
+                                          <p:val>
+                                            <p:strVal val="#ppt_x"/>
+                                          </p:val>
+                                        </p:tav>
+                                      </p:tavLst>
+                                    </p:anim>
+                                    <p:anim calcmode="lin" valueType="num">
+                                      <p:cBhvr>
+                                        <p:cTn id="9" dur="1000" fill="hold"/>
+                                        <p:tgtEl>
+                                          <p:spTgt spid="4"/>
+                                        </p:tgtEl>
+                                        <p:attrNameLst>
+                                          <p:attrName>ppt_y</p:attrName>
+                                        </p:attrNameLst>
+                                      </p:cBhvr>
+                                      <p:tavLst>
+                                        <p:tav tm="0">
+                                          <p:val>
+                                            <p:strVal val="#ppt_y+.1"/>
+                                          </p:val>
+                                        </p:tav>
+                                        <p:tav tm="100000">
+                                          <p:val>
+                                            <p:strVal val="#ppt_y"/>
+                                          </p:val>
+                                        </p:tav>
+                                      </p:tavLst>
+                                    </p:anim>
+                                  </p:childTnLst>
+                                </p:cTn>
+                              </p:par>
+                            </p:childTnLst>
+                          </p:cTn>
+                        </p:par>
+                      </p:childTnLst>
+                    </p:cTn>
+                  </p:par>
+                </p:childTnLst>
+              </p:cTn>
+              <p:prevCondLst>
+                <p:cond evt="onPrev" delay="0">
+                  <p:tgtEl>
+                    <p:sldTgt/>
+                  </p:tgtEl>
+                </p:cond>
+              </p:prevCondLst>
+              <p:nextCondLst>
+                <p:cond evt="onNext" delay="0">
+                  <p:tgtEl>
+                    <p:sldTgt/>
+                  </p:tgtEl>
+                </p:cond>
+              </p:nextCondLst>
+            </p:seq>
+          </p:childTnLst>
+        </p:cTn>
       </p:par>
     </p:tnLst>
   </p:timing>
@@ -8518,7 +8121,7 @@
           <a:lstStyle/>
           <a:p>
             <a:r>
-              <a:rPr lang="en-US" sz="4800" b="1" smtClean="0">
+              <a:rPr lang="en-US" sz="4800" b="1" dirty="0">
                 <a:ln w="0"/>
                 <a:solidFill>
                   <a:schemeClr val="accent1"/>
@@ -8527,7 +8130,43 @@
                   <a:reflection blurRad="6350" stA="53000" endA="300" endPos="35500" dir="5400000" sy="-90000" algn="bl" rotWithShape="0"/>
                 </a:effectLst>
               </a:rPr>
-              <a:t>Activitive Diagram của đặt vé</a:t>
+              <a:t>Activitive </a:t>
+            </a:r>
+            <a:r>
+              <a:rPr lang="en-US" sz="4800" b="1" dirty="0" smtClean="0">
+                <a:ln w="0"/>
+                <a:solidFill>
+                  <a:schemeClr val="accent1"/>
+                </a:solidFill>
+                <a:effectLst>
+                  <a:reflection blurRad="6350" stA="53000" endA="300" endPos="35500" dir="5400000" sy="-90000" algn="bl" rotWithShape="0"/>
+                </a:effectLst>
+              </a:rPr>
+              <a:t>diagram </a:t>
+            </a:r>
+            <a:r>
+              <a:rPr lang="en-US" sz="4800" b="1" dirty="0">
+                <a:ln w="0"/>
+                <a:solidFill>
+                  <a:schemeClr val="accent1"/>
+                </a:solidFill>
+                <a:effectLst>
+                  <a:reflection blurRad="6350" stA="53000" endA="300" endPos="35500" dir="5400000" sy="-90000" algn="bl" rotWithShape="0"/>
+                </a:effectLst>
+              </a:rPr>
+              <a:t>t</a:t>
+            </a:r>
+            <a:r>
+              <a:rPr lang="en-US" sz="4800" b="1" dirty="0" smtClean="0">
+                <a:ln w="0"/>
+                <a:solidFill>
+                  <a:schemeClr val="accent1"/>
+                </a:solidFill>
+                <a:effectLst>
+                  <a:reflection blurRad="6350" stA="53000" endA="300" endPos="35500" dir="5400000" sy="-90000" algn="bl" rotWithShape="0"/>
+                </a:effectLst>
+              </a:rPr>
+              <a:t>hanh toán</a:t>
             </a:r>
             <a:endParaRPr lang="en-US" sz="4800" b="1" dirty="0">
               <a:ln w="0"/>
@@ -8565,8 +8204,8 @@
         </p:blipFill>
         <p:spPr>
           <a:xfrm>
-            <a:off x="2667000" y="102078"/>
-            <a:ext cx="5989320" cy="6420642"/>
+            <a:off x="2484119" y="102078"/>
+            <a:ext cx="6024450" cy="6887658"/>
           </a:xfrm>
           <a:prstGeom prst="rect">
             <a:avLst/>
@@ -8576,7 +8215,7 @@
     </p:spTree>
     <p:extLst>
       <p:ext uri="{BB962C8B-B14F-4D97-AF65-F5344CB8AC3E}">
-        <p14:creationId xmlns:p14="http://schemas.microsoft.com/office/powerpoint/2010/main" val="918334111"/>
+        <p14:creationId xmlns:p14="http://schemas.microsoft.com/office/powerpoint/2010/main" val="655925449"/>
       </p:ext>
     </p:extLst>
   </p:cSld>
@@ -8586,7 +8225,129 @@
   <p:timing>
     <p:tnLst>
       <p:par>
-        <p:cTn id="1" dur="indefinite" restart="never" nodeType="tmRoot"/>
+        <p:cTn id="1" dur="indefinite" restart="never" nodeType="tmRoot">
+          <p:childTnLst>
+            <p:seq concurrent="1" nextAc="seek">
+              <p:cTn id="2" dur="indefinite" nodeType="mainSeq">
+                <p:childTnLst>
+                  <p:par>
+                    <p:cTn id="3" fill="hold">
+                      <p:stCondLst>
+                        <p:cond delay="indefinite"/>
+                      </p:stCondLst>
+                      <p:childTnLst>
+                        <p:par>
+                          <p:cTn id="4" fill="hold">
+                            <p:stCondLst>
+                              <p:cond delay="0"/>
+                            </p:stCondLst>
+                            <p:childTnLst>
+                              <p:par>
+                                <p:cTn id="5" presetID="42" presetClass="entr" presetSubtype="0" fill="hold" nodeType="clickEffect">
+                                  <p:stCondLst>
+                                    <p:cond delay="0"/>
+                                  </p:stCondLst>
+                                  <p:childTnLst>
+                                    <p:set>
+                                      <p:cBhvr>
+                                        <p:cTn id="6" dur="1" fill="hold">
+                                          <p:stCondLst>
+                                            <p:cond delay="0"/>
+                                          </p:stCondLst>
+                                        </p:cTn>
+                                        <p:tgtEl>
+                                          <p:spTgt spid="4"/>
+                                        </p:tgtEl>
+                                        <p:attrNameLst>
+                                          <p:attrName>style.visibility</p:attrName>
+                                        </p:attrNameLst>
+                                      </p:cBhvr>
+                                      <p:to>
+                                        <p:strVal val="visible"/>
+                                      </p:to>
+                                    </p:set>
+                                    <p:animEffect transition="in" filter="fade">
+                                      <p:cBhvr>
+                                        <p:cTn id="7" dur="1000"/>
+                                        <p:tgtEl>
+                                          <p:spTgt spid="4"/>
+                                        </p:tgtEl>
+                                      </p:cBhvr>
+                                    </p:animEffect>
+                                    <p:anim calcmode="lin" valueType="num">
+                                      <p:cBhvr>
+                                        <p:cTn id="8" dur="1000" fill="hold"/>
+                                        <p:tgtEl>
+                                          <p:spTgt spid="4"/>
+                                        </p:tgtEl>
+                                        <p:attrNameLst>
+                                          <p:attrName>ppt_x</p:attrName>
+                                        </p:attrNameLst>
+                                      </p:cBhvr>
+                                      <p:tavLst>
+                                        <p:tav tm="0">
+                                          <p:val>
+                                            <p:strVal val="#ppt_x"/>
+                                          </p:val>
+                                        </p:tav>
+                                        <p:tav tm="100000">
+                                          <p:val>
+                                            <p:strVal val="#ppt_x"/>
+                                          </p:val>
+                                        </p:tav>
+                                      </p:tavLst>
+                                    </p:anim>
+                                    <p:anim calcmode="lin" valueType="num">
+                                      <p:cBhvr>
+                                        <p:cTn id="9" dur="1000" fill="hold"/>
+                                        <p:tgtEl>
+                                          <p:spTgt spid="4"/>
+                                        </p:tgtEl>
+                                        <p:attrNameLst>
+                                          <p:attrName>ppt_y</p:attrName>
+                                        </p:attrNameLst>
+                                      </p:cBhvr>
+                                      <p:tavLst>
+                                        <p:tav tm="0">
+                                          <p:val>
+                                            <p:strVal val="#ppt_y+.1"/>
+                                          </p:val>
+                                        </p:tav>
+                                        <p:tav tm="100000">
+                                          <p:val>
+                                            <p:strVal val="#ppt_y"/>
+                                          </p:val>
+                                        </p:tav>
+                                      </p:tavLst>
+                                    </p:anim>
+                                  </p:childTnLst>
+                                </p:cTn>
+                              </p:par>
+                            </p:childTnLst>
+                          </p:cTn>
+                        </p:par>
+                      </p:childTnLst>
+                    </p:cTn>
+                  </p:par>
+                </p:childTnLst>
+              </p:cTn>
+              <p:prevCondLst>
+                <p:cond evt="onPrev" delay="0">
+                  <p:tgtEl>
+                    <p:sldTgt/>
+                  </p:tgtEl>
+                </p:cond>
+              </p:prevCondLst>
+              <p:nextCondLst>
+                <p:cond evt="onNext" delay="0">
+                  <p:tgtEl>
+                    <p:sldTgt/>
+                  </p:tgtEl>
+                </p:cond>
+              </p:nextCondLst>
+            </p:seq>
+          </p:childTnLst>
+        </p:cTn>
       </p:par>
     </p:tnLst>
   </p:timing>
@@ -8633,170 +8394,7 @@
           <a:lstStyle/>
           <a:p>
             <a:r>
-              <a:rPr lang="en-US" sz="4800" b="1">
-                <a:ln w="0"/>
-                <a:solidFill>
-                  <a:schemeClr val="accent1"/>
-                </a:solidFill>
-                <a:effectLst>
-                  <a:reflection blurRad="6350" stA="53000" endA="300" endPos="35500" dir="5400000" sy="-90000" algn="bl" rotWithShape="0"/>
-                </a:effectLst>
-              </a:rPr>
-              <a:t>Activitive </a:t>
-            </a:r>
-            <a:r>
-              <a:rPr lang="en-US" sz="4800" b="1" smtClean="0">
-                <a:ln w="0"/>
-                <a:solidFill>
-                  <a:schemeClr val="accent1"/>
-                </a:solidFill>
-                <a:effectLst>
-                  <a:reflection blurRad="6350" stA="53000" endA="300" endPos="35500" dir="5400000" sy="-90000" algn="bl" rotWithShape="0"/>
-                </a:effectLst>
-              </a:rPr>
-              <a:t>d</a:t>
-            </a:r>
-            <a:r>
-              <a:rPr lang="en-US" sz="4800" b="1" smtClean="0">
-                <a:ln w="0"/>
-                <a:solidFill>
-                  <a:schemeClr val="accent1"/>
-                </a:solidFill>
-                <a:effectLst>
-                  <a:reflection blurRad="6350" stA="53000" endA="300" endPos="35500" dir="5400000" sy="-90000" algn="bl" rotWithShape="0"/>
-                </a:effectLst>
-              </a:rPr>
-              <a:t>iagram </a:t>
-            </a:r>
-            <a:r>
-              <a:rPr lang="en-US" sz="4800" b="1">
-                <a:ln w="0"/>
-                <a:solidFill>
-                  <a:schemeClr val="accent1"/>
-                </a:solidFill>
-                <a:effectLst>
-                  <a:reflection blurRad="6350" stA="53000" endA="300" endPos="35500" dir="5400000" sy="-90000" algn="bl" rotWithShape="0"/>
-                </a:effectLst>
-              </a:rPr>
-              <a:t>t</a:t>
-            </a:r>
-            <a:r>
-              <a:rPr lang="en-US" sz="4800" b="1" smtClean="0">
-                <a:ln w="0"/>
-                <a:solidFill>
-                  <a:schemeClr val="accent1"/>
-                </a:solidFill>
-                <a:effectLst>
-                  <a:reflection blurRad="6350" stA="53000" endA="300" endPos="35500" dir="5400000" sy="-90000" algn="bl" rotWithShape="0"/>
-                </a:effectLst>
-              </a:rPr>
-              <a:t>hanh toán</a:t>
-            </a:r>
-            <a:endParaRPr lang="en-US" sz="4800" b="1" dirty="0">
-              <a:ln w="0"/>
-              <a:solidFill>
-                <a:schemeClr val="accent1"/>
-              </a:solidFill>
-              <a:effectLst>
-                <a:reflection blurRad="6350" stA="53000" endA="300" endPos="35500" dir="5400000" sy="-90000" algn="bl" rotWithShape="0"/>
-              </a:effectLst>
-            </a:endParaRPr>
-          </a:p>
-        </p:txBody>
-      </p:sp>
-      <p:pic>
-        <p:nvPicPr>
-          <p:cNvPr id="4" name="Content Placeholder 3"/>
-          <p:cNvPicPr>
-            <a:picLocks noGrp="1"/>
-          </p:cNvPicPr>
-          <p:nvPr>
-            <p:ph idx="1"/>
-          </p:nvPr>
-        </p:nvPicPr>
-        <p:blipFill>
-          <a:blip r:embed="rId2">
-            <a:extLst>
-              <a:ext uri="{28A0092B-C50C-407E-A947-70E740481C1C}">
-                <a14:useLocalDpi xmlns:a14="http://schemas.microsoft.com/office/drawing/2010/main" val="0"/>
-              </a:ext>
-            </a:extLst>
-          </a:blip>
-          <a:stretch>
-            <a:fillRect/>
-          </a:stretch>
-        </p:blipFill>
-        <p:spPr>
-          <a:xfrm>
-            <a:off x="2484119" y="102078"/>
-            <a:ext cx="5913121" cy="6481602"/>
-          </a:xfrm>
-          <a:prstGeom prst="rect">
-            <a:avLst/>
-          </a:prstGeom>
-        </p:spPr>
-      </p:pic>
-    </p:spTree>
-    <p:extLst>
-      <p:ext uri="{BB962C8B-B14F-4D97-AF65-F5344CB8AC3E}">
-        <p14:creationId xmlns:p14="http://schemas.microsoft.com/office/powerpoint/2010/main" val="655925449"/>
-      </p:ext>
-    </p:extLst>
-  </p:cSld>
-  <p:clrMapOvr>
-    <a:masterClrMapping/>
-  </p:clrMapOvr>
-  <p:timing>
-    <p:tnLst>
-      <p:par>
-        <p:cTn id="1" dur="indefinite" restart="never" nodeType="tmRoot"/>
-      </p:par>
-    </p:tnLst>
-  </p:timing>
-</p:sld>
-</file>
-
-<file path=ppt/slides/slide13.xml><?xml version="1.0" encoding="utf-8"?>
-<p:sld xmlns:a="http://schemas.openxmlformats.org/drawingml/2006/main" xmlns:r="http://schemas.openxmlformats.org/officeDocument/2006/relationships" xmlns:p="http://schemas.openxmlformats.org/presentationml/2006/main">
-  <p:cSld>
-    <p:spTree>
-      <p:nvGrpSpPr>
-        <p:cNvPr id="1" name=""/>
-        <p:cNvGrpSpPr/>
-        <p:nvPr/>
-      </p:nvGrpSpPr>
-      <p:grpSpPr>
-        <a:xfrm>
-          <a:off x="0" y="0"/>
-          <a:ext cx="0" cy="0"/>
-          <a:chOff x="0" y="0"/>
-          <a:chExt cx="0" cy="0"/>
-        </a:xfrm>
-      </p:grpSpPr>
-      <p:sp>
-        <p:nvSpPr>
-          <p:cNvPr id="5" name="Title 1"/>
-          <p:cNvSpPr>
-            <a:spLocks noGrp="1"/>
-          </p:cNvSpPr>
-          <p:nvPr>
-            <p:ph type="title"/>
-          </p:nvPr>
-        </p:nvSpPr>
-        <p:spPr>
-          <a:xfrm>
-            <a:off x="838200" y="102078"/>
-            <a:ext cx="10515600" cy="787270"/>
-          </a:xfrm>
-        </p:spPr>
-        <p:txBody>
-          <a:bodyPr>
-            <a:noAutofit/>
-          </a:bodyPr>
-          <a:lstStyle/>
-          <a:p>
-            <a:r>
-              <a:rPr lang="en-US" sz="4800" b="1" smtClean="0">
+              <a:rPr lang="en-US" sz="4800" b="1" dirty="0" smtClean="0">
                 <a:ln w="0"/>
                 <a:solidFill>
                   <a:schemeClr val="accent1"/>
@@ -8839,8 +8437,8 @@
         </p:blipFill>
         <p:spPr>
           <a:xfrm>
-            <a:off x="3352800" y="259081"/>
-            <a:ext cx="5273040" cy="6294120"/>
+            <a:off x="3611104" y="102078"/>
+            <a:ext cx="5300421" cy="6755922"/>
           </a:xfrm>
           <a:prstGeom prst="rect">
             <a:avLst/>
@@ -8860,627 +8458,136 @@
   <p:timing>
     <p:tnLst>
       <p:par>
-        <p:cTn id="1" dur="indefinite" restart="never" nodeType="tmRoot"/>
+        <p:cTn id="1" dur="indefinite" restart="never" nodeType="tmRoot">
+          <p:childTnLst>
+            <p:seq concurrent="1" nextAc="seek">
+              <p:cTn id="2" dur="indefinite" nodeType="mainSeq">
+                <p:childTnLst>
+                  <p:par>
+                    <p:cTn id="3" fill="hold">
+                      <p:stCondLst>
+                        <p:cond delay="indefinite"/>
+                      </p:stCondLst>
+                      <p:childTnLst>
+                        <p:par>
+                          <p:cTn id="4" fill="hold">
+                            <p:stCondLst>
+                              <p:cond delay="0"/>
+                            </p:stCondLst>
+                            <p:childTnLst>
+                              <p:par>
+                                <p:cTn id="5" presetID="42" presetClass="entr" presetSubtype="0" fill="hold" nodeType="clickEffect">
+                                  <p:stCondLst>
+                                    <p:cond delay="0"/>
+                                  </p:stCondLst>
+                                  <p:childTnLst>
+                                    <p:set>
+                                      <p:cBhvr>
+                                        <p:cTn id="6" dur="1" fill="hold">
+                                          <p:stCondLst>
+                                            <p:cond delay="0"/>
+                                          </p:stCondLst>
+                                        </p:cTn>
+                                        <p:tgtEl>
+                                          <p:spTgt spid="4"/>
+                                        </p:tgtEl>
+                                        <p:attrNameLst>
+                                          <p:attrName>style.visibility</p:attrName>
+                                        </p:attrNameLst>
+                                      </p:cBhvr>
+                                      <p:to>
+                                        <p:strVal val="visible"/>
+                                      </p:to>
+                                    </p:set>
+                                    <p:animEffect transition="in" filter="fade">
+                                      <p:cBhvr>
+                                        <p:cTn id="7" dur="1000"/>
+                                        <p:tgtEl>
+                                          <p:spTgt spid="4"/>
+                                        </p:tgtEl>
+                                      </p:cBhvr>
+                                    </p:animEffect>
+                                    <p:anim calcmode="lin" valueType="num">
+                                      <p:cBhvr>
+                                        <p:cTn id="8" dur="1000" fill="hold"/>
+                                        <p:tgtEl>
+                                          <p:spTgt spid="4"/>
+                                        </p:tgtEl>
+                                        <p:attrNameLst>
+                                          <p:attrName>ppt_x</p:attrName>
+                                        </p:attrNameLst>
+                                      </p:cBhvr>
+                                      <p:tavLst>
+                                        <p:tav tm="0">
+                                          <p:val>
+                                            <p:strVal val="#ppt_x"/>
+                                          </p:val>
+                                        </p:tav>
+                                        <p:tav tm="100000">
+                                          <p:val>
+                                            <p:strVal val="#ppt_x"/>
+                                          </p:val>
+                                        </p:tav>
+                                      </p:tavLst>
+                                    </p:anim>
+                                    <p:anim calcmode="lin" valueType="num">
+                                      <p:cBhvr>
+                                        <p:cTn id="9" dur="1000" fill="hold"/>
+                                        <p:tgtEl>
+                                          <p:spTgt spid="4"/>
+                                        </p:tgtEl>
+                                        <p:attrNameLst>
+                                          <p:attrName>ppt_y</p:attrName>
+                                        </p:attrNameLst>
+                                      </p:cBhvr>
+                                      <p:tavLst>
+                                        <p:tav tm="0">
+                                          <p:val>
+                                            <p:strVal val="#ppt_y+.1"/>
+                                          </p:val>
+                                        </p:tav>
+                                        <p:tav tm="100000">
+                                          <p:val>
+                                            <p:strVal val="#ppt_y"/>
+                                          </p:val>
+                                        </p:tav>
+                                      </p:tavLst>
+                                    </p:anim>
+                                  </p:childTnLst>
+                                </p:cTn>
+                              </p:par>
+                            </p:childTnLst>
+                          </p:cTn>
+                        </p:par>
+                      </p:childTnLst>
+                    </p:cTn>
+                  </p:par>
+                </p:childTnLst>
+              </p:cTn>
+              <p:prevCondLst>
+                <p:cond evt="onPrev" delay="0">
+                  <p:tgtEl>
+                    <p:sldTgt/>
+                  </p:tgtEl>
+                </p:cond>
+              </p:prevCondLst>
+              <p:nextCondLst>
+                <p:cond evt="onNext" delay="0">
+                  <p:tgtEl>
+                    <p:sldTgt/>
+                  </p:tgtEl>
+                </p:cond>
+              </p:nextCondLst>
+            </p:seq>
+          </p:childTnLst>
+        </p:cTn>
       </p:par>
     </p:tnLst>
   </p:timing>
 </p:sld>
 </file>
 
-<file path=ppt/slides/slide14.xml><?xml version="1.0" encoding="utf-8"?>
-<p:sld xmlns:a="http://schemas.openxmlformats.org/drawingml/2006/main" xmlns:r="http://schemas.openxmlformats.org/officeDocument/2006/relationships" xmlns:p="http://schemas.openxmlformats.org/presentationml/2006/main">
-  <p:cSld>
-    <p:spTree>
-      <p:nvGrpSpPr>
-        <p:cNvPr id="1" name=""/>
-        <p:cNvGrpSpPr/>
-        <p:nvPr/>
-      </p:nvGrpSpPr>
-      <p:grpSpPr>
-        <a:xfrm>
-          <a:off x="0" y="0"/>
-          <a:ext cx="0" cy="0"/>
-          <a:chOff x="0" y="0"/>
-          <a:chExt cx="0" cy="0"/>
-        </a:xfrm>
-      </p:grpSpPr>
-      <p:sp>
-        <p:nvSpPr>
-          <p:cNvPr id="5" name="Title 1"/>
-          <p:cNvSpPr>
-            <a:spLocks noGrp="1"/>
-          </p:cNvSpPr>
-          <p:nvPr>
-            <p:ph type="title"/>
-          </p:nvPr>
-        </p:nvSpPr>
-        <p:spPr>
-          <a:xfrm>
-            <a:off x="838200" y="102078"/>
-            <a:ext cx="10515600" cy="787270"/>
-          </a:xfrm>
-        </p:spPr>
-        <p:txBody>
-          <a:bodyPr>
-            <a:noAutofit/>
-          </a:bodyPr>
-          <a:lstStyle/>
-          <a:p>
-            <a:r>
-              <a:rPr lang="en-US" sz="4800" b="1" smtClean="0">
-                <a:ln w="0"/>
-                <a:solidFill>
-                  <a:schemeClr val="accent1"/>
-                </a:solidFill>
-                <a:effectLst>
-                  <a:reflection blurRad="6350" stA="53000" endA="300" endPos="35500" dir="5400000" sy="-90000" algn="bl" rotWithShape="0"/>
-                </a:effectLst>
-              </a:rPr>
-              <a:t>Responsive Navigation</a:t>
-            </a:r>
-            <a:endParaRPr lang="en-US" sz="4800" b="1" dirty="0">
-              <a:ln w="0"/>
-              <a:solidFill>
-                <a:schemeClr val="accent1"/>
-              </a:solidFill>
-              <a:effectLst>
-                <a:reflection blurRad="6350" stA="53000" endA="300" endPos="35500" dir="5400000" sy="-90000" algn="bl" rotWithShape="0"/>
-              </a:effectLst>
-            </a:endParaRPr>
-          </a:p>
-        </p:txBody>
-      </p:sp>
-      <p:pic>
-        <p:nvPicPr>
-          <p:cNvPr id="9" name="Picture 8"/>
-          <p:cNvPicPr>
-            <a:picLocks noChangeAspect="1"/>
-          </p:cNvPicPr>
-          <p:nvPr/>
-        </p:nvPicPr>
-        <p:blipFill>
-          <a:blip r:embed="rId2"/>
-          <a:stretch>
-            <a:fillRect/>
-          </a:stretch>
-        </p:blipFill>
-        <p:spPr>
-          <a:xfrm>
-            <a:off x="634325" y="889348"/>
-            <a:ext cx="11357650" cy="6385560"/>
-          </a:xfrm>
-          <a:prstGeom prst="rect">
-            <a:avLst/>
-          </a:prstGeom>
-        </p:spPr>
-      </p:pic>
-    </p:spTree>
-    <p:extLst>
-      <p:ext uri="{BB962C8B-B14F-4D97-AF65-F5344CB8AC3E}">
-        <p14:creationId xmlns:p14="http://schemas.microsoft.com/office/powerpoint/2010/main" val="1988534587"/>
-      </p:ext>
-    </p:extLst>
-  </p:cSld>
-  <p:clrMapOvr>
-    <a:masterClrMapping/>
-  </p:clrMapOvr>
-</p:sld>
-</file>
-
-<file path=ppt/slides/slide15.xml><?xml version="1.0" encoding="utf-8"?>
-<p:sld xmlns:a="http://schemas.openxmlformats.org/drawingml/2006/main" xmlns:r="http://schemas.openxmlformats.org/officeDocument/2006/relationships" xmlns:p="http://schemas.openxmlformats.org/presentationml/2006/main">
-  <p:cSld>
-    <p:spTree>
-      <p:nvGrpSpPr>
-        <p:cNvPr id="1" name=""/>
-        <p:cNvGrpSpPr/>
-        <p:nvPr/>
-      </p:nvGrpSpPr>
-      <p:grpSpPr>
-        <a:xfrm>
-          <a:off x="0" y="0"/>
-          <a:ext cx="0" cy="0"/>
-          <a:chOff x="0" y="0"/>
-          <a:chExt cx="0" cy="0"/>
-        </a:xfrm>
-      </p:grpSpPr>
-      <p:sp>
-        <p:nvSpPr>
-          <p:cNvPr id="5" name="Title 1"/>
-          <p:cNvSpPr>
-            <a:spLocks noGrp="1"/>
-          </p:cNvSpPr>
-          <p:nvPr>
-            <p:ph type="title"/>
-          </p:nvPr>
-        </p:nvSpPr>
-        <p:spPr>
-          <a:xfrm>
-            <a:off x="838200" y="102078"/>
-            <a:ext cx="10515600" cy="787270"/>
-          </a:xfrm>
-        </p:spPr>
-        <p:txBody>
-          <a:bodyPr>
-            <a:noAutofit/>
-          </a:bodyPr>
-          <a:lstStyle/>
-          <a:p>
-            <a:r>
-              <a:rPr lang="en-US" sz="4800" b="1" smtClean="0">
-                <a:ln w="0"/>
-                <a:solidFill>
-                  <a:schemeClr val="accent1"/>
-                </a:solidFill>
-                <a:effectLst>
-                  <a:reflection blurRad="6350" stA="53000" endA="300" endPos="35500" dir="5400000" sy="-90000" algn="bl" rotWithShape="0"/>
-                </a:effectLst>
-              </a:rPr>
-              <a:t>Responsive Navigation</a:t>
-            </a:r>
-            <a:endParaRPr lang="en-US" sz="4800" b="1" dirty="0">
-              <a:ln w="0"/>
-              <a:solidFill>
-                <a:schemeClr val="accent1"/>
-              </a:solidFill>
-              <a:effectLst>
-                <a:reflection blurRad="6350" stA="53000" endA="300" endPos="35500" dir="5400000" sy="-90000" algn="bl" rotWithShape="0"/>
-              </a:effectLst>
-            </a:endParaRPr>
-          </a:p>
-        </p:txBody>
-      </p:sp>
-      <p:pic>
-        <p:nvPicPr>
-          <p:cNvPr id="2" name="Picture 1"/>
-          <p:cNvPicPr>
-            <a:picLocks noChangeAspect="1"/>
-          </p:cNvPicPr>
-          <p:nvPr/>
-        </p:nvPicPr>
-        <p:blipFill>
-          <a:blip r:embed="rId3">
-            <a:extLst>
-              <a:ext uri="{28A0092B-C50C-407E-A947-70E740481C1C}">
-                <a14:useLocalDpi xmlns:a14="http://schemas.microsoft.com/office/drawing/2010/main" val="0"/>
-              </a:ext>
-            </a:extLst>
-          </a:blip>
-          <a:stretch>
-            <a:fillRect/>
-          </a:stretch>
-        </p:blipFill>
-        <p:spPr>
-          <a:xfrm>
-            <a:off x="1051560" y="924236"/>
-            <a:ext cx="4096322" cy="5630061"/>
-          </a:xfrm>
-          <a:prstGeom prst="rect">
-            <a:avLst/>
-          </a:prstGeom>
-        </p:spPr>
-      </p:pic>
-      <p:pic>
-        <p:nvPicPr>
-          <p:cNvPr id="3" name="Picture 2"/>
-          <p:cNvPicPr>
-            <a:picLocks noChangeAspect="1"/>
-          </p:cNvPicPr>
-          <p:nvPr/>
-        </p:nvPicPr>
-        <p:blipFill>
-          <a:blip r:embed="rId4">
-            <a:extLst>
-              <a:ext uri="{28A0092B-C50C-407E-A947-70E740481C1C}">
-                <a14:useLocalDpi xmlns:a14="http://schemas.microsoft.com/office/drawing/2010/main" val="0"/>
-              </a:ext>
-            </a:extLst>
-          </a:blip>
-          <a:stretch>
-            <a:fillRect/>
-          </a:stretch>
-        </p:blipFill>
-        <p:spPr>
-          <a:xfrm>
-            <a:off x="6367633" y="952815"/>
-            <a:ext cx="4115374" cy="5601482"/>
-          </a:xfrm>
-          <a:prstGeom prst="rect">
-            <a:avLst/>
-          </a:prstGeom>
-        </p:spPr>
-      </p:pic>
-    </p:spTree>
-    <p:extLst>
-      <p:ext uri="{BB962C8B-B14F-4D97-AF65-F5344CB8AC3E}">
-        <p14:creationId xmlns:p14="http://schemas.microsoft.com/office/powerpoint/2010/main" val="2664075645"/>
-      </p:ext>
-    </p:extLst>
-  </p:cSld>
-  <p:clrMapOvr>
-    <a:masterClrMapping/>
-  </p:clrMapOvr>
-</p:sld>
-</file>
-
-<file path=ppt/slides/slide16.xml><?xml version="1.0" encoding="utf-8"?>
-<p:sld xmlns:a="http://schemas.openxmlformats.org/drawingml/2006/main" xmlns:r="http://schemas.openxmlformats.org/officeDocument/2006/relationships" xmlns:p="http://schemas.openxmlformats.org/presentationml/2006/main">
-  <p:cSld>
-    <p:spTree>
-      <p:nvGrpSpPr>
-        <p:cNvPr id="1" name=""/>
-        <p:cNvGrpSpPr/>
-        <p:nvPr/>
-      </p:nvGrpSpPr>
-      <p:grpSpPr>
-        <a:xfrm>
-          <a:off x="0" y="0"/>
-          <a:ext cx="0" cy="0"/>
-          <a:chOff x="0" y="0"/>
-          <a:chExt cx="0" cy="0"/>
-        </a:xfrm>
-      </p:grpSpPr>
-      <p:graphicFrame>
-        <p:nvGraphicFramePr>
-          <p:cNvPr id="7" name="Content Placeholder 6"/>
-          <p:cNvGraphicFramePr>
-            <a:graphicFrameLocks noGrp="1"/>
-          </p:cNvGraphicFramePr>
-          <p:nvPr>
-            <p:ph idx="1"/>
-            <p:extLst>
-              <p:ext uri="{D42A27DB-BD31-4B8C-83A1-F6EECF244321}">
-                <p14:modId xmlns:p14="http://schemas.microsoft.com/office/powerpoint/2010/main" val="3387940129"/>
-              </p:ext>
-            </p:extLst>
-          </p:nvPr>
-        </p:nvGraphicFramePr>
-        <p:xfrm>
-          <a:off x="838200" y="1649095"/>
-          <a:ext cx="10515600" cy="5498465"/>
-        </p:xfrm>
-        <a:graphic>
-          <a:graphicData uri="http://schemas.openxmlformats.org/drawingml/2006/table">
-            <a:tbl>
-              <a:tblPr firstRow="1" bandRow="1">
-                <a:tableStyleId>{5C22544A-7EE6-4342-B048-85BDC9FD1C3A}</a:tableStyleId>
-              </a:tblPr>
-              <a:tblGrid>
-                <a:gridCol w="5257800"/>
-                <a:gridCol w="5257800"/>
-              </a:tblGrid>
-              <a:tr h="713105">
-                <a:tc>
-                  <a:txBody>
-                    <a:bodyPr/>
-                    <a:lstStyle/>
-                    <a:p>
-                      <a:r>
-                        <a:rPr lang="en-US" sz="2800" smtClean="0"/>
-                        <a:t>RWD</a:t>
-                      </a:r>
-                      <a:endParaRPr lang="en-US" sz="2800"/>
-                    </a:p>
-                  </a:txBody>
-                  <a:tcPr/>
-                </a:tc>
-                <a:tc>
-                  <a:txBody>
-                    <a:bodyPr/>
-                    <a:lstStyle/>
-                    <a:p>
-                      <a:r>
-                        <a:rPr lang="en-US" sz="2800" smtClean="0"/>
-                        <a:t>Phiên</a:t>
-                      </a:r>
-                      <a:r>
-                        <a:rPr lang="en-US" sz="2800" baseline="0" smtClean="0"/>
-                        <a:t> bản moble</a:t>
-                      </a:r>
-                      <a:endParaRPr lang="en-US" sz="2800"/>
-                    </a:p>
-                  </a:txBody>
-                  <a:tcPr/>
-                </a:tc>
-              </a:tr>
-              <a:tr h="4361815">
-                <a:tc>
-                  <a:txBody>
-                    <a:bodyPr/>
-                    <a:lstStyle/>
-                    <a:p>
-                      <a:r>
-                        <a:rPr lang="en-US" sz="2800" baseline="0" smtClean="0"/>
-                        <a:t>Nhược điểm:</a:t>
-                      </a:r>
-                    </a:p>
-                    <a:p>
-                      <a:pPr marL="457200" marR="0" lvl="0" indent="-457200" algn="l" defTabSz="914400" rtl="0" eaLnBrk="1" fontAlgn="auto" latinLnBrk="0" hangingPunct="1">
-                        <a:lnSpc>
-                          <a:spcPct val="100000"/>
-                        </a:lnSpc>
-                        <a:spcBef>
-                          <a:spcPts val="0"/>
-                        </a:spcBef>
-                        <a:spcAft>
-                          <a:spcPts val="0"/>
-                        </a:spcAft>
-                        <a:buClrTx/>
-                        <a:buSzTx/>
-                        <a:buFont typeface="Wingdings" panose="05000000000000000000" pitchFamily="2" charset="2"/>
-                        <a:buChar char="§"/>
-                        <a:tabLst/>
-                        <a:defRPr/>
-                      </a:pPr>
-                      <a:r>
-                        <a:rPr lang="en-US" sz="2800" kern="1200" smtClean="0">
-                          <a:solidFill>
-                            <a:schemeClr val="dk1"/>
-                          </a:solidFill>
-                          <a:effectLst/>
-                          <a:latin typeface="+mn-lt"/>
-                          <a:ea typeface="+mn-ea"/>
-                          <a:cs typeface="+mn-cs"/>
-                        </a:rPr>
-                        <a:t>Trên các thiết bị di động, các thành phần, thư viện, hình ảnh không được hiển thị vẫn tải về nên tốn dung lượng và thời gian tải về.</a:t>
-                      </a:r>
-                    </a:p>
-                    <a:p>
-                      <a:r>
-                        <a:rPr lang="en-US" sz="2800" baseline="0" smtClean="0"/>
-                        <a:t>Ưu điểm:</a:t>
-                      </a:r>
-                    </a:p>
-                    <a:p>
-                      <a:pPr marL="457200" marR="0" lvl="0" indent="-457200" algn="l" defTabSz="914400" rtl="0" eaLnBrk="1" fontAlgn="auto" latinLnBrk="0" hangingPunct="1">
-                        <a:lnSpc>
-                          <a:spcPct val="100000"/>
-                        </a:lnSpc>
-                        <a:spcBef>
-                          <a:spcPts val="0"/>
-                        </a:spcBef>
-                        <a:spcAft>
-                          <a:spcPts val="0"/>
-                        </a:spcAft>
-                        <a:buClrTx/>
-                        <a:buSzTx/>
-                        <a:buFont typeface="Wingdings" panose="05000000000000000000" pitchFamily="2" charset="2"/>
-                        <a:buChar char="§"/>
-                        <a:tabLst/>
-                        <a:defRPr/>
-                      </a:pPr>
-                      <a:r>
-                        <a:rPr lang="en-US" sz="2800" kern="1200" smtClean="0">
-                          <a:solidFill>
-                            <a:schemeClr val="dk1"/>
-                          </a:solidFill>
-                          <a:effectLst/>
-                          <a:latin typeface="+mn-lt"/>
-                          <a:ea typeface="+mn-ea"/>
-                          <a:cs typeface="+mn-cs"/>
-                        </a:rPr>
-                        <a:t>Thiết kế 1 lần dùng cho tất cả các thiết bị.</a:t>
-                      </a:r>
-                    </a:p>
-                    <a:p>
-                      <a:endParaRPr lang="en-US" sz="2800" baseline="0" smtClean="0"/>
-                    </a:p>
-                  </a:txBody>
-                  <a:tcPr/>
-                </a:tc>
-                <a:tc>
-                  <a:txBody>
-                    <a:bodyPr/>
-                    <a:lstStyle/>
-                    <a:p>
-                      <a:r>
-                        <a:rPr lang="en-US" sz="2800" smtClean="0"/>
-                        <a:t>Nhược</a:t>
-                      </a:r>
-                      <a:r>
-                        <a:rPr lang="en-US" sz="2800" baseline="0" smtClean="0"/>
-                        <a:t> điểm:</a:t>
-                      </a:r>
-                    </a:p>
-                    <a:p>
-                      <a:pPr marL="457200" marR="0" indent="-457200" algn="l" defTabSz="914400" rtl="0" eaLnBrk="1" fontAlgn="auto" latinLnBrk="0" hangingPunct="1">
-                        <a:lnSpc>
-                          <a:spcPct val="100000"/>
-                        </a:lnSpc>
-                        <a:spcBef>
-                          <a:spcPts val="0"/>
-                        </a:spcBef>
-                        <a:spcAft>
-                          <a:spcPts val="0"/>
-                        </a:spcAft>
-                        <a:buClrTx/>
-                        <a:buSzTx/>
-                        <a:buFont typeface="Arial" panose="020B0604020202020204" pitchFamily="34" charset="0"/>
-                        <a:buChar char="•"/>
-                        <a:tabLst/>
-                        <a:defRPr/>
-                      </a:pPr>
-                      <a:r>
-                        <a:rPr lang="en-US" sz="2800" kern="1200" smtClean="0">
-                          <a:solidFill>
-                            <a:schemeClr val="dk1"/>
-                          </a:solidFill>
-                          <a:effectLst/>
-                          <a:latin typeface="+mn-lt"/>
-                          <a:ea typeface="+mn-ea"/>
-                          <a:cs typeface="+mn-cs"/>
-                        </a:rPr>
-                        <a:t>Tốn thời gian và công sức để thiết kế.</a:t>
-                      </a:r>
-                    </a:p>
-                    <a:p>
-                      <a:pPr marL="0" marR="0" indent="0" algn="l" defTabSz="914400" rtl="0" eaLnBrk="1" fontAlgn="auto" latinLnBrk="0" hangingPunct="1">
-                        <a:lnSpc>
-                          <a:spcPct val="100000"/>
-                        </a:lnSpc>
-                        <a:spcBef>
-                          <a:spcPts val="0"/>
-                        </a:spcBef>
-                        <a:spcAft>
-                          <a:spcPts val="0"/>
-                        </a:spcAft>
-                        <a:buClrTx/>
-                        <a:buSzTx/>
-                        <a:buFontTx/>
-                        <a:buNone/>
-                        <a:tabLst/>
-                        <a:defRPr/>
-                      </a:pPr>
-                      <a:endParaRPr lang="en-US" sz="2800" kern="1200" smtClean="0">
-                        <a:solidFill>
-                          <a:schemeClr val="dk1"/>
-                        </a:solidFill>
-                        <a:effectLst/>
-                        <a:latin typeface="+mn-lt"/>
-                        <a:ea typeface="+mn-ea"/>
-                        <a:cs typeface="+mn-cs"/>
-                      </a:endParaRPr>
-                    </a:p>
-                    <a:p>
-                      <a:pPr marL="0" marR="0" indent="0" algn="l" defTabSz="914400" rtl="0" eaLnBrk="1" fontAlgn="auto" latinLnBrk="0" hangingPunct="1">
-                        <a:lnSpc>
-                          <a:spcPct val="100000"/>
-                        </a:lnSpc>
-                        <a:spcBef>
-                          <a:spcPts val="0"/>
-                        </a:spcBef>
-                        <a:spcAft>
-                          <a:spcPts val="0"/>
-                        </a:spcAft>
-                        <a:buClrTx/>
-                        <a:buSzTx/>
-                        <a:buFontTx/>
-                        <a:buNone/>
-                        <a:tabLst/>
-                        <a:defRPr/>
-                      </a:pPr>
-                      <a:endParaRPr lang="en-US" sz="2800" kern="1200" smtClean="0">
-                        <a:solidFill>
-                          <a:schemeClr val="dk1"/>
-                        </a:solidFill>
-                        <a:effectLst/>
-                        <a:latin typeface="+mn-lt"/>
-                        <a:ea typeface="+mn-ea"/>
-                        <a:cs typeface="+mn-cs"/>
-                      </a:endParaRPr>
-                    </a:p>
-                    <a:p>
-                      <a:r>
-                        <a:rPr lang="en-US" sz="2800" smtClean="0"/>
-                        <a:t>Ưu</a:t>
-                      </a:r>
-                      <a:r>
-                        <a:rPr lang="en-US" sz="2800" baseline="0" smtClean="0"/>
-                        <a:t> điểm:</a:t>
-                      </a:r>
-                    </a:p>
-                    <a:p>
-                      <a:pPr marL="457200" marR="0" lvl="0" indent="-457200" algn="l" defTabSz="914400" rtl="0" eaLnBrk="1" fontAlgn="auto" latinLnBrk="0" hangingPunct="1">
-                        <a:lnSpc>
-                          <a:spcPct val="100000"/>
-                        </a:lnSpc>
-                        <a:spcBef>
-                          <a:spcPts val="0"/>
-                        </a:spcBef>
-                        <a:spcAft>
-                          <a:spcPts val="0"/>
-                        </a:spcAft>
-                        <a:buClrTx/>
-                        <a:buSzTx/>
-                        <a:buFont typeface="Arial" panose="020B0604020202020204" pitchFamily="34" charset="0"/>
-                        <a:buChar char="•"/>
-                        <a:tabLst/>
-                        <a:defRPr/>
-                      </a:pPr>
-                      <a:r>
-                        <a:rPr lang="en-US" sz="2800" kern="1200" smtClean="0">
-                          <a:solidFill>
-                            <a:schemeClr val="dk1"/>
-                          </a:solidFill>
-                          <a:effectLst/>
-                          <a:latin typeface="+mn-lt"/>
-                          <a:ea typeface="+mn-ea"/>
-                          <a:cs typeface="+mn-cs"/>
-                        </a:rPr>
-                        <a:t>Tối ưu được dung lượng cần tải về (tức là các thành phần không cần hiển thị sẽ không cần tải về).</a:t>
-                      </a:r>
-                    </a:p>
-                    <a:p>
-                      <a:endParaRPr lang="en-US" sz="2800"/>
-                    </a:p>
-                  </a:txBody>
-                  <a:tcPr/>
-                </a:tc>
-              </a:tr>
-            </a:tbl>
-          </a:graphicData>
-        </a:graphic>
-      </p:graphicFrame>
-      <p:sp>
-        <p:nvSpPr>
-          <p:cNvPr id="4" name="Title 1"/>
-          <p:cNvSpPr>
-            <a:spLocks noGrp="1"/>
-          </p:cNvSpPr>
-          <p:nvPr>
-            <p:ph type="title"/>
-          </p:nvPr>
-        </p:nvSpPr>
-        <p:spPr>
-          <a:xfrm>
-            <a:off x="838200" y="274320"/>
-            <a:ext cx="10515600" cy="929640"/>
-          </a:xfrm>
-        </p:spPr>
-        <p:txBody>
-          <a:bodyPr>
-            <a:noAutofit/>
-          </a:bodyPr>
-          <a:lstStyle/>
-          <a:p>
-            <a:r>
-              <a:rPr lang="en-US" sz="4800" b="1" smtClean="0">
-                <a:ln w="0"/>
-                <a:solidFill>
-                  <a:schemeClr val="accent1"/>
-                </a:solidFill>
-                <a:effectLst>
-                  <a:reflection blurRad="6350" stA="53000" endA="300" endPos="35500" dir="5400000" sy="-90000" algn="bl" rotWithShape="0"/>
-                </a:effectLst>
-              </a:rPr>
-              <a:t>So sánh giữa RWD và phiên bản web dành cho mobile</a:t>
-            </a:r>
-            <a:endParaRPr lang="en-US" sz="4800" b="1" dirty="0">
-              <a:ln w="0"/>
-              <a:solidFill>
-                <a:schemeClr val="accent1"/>
-              </a:solidFill>
-              <a:effectLst>
-                <a:reflection blurRad="6350" stA="53000" endA="300" endPos="35500" dir="5400000" sy="-90000" algn="bl" rotWithShape="0"/>
-              </a:effectLst>
-            </a:endParaRPr>
-          </a:p>
-        </p:txBody>
-      </p:sp>
-    </p:spTree>
-    <p:extLst>
-      <p:ext uri="{BB962C8B-B14F-4D97-AF65-F5344CB8AC3E}">
-        <p14:creationId xmlns:p14="http://schemas.microsoft.com/office/powerpoint/2010/main" val="2952989282"/>
-      </p:ext>
-    </p:extLst>
-  </p:cSld>
-  <p:clrMapOvr>
-    <a:masterClrMapping/>
-  </p:clrMapOvr>
-</p:sld>
-</file>
-
-<file path=ppt/slides/slide17.xml><?xml version="1.0" encoding="utf-8"?>
+<file path=ppt/slides/slide13.xml><?xml version="1.0" encoding="utf-8"?>
 <p:sld xmlns:a="http://schemas.openxmlformats.org/drawingml/2006/main" xmlns:r="http://schemas.openxmlformats.org/officeDocument/2006/relationships" xmlns:p="http://schemas.openxmlformats.org/presentationml/2006/main">
   <p:cSld>
     <p:spTree>
@@ -9509,35 +8616,135 @@
         </p:nvSpPr>
         <p:spPr>
           <a:xfrm>
-            <a:off x="838200" y="1432560"/>
-            <a:ext cx="10515600" cy="4744403"/>
+            <a:off x="325464" y="889348"/>
+            <a:ext cx="11685722" cy="5661354"/>
           </a:xfrm>
         </p:spPr>
         <p:txBody>
-          <a:bodyPr/>
+          <a:bodyPr>
+            <a:normAutofit fontScale="85000" lnSpcReduction="20000"/>
+          </a:bodyPr>
           <a:lstStyle/>
           <a:p>
-            <a:r>
-              <a:rPr lang="en-US" u="sng">
-                <a:hlinkClick r:id="rId2" tooltip="Thiết kế web responsive"/>
-              </a:rPr>
-              <a:t>Thiết kế web hỗ trợ responsive</a:t>
-            </a:r>
-            <a:r>
-              <a:rPr lang="en-US"/>
-              <a:t> không đơn thuần là tạo ra sản phẩm đẹp trong mắt người dùng mà còn là công việc tạo ra trải nghiệm mới cho người dùng. Responsive nếu được thực hiện tốt sẽ tăng khả năng trải nghiệm của người dùng nhưng chắc chắn là không thể giải quyết cho tất cả mọi người dùng trên mọi loại thiết bị, mọi nền tảng, nó sẽ còn được tiếp tục cải thiện trong nhiều năm tới nhưng bạn có thể áp dụng nó ngay hôm nay cho những dự án mới </a:t>
-            </a:r>
-            <a:r>
-              <a:rPr lang="en-US" smtClean="0"/>
-              <a:t>của các bạn và </a:t>
-            </a:r>
-            <a:r>
-              <a:rPr lang="en-US"/>
-              <a:t>hoàn thiện nó theo thời gian.</a:t>
-            </a:r>
-          </a:p>
-          <a:p>
-            <a:endParaRPr lang="en-US"/>
+            <a:pPr lvl="0"/>
+            <a:r>
+              <a:rPr lang="en-US" b="1" dirty="0"/>
+              <a:t>Kết quả</a:t>
+            </a:r>
+          </a:p>
+          <a:p>
+            <a:pPr marL="914400" lvl="0" indent="-449263">
+              <a:buFont typeface="Courier New" panose="02070309020205020404" pitchFamily="49" charset="0"/>
+              <a:buChar char="o"/>
+            </a:pPr>
+            <a:r>
+              <a:rPr lang="en-US" dirty="0"/>
+              <a:t>Đã hoàn thành các mục tiêu đã đặt ra trong phạm vi môn học.</a:t>
+            </a:r>
+          </a:p>
+          <a:p>
+            <a:pPr lvl="0"/>
+            <a:r>
+              <a:rPr lang="en-US" b="1" dirty="0"/>
+              <a:t>Ưu điểm</a:t>
+            </a:r>
+          </a:p>
+          <a:p>
+            <a:pPr marL="914400" lvl="0" indent="-449263">
+              <a:buFont typeface="Courier New" panose="02070309020205020404" pitchFamily="49" charset="0"/>
+              <a:buChar char="o"/>
+            </a:pPr>
+            <a:r>
+              <a:rPr lang="en-US" dirty="0"/>
+              <a:t>Website chạy ổn định và chính xác.</a:t>
+            </a:r>
+          </a:p>
+          <a:p>
+            <a:pPr marL="914400" lvl="0" indent="-449263">
+              <a:buFont typeface="Courier New" panose="02070309020205020404" pitchFamily="49" charset="0"/>
+              <a:buChar char="o"/>
+            </a:pPr>
+            <a:r>
+              <a:rPr lang="en-US" dirty="0"/>
+              <a:t>Website áp dụng các ngôn ngữ thiết kế web vào đề tài: HTML5, CSS3, javascript, jQuery, ajax,... và sử dụng các bộ thư viện của java để xây dựng các chức năng cho website: gửi mail (JavaMail), gửi tin nhắn tự động (smslib). </a:t>
+            </a:r>
+          </a:p>
+          <a:p>
+            <a:pPr marL="914400" lvl="0" indent="-449263">
+              <a:buFont typeface="Courier New" panose="02070309020205020404" pitchFamily="49" charset="0"/>
+              <a:buChar char="o"/>
+            </a:pPr>
+            <a:r>
+              <a:rPr lang="en-US" dirty="0"/>
+              <a:t>Giao diện đơn giản, thân thiện, phù hợp với người dùng thuộc mọi trình độ.</a:t>
+            </a:r>
+          </a:p>
+          <a:p>
+            <a:pPr lvl="0"/>
+            <a:r>
+              <a:rPr lang="en-US" b="1" dirty="0"/>
+              <a:t>Khuyết điểm</a:t>
+            </a:r>
+          </a:p>
+          <a:p>
+            <a:pPr marL="914400" lvl="0" indent="-449263">
+              <a:buFont typeface="Courier New" panose="02070309020205020404" pitchFamily="49" charset="0"/>
+              <a:buChar char="o"/>
+            </a:pPr>
+            <a:r>
+              <a:rPr lang="en-US" dirty="0"/>
+              <a:t>Chưa phát triển phần quản lý của admin.</a:t>
+            </a:r>
+          </a:p>
+          <a:p>
+            <a:pPr marL="914400" lvl="0" indent="-449263">
+              <a:buFont typeface="Courier New" panose="02070309020205020404" pitchFamily="49" charset="0"/>
+              <a:buChar char="o"/>
+            </a:pPr>
+            <a:r>
+              <a:rPr lang="en-US" dirty="0"/>
+              <a:t>Giao diện chưa đẹp, chưa hổ trợ reponsive.</a:t>
+            </a:r>
+          </a:p>
+          <a:p>
+            <a:pPr marL="914400" lvl="0" indent="-449263">
+              <a:buFont typeface="Courier New" panose="02070309020205020404" pitchFamily="49" charset="0"/>
+              <a:buChar char="o"/>
+            </a:pPr>
+            <a:r>
+              <a:rPr lang="en-US" dirty="0"/>
+              <a:t>Phần in ấn chưa đẹp mắt.</a:t>
+            </a:r>
+          </a:p>
+          <a:p>
+            <a:pPr lvl="0"/>
+            <a:r>
+              <a:rPr lang="en-US" b="1" dirty="0" smtClean="0"/>
+              <a:t>Hướng phát triển</a:t>
+            </a:r>
+          </a:p>
+          <a:p>
+            <a:pPr marL="852488" lvl="0" indent="-387350">
+              <a:buFont typeface="Courier New" panose="02070309020205020404" pitchFamily="49" charset="0"/>
+              <a:buChar char="o"/>
+            </a:pPr>
+            <a:r>
+              <a:rPr lang="en-US" dirty="0" smtClean="0"/>
+              <a:t>Phát triển đầy đủ các chức năng quản lí.</a:t>
+            </a:r>
+          </a:p>
+          <a:p>
+            <a:pPr marL="852488" lvl="0" indent="-387350">
+              <a:buFont typeface="Courier New" panose="02070309020205020404" pitchFamily="49" charset="0"/>
+              <a:buChar char="o"/>
+            </a:pPr>
+            <a:r>
+              <a:rPr lang="en-US" dirty="0" smtClean="0"/>
+              <a:t>Phát triển chức năng reponsive.</a:t>
+            </a:r>
+          </a:p>
+          <a:p>
+            <a:endParaRPr lang="en-US" dirty="0"/>
           </a:p>
         </p:txBody>
       </p:sp>
@@ -9597,10 +8804,29 @@
   <p:clrMapOvr>
     <a:masterClrMapping/>
   </p:clrMapOvr>
+  <mc:AlternateContent xmlns:mc="http://schemas.openxmlformats.org/markup-compatibility/2006" xmlns:p14="http://schemas.microsoft.com/office/powerpoint/2010/main">
+    <mc:Choice Requires="p14">
+      <p:transition spd="slow" p14:dur="1200">
+        <p14:prism/>
+      </p:transition>
+    </mc:Choice>
+    <mc:Fallback xmlns="">
+      <p:transition spd="slow">
+        <p:fade/>
+      </p:transition>
+    </mc:Fallback>
+  </mc:AlternateContent>
+  <p:timing>
+    <p:tnLst>
+      <p:par>
+        <p:cTn id="1" dur="indefinite" restart="never" nodeType="tmRoot"/>
+      </p:par>
+    </p:tnLst>
+  </p:timing>
 </p:sld>
 </file>
 
-<file path=ppt/slides/slide18.xml><?xml version="1.0" encoding="utf-8"?>
+<file path=ppt/slides/slide14.xml><?xml version="1.0" encoding="utf-8"?>
 <p:sld xmlns:a="http://schemas.openxmlformats.org/drawingml/2006/main" xmlns:r="http://schemas.openxmlformats.org/officeDocument/2006/relationships" xmlns:p="http://schemas.openxmlformats.org/presentationml/2006/main">
   <p:cSld>
     <p:spTree>
@@ -9773,7 +8999,7 @@
           <a:lstStyle/>
           <a:p>
             <a:r>
-              <a:rPr lang="en-US" sz="6000" smtClean="0">
+              <a:rPr lang="en-US" sz="6000" dirty="0" smtClean="0">
                 <a:ln w="0"/>
                 <a:solidFill>
                   <a:schemeClr val="accent1"/>
@@ -9781,24 +9007,11 @@
                 <a:effectLst>
                   <a:reflection blurRad="6350" stA="53000" endA="300" endPos="35500" dir="5400000" sy="-90000" algn="bl" rotWithShape="0"/>
                 </a:effectLst>
-                <a:latin typeface="Aharoni" panose="02010803020104030203" pitchFamily="2" charset="-79"/>
+                <a:latin typeface="+mn-lt"/>
+                <a:ea typeface="FangSong" panose="02010609060101010101" pitchFamily="49" charset="-122"/>
                 <a:cs typeface="Aharoni" panose="02010803020104030203" pitchFamily="2" charset="-79"/>
               </a:rPr>
-              <a:t>Đặ</a:t>
-            </a:r>
-            <a:r>
-              <a:rPr lang="en-US" sz="6000" smtClean="0">
-                <a:ln w="0"/>
-                <a:solidFill>
-                  <a:schemeClr val="accent1"/>
-                </a:solidFill>
-                <a:effectLst>
-                  <a:reflection blurRad="6350" stA="53000" endA="300" endPos="35500" dir="5400000" sy="-90000" algn="bl" rotWithShape="0"/>
-                </a:effectLst>
-                <a:latin typeface="Aharoni" panose="02010803020104030203" pitchFamily="2" charset="-79"/>
-                <a:cs typeface="Aharoni" panose="02010803020104030203" pitchFamily="2" charset="-79"/>
-              </a:rPr>
-              <a:t>t vé xe onine</a:t>
+              <a:t>Đặt vé xe onine</a:t>
             </a:r>
             <a:endParaRPr lang="en-US" sz="6000" dirty="0">
               <a:ln w="0"/>
@@ -9808,7 +9021,8 @@
               <a:effectLst>
                 <a:reflection blurRad="6350" stA="53000" endA="300" endPos="35500" dir="5400000" sy="-90000" algn="bl" rotWithShape="0"/>
               </a:effectLst>
-              <a:latin typeface="Aharoni" panose="02010803020104030203" pitchFamily="2" charset="-79"/>
+              <a:latin typeface="+mn-lt"/>
+              <a:ea typeface="FangSong" panose="02010609060101010101" pitchFamily="49" charset="-122"/>
               <a:cs typeface="Aharoni" panose="02010803020104030203" pitchFamily="2" charset="-79"/>
             </a:endParaRPr>
           </a:p>
@@ -9824,7 +9038,7 @@
             <p:ph idx="1"/>
             <p:extLst>
               <p:ext uri="{D42A27DB-BD31-4B8C-83A1-F6EECF244321}">
-                <p14:modId xmlns:p14="http://schemas.microsoft.com/office/powerpoint/2010/main" val="475358424"/>
+                <p14:modId xmlns:p14="http://schemas.microsoft.com/office/powerpoint/2010/main" val="2586564129"/>
               </p:ext>
             </p:extLst>
           </p:nvPr>
@@ -9912,7 +9126,7 @@
           <a:p>
             <a:pPr algn="ctr"/>
             <a:r>
-              <a:rPr lang="en-US" sz="4800" b="1">
+              <a:rPr lang="en-US" sz="4800" b="1" dirty="0">
                 <a:ln w="0"/>
                 <a:solidFill>
                   <a:schemeClr val="accent1"/>
@@ -9923,7 +9137,7 @@
               </a:rPr>
               <a:t>Giới thiệu</a:t>
             </a:r>
-            <a:endParaRPr lang="en-US" sz="4800" b="1" cap="none" spc="0" smtClean="0">
+            <a:endParaRPr lang="en-US" sz="4800" b="1" cap="none" spc="0" dirty="0" smtClean="0">
               <a:ln w="12700">
                 <a:solidFill>
                   <a:schemeClr val="accent5"/>
@@ -9950,8 +9164,8 @@
         </p:nvSpPr>
         <p:spPr>
           <a:xfrm>
-            <a:off x="807675" y="1557004"/>
-            <a:ext cx="10515600" cy="4351338"/>
+            <a:off x="807675" y="1813302"/>
+            <a:ext cx="10515600" cy="4095040"/>
           </a:xfrm>
         </p:spPr>
         <p:txBody>
@@ -9959,12 +9173,12 @@
           <a:lstStyle/>
           <a:p>
             <a:r>
-              <a:rPr lang="en-US"/>
+              <a:rPr lang="en-US" sz="3200" dirty="0"/>
               <a:t>Website đặt vé xe online được thiết kế và xây dựng với mục đích giúp khách hàng có thể đặt và chi trả vé xe một cách nhanh chóng và tiện lợi.</a:t>
             </a:r>
           </a:p>
           <a:p>
-            <a:endParaRPr lang="en-US"/>
+            <a:endParaRPr lang="en-US" dirty="0"/>
           </a:p>
         </p:txBody>
       </p:sp>
@@ -9978,6 +9192,18 @@
   <p:clrMapOvr>
     <a:masterClrMapping/>
   </p:clrMapOvr>
+  <mc:AlternateContent xmlns:mc="http://schemas.openxmlformats.org/markup-compatibility/2006" xmlns:p14="http://schemas.microsoft.com/office/powerpoint/2010/main">
+    <mc:Choice Requires="p14">
+      <p:transition spd="slow" p14:dur="1500">
+        <p:split orient="vert"/>
+      </p:transition>
+    </mc:Choice>
+    <mc:Fallback xmlns="">
+      <p:transition spd="slow">
+        <p:split orient="vert"/>
+      </p:transition>
+    </mc:Fallback>
+  </mc:AlternateContent>
   <p:timing>
     <p:tnLst>
       <p:par>
@@ -10094,6 +9320,18 @@
   <p:clrMapOvr>
     <a:masterClrMapping/>
   </p:clrMapOvr>
+  <mc:AlternateContent xmlns:mc="http://schemas.openxmlformats.org/markup-compatibility/2006" xmlns:p14="http://schemas.microsoft.com/office/powerpoint/2010/main">
+    <mc:Choice Requires="p14">
+      <p:transition spd="slow" p14:dur="3400">
+        <p14:reveal/>
+      </p:transition>
+    </mc:Choice>
+    <mc:Fallback xmlns="">
+      <p:transition spd="slow">
+        <p:fade/>
+      </p:transition>
+    </mc:Fallback>
+  </mc:AlternateContent>
   <p:timing>
     <p:tnLst>
       <p:par>
@@ -10188,11 +9426,7 @@
             </a:r>
             <a:r>
               <a:rPr lang="en-US"/>
-              <a:t>năng này dùng cho khách hàng để đặt vé xe của hãng xe thông qua </a:t>
-            </a:r>
-            <a:r>
-              <a:rPr lang="en-US"/>
-              <a:t>website</a:t>
+              <a:t>năng này dùng cho khách hàng để đặt vé xe của hãng xe thông qua website</a:t>
             </a:r>
             <a:r>
               <a:rPr lang="en-US" smtClean="0"/>
@@ -10227,8 +9461,8 @@
         </p:blipFill>
         <p:spPr bwMode="auto">
           <a:xfrm>
-            <a:off x="335280" y="2910841"/>
-            <a:ext cx="5135880" cy="3261358"/>
+            <a:off x="335280" y="2371242"/>
+            <a:ext cx="5135880" cy="3800958"/>
           </a:xfrm>
           <a:prstGeom prst="rect">
             <a:avLst/>
@@ -10260,8 +9494,8 @@
         </p:blipFill>
         <p:spPr bwMode="auto">
           <a:xfrm>
-            <a:off x="5974080" y="2910840"/>
-            <a:ext cx="6061710" cy="3261359"/>
+            <a:off x="5471160" y="2371242"/>
+            <a:ext cx="6564630" cy="3800957"/>
           </a:xfrm>
           <a:prstGeom prst="rect">
             <a:avLst/>
@@ -10297,7 +9531,228 @@
   <p:timing>
     <p:tnLst>
       <p:par>
-        <p:cTn id="1" dur="indefinite" restart="never" nodeType="tmRoot"/>
+        <p:cTn id="1" dur="indefinite" restart="never" nodeType="tmRoot">
+          <p:childTnLst>
+            <p:seq concurrent="1" nextAc="seek">
+              <p:cTn id="2" dur="indefinite" nodeType="mainSeq">
+                <p:childTnLst>
+                  <p:par>
+                    <p:cTn id="3" fill="hold">
+                      <p:stCondLst>
+                        <p:cond delay="indefinite"/>
+                      </p:stCondLst>
+                      <p:childTnLst>
+                        <p:par>
+                          <p:cTn id="4" fill="hold">
+                            <p:stCondLst>
+                              <p:cond delay="0"/>
+                            </p:stCondLst>
+                            <p:childTnLst>
+                              <p:par>
+                                <p:cTn id="5" presetID="42" presetClass="entr" presetSubtype="0" fill="hold" nodeType="clickEffect">
+                                  <p:stCondLst>
+                                    <p:cond delay="0"/>
+                                  </p:stCondLst>
+                                  <p:childTnLst>
+                                    <p:set>
+                                      <p:cBhvr>
+                                        <p:cTn id="6" dur="1" fill="hold">
+                                          <p:stCondLst>
+                                            <p:cond delay="0"/>
+                                          </p:stCondLst>
+                                        </p:cTn>
+                                        <p:tgtEl>
+                                          <p:spTgt spid="7"/>
+                                        </p:tgtEl>
+                                        <p:attrNameLst>
+                                          <p:attrName>style.visibility</p:attrName>
+                                        </p:attrNameLst>
+                                      </p:cBhvr>
+                                      <p:to>
+                                        <p:strVal val="visible"/>
+                                      </p:to>
+                                    </p:set>
+                                    <p:animEffect transition="in" filter="fade">
+                                      <p:cBhvr>
+                                        <p:cTn id="7" dur="1000"/>
+                                        <p:tgtEl>
+                                          <p:spTgt spid="7"/>
+                                        </p:tgtEl>
+                                      </p:cBhvr>
+                                    </p:animEffect>
+                                    <p:anim calcmode="lin" valueType="num">
+                                      <p:cBhvr>
+                                        <p:cTn id="8" dur="1000" fill="hold"/>
+                                        <p:tgtEl>
+                                          <p:spTgt spid="7"/>
+                                        </p:tgtEl>
+                                        <p:attrNameLst>
+                                          <p:attrName>ppt_x</p:attrName>
+                                        </p:attrNameLst>
+                                      </p:cBhvr>
+                                      <p:tavLst>
+                                        <p:tav tm="0">
+                                          <p:val>
+                                            <p:strVal val="#ppt_x"/>
+                                          </p:val>
+                                        </p:tav>
+                                        <p:tav tm="100000">
+                                          <p:val>
+                                            <p:strVal val="#ppt_x"/>
+                                          </p:val>
+                                        </p:tav>
+                                      </p:tavLst>
+                                    </p:anim>
+                                    <p:anim calcmode="lin" valueType="num">
+                                      <p:cBhvr>
+                                        <p:cTn id="9" dur="1000" fill="hold"/>
+                                        <p:tgtEl>
+                                          <p:spTgt spid="7"/>
+                                        </p:tgtEl>
+                                        <p:attrNameLst>
+                                          <p:attrName>ppt_y</p:attrName>
+                                        </p:attrNameLst>
+                                      </p:cBhvr>
+                                      <p:tavLst>
+                                        <p:tav tm="0">
+                                          <p:val>
+                                            <p:strVal val="#ppt_y+.1"/>
+                                          </p:val>
+                                        </p:tav>
+                                        <p:tav tm="100000">
+                                          <p:val>
+                                            <p:strVal val="#ppt_y"/>
+                                          </p:val>
+                                        </p:tav>
+                                      </p:tavLst>
+                                    </p:anim>
+                                  </p:childTnLst>
+                                </p:cTn>
+                              </p:par>
+                            </p:childTnLst>
+                          </p:cTn>
+                        </p:par>
+                      </p:childTnLst>
+                    </p:cTn>
+                  </p:par>
+                  <p:par>
+                    <p:cTn id="10" fill="hold">
+                      <p:stCondLst>
+                        <p:cond delay="indefinite"/>
+                      </p:stCondLst>
+                      <p:childTnLst>
+                        <p:par>
+                          <p:cTn id="11" fill="hold">
+                            <p:stCondLst>
+                              <p:cond delay="0"/>
+                            </p:stCondLst>
+                            <p:childTnLst>
+                              <p:par>
+                                <p:cTn id="12" presetID="42" presetClass="entr" presetSubtype="0" fill="hold" nodeType="clickEffect">
+                                  <p:stCondLst>
+                                    <p:cond delay="0"/>
+                                  </p:stCondLst>
+                                  <p:childTnLst>
+                                    <p:set>
+                                      <p:cBhvr>
+                                        <p:cTn id="13" dur="1" fill="hold">
+                                          <p:stCondLst>
+                                            <p:cond delay="0"/>
+                                          </p:stCondLst>
+                                        </p:cTn>
+                                        <p:tgtEl>
+                                          <p:spTgt spid="8"/>
+                                        </p:tgtEl>
+                                        <p:attrNameLst>
+                                          <p:attrName>style.visibility</p:attrName>
+                                        </p:attrNameLst>
+                                      </p:cBhvr>
+                                      <p:to>
+                                        <p:strVal val="visible"/>
+                                      </p:to>
+                                    </p:set>
+                                    <p:animEffect transition="in" filter="fade">
+                                      <p:cBhvr>
+                                        <p:cTn id="14" dur="1000"/>
+                                        <p:tgtEl>
+                                          <p:spTgt spid="8"/>
+                                        </p:tgtEl>
+                                      </p:cBhvr>
+                                    </p:animEffect>
+                                    <p:anim calcmode="lin" valueType="num">
+                                      <p:cBhvr>
+                                        <p:cTn id="15" dur="1000" fill="hold"/>
+                                        <p:tgtEl>
+                                          <p:spTgt spid="8"/>
+                                        </p:tgtEl>
+                                        <p:attrNameLst>
+                                          <p:attrName>ppt_x</p:attrName>
+                                        </p:attrNameLst>
+                                      </p:cBhvr>
+                                      <p:tavLst>
+                                        <p:tav tm="0">
+                                          <p:val>
+                                            <p:strVal val="#ppt_x"/>
+                                          </p:val>
+                                        </p:tav>
+                                        <p:tav tm="100000">
+                                          <p:val>
+                                            <p:strVal val="#ppt_x"/>
+                                          </p:val>
+                                        </p:tav>
+                                      </p:tavLst>
+                                    </p:anim>
+                                    <p:anim calcmode="lin" valueType="num">
+                                      <p:cBhvr>
+                                        <p:cTn id="16" dur="1000" fill="hold"/>
+                                        <p:tgtEl>
+                                          <p:spTgt spid="8"/>
+                                        </p:tgtEl>
+                                        <p:attrNameLst>
+                                          <p:attrName>ppt_y</p:attrName>
+                                        </p:attrNameLst>
+                                      </p:cBhvr>
+                                      <p:tavLst>
+                                        <p:tav tm="0">
+                                          <p:val>
+                                            <p:strVal val="#ppt_y+.1"/>
+                                          </p:val>
+                                        </p:tav>
+                                        <p:tav tm="100000">
+                                          <p:val>
+                                            <p:strVal val="#ppt_y"/>
+                                          </p:val>
+                                        </p:tav>
+                                      </p:tavLst>
+                                    </p:anim>
+                                  </p:childTnLst>
+                                </p:cTn>
+                              </p:par>
+                            </p:childTnLst>
+                          </p:cTn>
+                        </p:par>
+                      </p:childTnLst>
+                    </p:cTn>
+                  </p:par>
+                </p:childTnLst>
+              </p:cTn>
+              <p:prevCondLst>
+                <p:cond evt="onPrev" delay="0">
+                  <p:tgtEl>
+                    <p:sldTgt/>
+                  </p:tgtEl>
+                </p:cond>
+              </p:prevCondLst>
+              <p:nextCondLst>
+                <p:cond evt="onNext" delay="0">
+                  <p:tgtEl>
+                    <p:sldTgt/>
+                  </p:tgtEl>
+                </p:cond>
+              </p:nextCondLst>
+            </p:seq>
+          </p:childTnLst>
+        </p:cTn>
       </p:par>
     </p:tnLst>
   </p:timing>
@@ -10346,8 +9801,8 @@
         </p:blipFill>
         <p:spPr bwMode="auto">
           <a:xfrm>
-            <a:off x="188451" y="1246505"/>
-            <a:ext cx="5962938" cy="4351338"/>
+            <a:off x="0" y="464950"/>
+            <a:ext cx="6151389" cy="5424406"/>
           </a:xfrm>
           <a:prstGeom prst="rect">
             <a:avLst/>
@@ -10379,8 +9834,8 @@
         </p:blipFill>
         <p:spPr bwMode="auto">
           <a:xfrm>
-            <a:off x="6252210" y="1246505"/>
-            <a:ext cx="5939790" cy="4224655"/>
+            <a:off x="6151389" y="464950"/>
+            <a:ext cx="6040611" cy="5424406"/>
           </a:xfrm>
           <a:prstGeom prst="rect">
             <a:avLst/>
@@ -10401,10 +9856,142 @@
   <p:clrMapOvr>
     <a:masterClrMapping/>
   </p:clrMapOvr>
+  <p:transition spd="slow">
+    <p:push dir="u"/>
+  </p:transition>
   <p:timing>
     <p:tnLst>
       <p:par>
-        <p:cTn id="1" dur="indefinite" restart="never" nodeType="tmRoot"/>
+        <p:cTn id="1" dur="indefinite" restart="never" nodeType="tmRoot">
+          <p:childTnLst>
+            <p:seq concurrent="1" nextAc="seek">
+              <p:cTn id="2" dur="indefinite" nodeType="mainSeq">
+                <p:childTnLst>
+                  <p:par>
+                    <p:cTn id="3" fill="hold">
+                      <p:stCondLst>
+                        <p:cond delay="indefinite"/>
+                      </p:stCondLst>
+                      <p:childTnLst>
+                        <p:par>
+                          <p:cTn id="4" fill="hold">
+                            <p:stCondLst>
+                              <p:cond delay="0"/>
+                            </p:stCondLst>
+                            <p:childTnLst>
+                              <p:par>
+                                <p:cTn id="5" presetID="6" presetClass="entr" presetSubtype="16" fill="hold" nodeType="clickEffect">
+                                  <p:stCondLst>
+                                    <p:cond delay="0"/>
+                                  </p:stCondLst>
+                                  <p:childTnLst>
+                                    <p:set>
+                                      <p:cBhvr>
+                                        <p:cTn id="6" dur="1" fill="hold">
+                                          <p:stCondLst>
+                                            <p:cond delay="0"/>
+                                          </p:stCondLst>
+                                        </p:cTn>
+                                        <p:tgtEl>
+                                          <p:spTgt spid="5"/>
+                                        </p:tgtEl>
+                                        <p:attrNameLst>
+                                          <p:attrName>style.visibility</p:attrName>
+                                        </p:attrNameLst>
+                                      </p:cBhvr>
+                                      <p:to>
+                                        <p:strVal val="visible"/>
+                                      </p:to>
+                                    </p:set>
+                                    <p:animEffect transition="in" filter="circle(in)">
+                                      <p:cBhvr>
+                                        <p:cTn id="7" dur="2000"/>
+                                        <p:tgtEl>
+                                          <p:spTgt spid="5"/>
+                                        </p:tgtEl>
+                                      </p:cBhvr>
+                                    </p:animEffect>
+                                  </p:childTnLst>
+                                </p:cTn>
+                              </p:par>
+                            </p:childTnLst>
+                          </p:cTn>
+                        </p:par>
+                      </p:childTnLst>
+                    </p:cTn>
+                  </p:par>
+                  <p:par>
+                    <p:cTn id="8" fill="hold">
+                      <p:stCondLst>
+                        <p:cond delay="indefinite"/>
+                      </p:stCondLst>
+                      <p:childTnLst>
+                        <p:par>
+                          <p:cTn id="9" fill="hold">
+                            <p:stCondLst>
+                              <p:cond delay="0"/>
+                            </p:stCondLst>
+                            <p:childTnLst>
+                              <p:par>
+                                <p:cTn id="10" presetID="6" presetClass="entr" presetSubtype="16" fill="hold" nodeType="clickEffect">
+                                  <p:stCondLst>
+                                    <p:cond delay="0"/>
+                                  </p:stCondLst>
+                                  <p:childTnLst>
+                                    <p:set>
+                                      <p:cBhvr>
+                                        <p:cTn id="11" dur="1" fill="hold">
+                                          <p:stCondLst>
+                                            <p:cond delay="0"/>
+                                          </p:stCondLst>
+                                        </p:cTn>
+                                        <p:tgtEl>
+                                          <p:spTgt spid="6"/>
+                                        </p:tgtEl>
+                                        <p:attrNameLst>
+                                          <p:attrName>style.visibility</p:attrName>
+                                        </p:attrNameLst>
+                                      </p:cBhvr>
+                                      <p:to>
+                                        <p:strVal val="visible"/>
+                                      </p:to>
+                                    </p:set>
+                                    <p:animEffect transition="in" filter="circle(in)">
+                                      <p:cBhvr>
+                                        <p:cTn id="12" dur="2000"/>
+                                        <p:tgtEl>
+                                          <p:spTgt spid="6"/>
+                                        </p:tgtEl>
+                                      </p:cBhvr>
+                                    </p:animEffect>
+                                  </p:childTnLst>
+                                </p:cTn>
+                              </p:par>
+                            </p:childTnLst>
+                          </p:cTn>
+                        </p:par>
+                      </p:childTnLst>
+                    </p:cTn>
+                  </p:par>
+                </p:childTnLst>
+              </p:cTn>
+              <p:prevCondLst>
+                <p:cond evt="onPrev" delay="0">
+                  <p:tgtEl>
+                    <p:sldTgt/>
+                  </p:tgtEl>
+                </p:cond>
+              </p:prevCondLst>
+              <p:nextCondLst>
+                <p:cond evt="onNext" delay="0">
+                  <p:tgtEl>
+                    <p:sldTgt/>
+                  </p:tgtEl>
+                </p:cond>
+              </p:nextCondLst>
+            </p:seq>
+          </p:childTnLst>
+        </p:cTn>
       </p:par>
     </p:tnLst>
   </p:timing>
@@ -10459,11 +10046,7 @@
             </a:r>
             <a:r>
               <a:rPr lang="en-US"/>
-              <a:t>năng này dùng cho khách hàng để thanh toán vé xe đã </a:t>
-            </a:r>
-            <a:r>
-              <a:rPr lang="en-US"/>
-              <a:t>đặt</a:t>
+              <a:t>năng này dùng cho khách hàng để thanh toán vé xe đã đặt</a:t>
             </a:r>
             <a:r>
               <a:rPr lang="en-US" smtClean="0"/>
@@ -10550,8 +10133,8 @@
         </p:blipFill>
         <p:spPr>
           <a:xfrm>
-            <a:off x="381000" y="2849881"/>
-            <a:ext cx="5943600" cy="2910839"/>
+            <a:off x="0" y="1968285"/>
+            <a:ext cx="6217920" cy="4213727"/>
           </a:xfrm>
           <a:prstGeom prst="rect">
             <a:avLst/>
@@ -10578,8 +10161,8 @@
         </p:blipFill>
         <p:spPr>
           <a:xfrm>
-            <a:off x="6480175" y="2601277"/>
-            <a:ext cx="5711825" cy="3159443"/>
+            <a:off x="6217919" y="1968286"/>
+            <a:ext cx="6103233" cy="4213726"/>
           </a:xfrm>
           <a:prstGeom prst="rect">
             <a:avLst/>
@@ -10596,10 +10179,151 @@
   <p:clrMapOvr>
     <a:masterClrMapping/>
   </p:clrMapOvr>
+  <mc:AlternateContent xmlns:mc="http://schemas.openxmlformats.org/markup-compatibility/2006" xmlns:p14="http://schemas.microsoft.com/office/powerpoint/2010/main">
+    <mc:Choice Requires="p14">
+      <p:transition spd="slow" p14:dur="800">
+        <p:circle/>
+      </p:transition>
+    </mc:Choice>
+    <mc:Fallback xmlns="">
+      <p:transition spd="slow">
+        <p:circle/>
+      </p:transition>
+    </mc:Fallback>
+  </mc:AlternateContent>
   <p:timing>
     <p:tnLst>
       <p:par>
-        <p:cTn id="1" dur="indefinite" restart="never" nodeType="tmRoot"/>
+        <p:cTn id="1" dur="indefinite" restart="never" nodeType="tmRoot">
+          <p:childTnLst>
+            <p:seq concurrent="1" nextAc="seek">
+              <p:cTn id="2" dur="indefinite" nodeType="mainSeq">
+                <p:childTnLst>
+                  <p:par>
+                    <p:cTn id="3" fill="hold">
+                      <p:stCondLst>
+                        <p:cond delay="indefinite"/>
+                      </p:stCondLst>
+                      <p:childTnLst>
+                        <p:par>
+                          <p:cTn id="4" fill="hold">
+                            <p:stCondLst>
+                              <p:cond delay="0"/>
+                            </p:stCondLst>
+                            <p:childTnLst>
+                              <p:par>
+                                <p:cTn id="5" presetID="16" presetClass="entr" presetSubtype="21" fill="hold" nodeType="clickEffect">
+                                  <p:stCondLst>
+                                    <p:cond delay="0"/>
+                                  </p:stCondLst>
+                                  <p:childTnLst>
+                                    <p:set>
+                                      <p:cBhvr>
+                                        <p:cTn id="6" dur="1" fill="hold">
+                                          <p:stCondLst>
+                                            <p:cond delay="0"/>
+                                          </p:stCondLst>
+                                        </p:cTn>
+                                        <p:tgtEl>
+                                          <p:spTgt spid="5"/>
+                                        </p:tgtEl>
+                                        <p:attrNameLst>
+                                          <p:attrName>style.visibility</p:attrName>
+                                        </p:attrNameLst>
+                                      </p:cBhvr>
+                                      <p:to>
+                                        <p:strVal val="visible"/>
+                                      </p:to>
+                                    </p:set>
+                                    <p:animEffect transition="in" filter="barn(inVertical)">
+                                      <p:cBhvr>
+                                        <p:cTn id="7" dur="500"/>
+                                        <p:tgtEl>
+                                          <p:spTgt spid="5"/>
+                                        </p:tgtEl>
+                                      </p:cBhvr>
+                                    </p:animEffect>
+                                  </p:childTnLst>
+                                </p:cTn>
+                              </p:par>
+                            </p:childTnLst>
+                          </p:cTn>
+                        </p:par>
+                      </p:childTnLst>
+                    </p:cTn>
+                  </p:par>
+                  <p:par>
+                    <p:cTn id="8" fill="hold">
+                      <p:stCondLst>
+                        <p:cond delay="indefinite"/>
+                      </p:stCondLst>
+                      <p:childTnLst>
+                        <p:par>
+                          <p:cTn id="9" fill="hold">
+                            <p:stCondLst>
+                              <p:cond delay="0"/>
+                            </p:stCondLst>
+                            <p:childTnLst>
+                              <p:par>
+                                <p:cTn id="10" presetID="16" presetClass="entr" presetSubtype="21" fill="hold" nodeType="clickEffect">
+                                  <p:stCondLst>
+                                    <p:cond delay="0"/>
+                                  </p:stCondLst>
+                                  <p:childTnLst>
+                                    <p:set>
+                                      <p:cBhvr>
+                                        <p:cTn id="11" dur="1" fill="hold">
+                                          <p:stCondLst>
+                                            <p:cond delay="0"/>
+                                          </p:stCondLst>
+                                        </p:cTn>
+                                        <p:tgtEl>
+                                          <p:spTgt spid="6"/>
+                                        </p:tgtEl>
+                                        <p:attrNameLst>
+                                          <p:attrName>style.visibility</p:attrName>
+                                        </p:attrNameLst>
+                                      </p:cBhvr>
+                                      <p:to>
+                                        <p:strVal val="visible"/>
+                                      </p:to>
+                                    </p:set>
+                                    <p:animEffect transition="in" filter="barn(inVertical)">
+                                      <p:cBhvr>
+                                        <p:cTn id="12" dur="500"/>
+                                        <p:tgtEl>
+                                          <p:spTgt spid="6"/>
+                                        </p:tgtEl>
+                                      </p:cBhvr>
+                                    </p:animEffect>
+                                  </p:childTnLst>
+                                </p:cTn>
+                              </p:par>
+                            </p:childTnLst>
+                          </p:cTn>
+                        </p:par>
+                      </p:childTnLst>
+                    </p:cTn>
+                  </p:par>
+                </p:childTnLst>
+              </p:cTn>
+              <p:prevCondLst>
+                <p:cond evt="onPrev" delay="0">
+                  <p:tgtEl>
+                    <p:sldTgt/>
+                  </p:tgtEl>
+                </p:cond>
+              </p:prevCondLst>
+              <p:nextCondLst>
+                <p:cond evt="onNext" delay="0">
+                  <p:tgtEl>
+                    <p:sldTgt/>
+                  </p:tgtEl>
+                </p:cond>
+              </p:nextCondLst>
+            </p:seq>
+          </p:childTnLst>
+        </p:cTn>
       </p:par>
     </p:tnLst>
   </p:timing>
@@ -10690,8 +10414,8 @@
         </p:blipFill>
         <p:spPr bwMode="auto">
           <a:xfrm>
-            <a:off x="7620000" y="2759710"/>
-            <a:ext cx="4114800" cy="2894330"/>
+            <a:off x="7726680" y="2495228"/>
+            <a:ext cx="4399969" cy="3518114"/>
           </a:xfrm>
           <a:prstGeom prst="rect">
             <a:avLst/>
@@ -10758,8 +10482,8 @@
         </p:blipFill>
         <p:spPr>
           <a:xfrm>
-            <a:off x="350520" y="2759710"/>
-            <a:ext cx="7025640" cy="2658586"/>
+            <a:off x="0" y="2495228"/>
+            <a:ext cx="7376160" cy="3518114"/>
           </a:xfrm>
           <a:prstGeom prst="rect">
             <a:avLst/>
@@ -10776,10 +10500,142 @@
   <p:clrMapOvr>
     <a:masterClrMapping/>
   </p:clrMapOvr>
+  <p:transition spd="med">
+    <p:pull/>
+  </p:transition>
   <p:timing>
     <p:tnLst>
       <p:par>
-        <p:cTn id="1" dur="indefinite" restart="never" nodeType="tmRoot"/>
+        <p:cTn id="1" dur="indefinite" restart="never" nodeType="tmRoot">
+          <p:childTnLst>
+            <p:seq concurrent="1" nextAc="seek">
+              <p:cTn id="2" dur="indefinite" nodeType="mainSeq">
+                <p:childTnLst>
+                  <p:par>
+                    <p:cTn id="3" fill="hold">
+                      <p:stCondLst>
+                        <p:cond delay="indefinite"/>
+                      </p:stCondLst>
+                      <p:childTnLst>
+                        <p:par>
+                          <p:cTn id="4" fill="hold">
+                            <p:stCondLst>
+                              <p:cond delay="0"/>
+                            </p:stCondLst>
+                            <p:childTnLst>
+                              <p:par>
+                                <p:cTn id="5" presetID="21" presetClass="entr" presetSubtype="1" fill="hold" nodeType="clickEffect">
+                                  <p:stCondLst>
+                                    <p:cond delay="0"/>
+                                  </p:stCondLst>
+                                  <p:childTnLst>
+                                    <p:set>
+                                      <p:cBhvr>
+                                        <p:cTn id="6" dur="1" fill="hold">
+                                          <p:stCondLst>
+                                            <p:cond delay="0"/>
+                                          </p:stCondLst>
+                                        </p:cTn>
+                                        <p:tgtEl>
+                                          <p:spTgt spid="7"/>
+                                        </p:tgtEl>
+                                        <p:attrNameLst>
+                                          <p:attrName>style.visibility</p:attrName>
+                                        </p:attrNameLst>
+                                      </p:cBhvr>
+                                      <p:to>
+                                        <p:strVal val="visible"/>
+                                      </p:to>
+                                    </p:set>
+                                    <p:animEffect transition="in" filter="wheel(1)">
+                                      <p:cBhvr>
+                                        <p:cTn id="7" dur="2000"/>
+                                        <p:tgtEl>
+                                          <p:spTgt spid="7"/>
+                                        </p:tgtEl>
+                                      </p:cBhvr>
+                                    </p:animEffect>
+                                  </p:childTnLst>
+                                </p:cTn>
+                              </p:par>
+                            </p:childTnLst>
+                          </p:cTn>
+                        </p:par>
+                      </p:childTnLst>
+                    </p:cTn>
+                  </p:par>
+                  <p:par>
+                    <p:cTn id="8" fill="hold">
+                      <p:stCondLst>
+                        <p:cond delay="indefinite"/>
+                      </p:stCondLst>
+                      <p:childTnLst>
+                        <p:par>
+                          <p:cTn id="9" fill="hold">
+                            <p:stCondLst>
+                              <p:cond delay="0"/>
+                            </p:stCondLst>
+                            <p:childTnLst>
+                              <p:par>
+                                <p:cTn id="10" presetID="21" presetClass="entr" presetSubtype="1" fill="hold" nodeType="clickEffect">
+                                  <p:stCondLst>
+                                    <p:cond delay="0"/>
+                                  </p:stCondLst>
+                                  <p:childTnLst>
+                                    <p:set>
+                                      <p:cBhvr>
+                                        <p:cTn id="11" dur="1" fill="hold">
+                                          <p:stCondLst>
+                                            <p:cond delay="0"/>
+                                          </p:stCondLst>
+                                        </p:cTn>
+                                        <p:tgtEl>
+                                          <p:spTgt spid="6"/>
+                                        </p:tgtEl>
+                                        <p:attrNameLst>
+                                          <p:attrName>style.visibility</p:attrName>
+                                        </p:attrNameLst>
+                                      </p:cBhvr>
+                                      <p:to>
+                                        <p:strVal val="visible"/>
+                                      </p:to>
+                                    </p:set>
+                                    <p:animEffect transition="in" filter="wheel(1)">
+                                      <p:cBhvr>
+                                        <p:cTn id="12" dur="2000"/>
+                                        <p:tgtEl>
+                                          <p:spTgt spid="6"/>
+                                        </p:tgtEl>
+                                      </p:cBhvr>
+                                    </p:animEffect>
+                                  </p:childTnLst>
+                                </p:cTn>
+                              </p:par>
+                            </p:childTnLst>
+                          </p:cTn>
+                        </p:par>
+                      </p:childTnLst>
+                    </p:cTn>
+                  </p:par>
+                </p:childTnLst>
+              </p:cTn>
+              <p:prevCondLst>
+                <p:cond evt="onPrev" delay="0">
+                  <p:tgtEl>
+                    <p:sldTgt/>
+                  </p:tgtEl>
+                </p:cond>
+              </p:prevCondLst>
+              <p:nextCondLst>
+                <p:cond evt="onNext" delay="0">
+                  <p:tgtEl>
+                    <p:sldTgt/>
+                  </p:tgtEl>
+                </p:cond>
+              </p:nextCondLst>
+            </p:seq>
+          </p:childTnLst>
+        </p:cTn>
       </p:par>
     </p:tnLst>
   </p:timing>
@@ -10905,8 +10761,8 @@
         </p:blipFill>
         <p:spPr>
           <a:xfrm>
-            <a:off x="2545080" y="2162175"/>
-            <a:ext cx="6522719" cy="4010025"/>
+            <a:off x="2715560" y="2107769"/>
+            <a:ext cx="8638240" cy="4750231"/>
           </a:xfrm>
           <a:prstGeom prst="rect">
             <a:avLst/>
@@ -10923,10 +10779,98 @@
   <p:clrMapOvr>
     <a:masterClrMapping/>
   </p:clrMapOvr>
+  <mc:AlternateContent xmlns:mc="http://schemas.openxmlformats.org/markup-compatibility/2006" xmlns:p14="http://schemas.microsoft.com/office/powerpoint/2010/main">
+    <mc:Choice Requires="p14">
+      <p:transition spd="slow" p14:dur="1600">
+        <p:blinds dir="vert"/>
+      </p:transition>
+    </mc:Choice>
+    <mc:Fallback xmlns="">
+      <p:transition spd="slow">
+        <p:blinds dir="vert"/>
+      </p:transition>
+    </mc:Fallback>
+  </mc:AlternateContent>
   <p:timing>
     <p:tnLst>
       <p:par>
-        <p:cTn id="1" dur="indefinite" restart="never" nodeType="tmRoot"/>
+        <p:cTn id="1" dur="indefinite" restart="never" nodeType="tmRoot">
+          <p:childTnLst>
+            <p:seq concurrent="1" nextAc="seek">
+              <p:cTn id="2" dur="indefinite" nodeType="mainSeq">
+                <p:childTnLst>
+                  <p:par>
+                    <p:cTn id="3" fill="hold">
+                      <p:stCondLst>
+                        <p:cond delay="indefinite"/>
+                      </p:stCondLst>
+                      <p:childTnLst>
+                        <p:par>
+                          <p:cTn id="4" fill="hold">
+                            <p:stCondLst>
+                              <p:cond delay="0"/>
+                            </p:stCondLst>
+                            <p:childTnLst>
+                              <p:par>
+                                <p:cTn id="5" presetID="14" presetClass="entr" presetSubtype="10" fill="hold" nodeType="clickEffect">
+                                  <p:stCondLst>
+                                    <p:cond delay="0"/>
+                                  </p:stCondLst>
+                                  <p:childTnLst>
+                                    <p:set>
+                                      <p:cBhvr>
+                                        <p:cTn id="6" dur="1" fill="hold">
+                                          <p:stCondLst>
+                                            <p:cond delay="0"/>
+                                          </p:stCondLst>
+                                        </p:cTn>
+                                        <p:tgtEl>
+                                          <p:spTgt spid="5"/>
+                                        </p:tgtEl>
+                                        <p:attrNameLst>
+                                          <p:attrName>style.visibility</p:attrName>
+                                        </p:attrNameLst>
+                                      </p:cBhvr>
+                                      <p:to>
+                                        <p:strVal val="visible"/>
+                                      </p:to>
+                                    </p:set>
+                                    <p:animEffect transition="in" filter="randombar(horizontal)">
+                                      <p:cBhvr>
+                                        <p:cTn id="7" dur="500"/>
+                                        <p:tgtEl>
+                                          <p:spTgt spid="5"/>
+                                        </p:tgtEl>
+                                      </p:cBhvr>
+                                    </p:animEffect>
+                                  </p:childTnLst>
+                                </p:cTn>
+                              </p:par>
+                            </p:childTnLst>
+                          </p:cTn>
+                        </p:par>
+                      </p:childTnLst>
+                    </p:cTn>
+                  </p:par>
+                </p:childTnLst>
+              </p:cTn>
+              <p:prevCondLst>
+                <p:cond evt="onPrev" delay="0">
+                  <p:tgtEl>
+                    <p:sldTgt/>
+                  </p:tgtEl>
+                </p:cond>
+              </p:prevCondLst>
+              <p:nextCondLst>
+                <p:cond evt="onNext" delay="0">
+                  <p:tgtEl>
+                    <p:sldTgt/>
+                  </p:tgtEl>
+                </p:cond>
+              </p:nextCondLst>
+            </p:seq>
+          </p:childTnLst>
+        </p:cTn>
       </p:par>
     </p:tnLst>
   </p:timing>
